--- a/ch06_CNN/ch0603_TFLearn.pptx
+++ b/ch06_CNN/ch0603_TFLearn.pptx
@@ -5,7 +5,7 @@
     <p:sldMasterId id="2147483648" r:id="rId1"/>
   </p:sldMasterIdLst>
   <p:notesMasterIdLst>
-    <p:notesMasterId r:id="rId14"/>
+    <p:notesMasterId r:id="rId21"/>
   </p:notesMasterIdLst>
   <p:sldIdLst>
     <p:sldId id="256" r:id="rId2"/>
@@ -15,11 +15,18 @@
     <p:sldId id="262" r:id="rId6"/>
     <p:sldId id="263" r:id="rId7"/>
     <p:sldId id="264" r:id="rId8"/>
-    <p:sldId id="265" r:id="rId9"/>
-    <p:sldId id="266" r:id="rId10"/>
-    <p:sldId id="268" r:id="rId11"/>
-    <p:sldId id="269" r:id="rId12"/>
-    <p:sldId id="259" r:id="rId13"/>
+    <p:sldId id="271" r:id="rId9"/>
+    <p:sldId id="265" r:id="rId10"/>
+    <p:sldId id="272" r:id="rId11"/>
+    <p:sldId id="266" r:id="rId12"/>
+    <p:sldId id="270" r:id="rId13"/>
+    <p:sldId id="273" r:id="rId14"/>
+    <p:sldId id="268" r:id="rId15"/>
+    <p:sldId id="274" r:id="rId16"/>
+    <p:sldId id="275" r:id="rId17"/>
+    <p:sldId id="276" r:id="rId18"/>
+    <p:sldId id="269" r:id="rId19"/>
+    <p:sldId id="259" r:id="rId20"/>
   </p:sldIdLst>
   <p:sldSz cx="9144000" cy="6858000" type="screen4x3"/>
   <p:notesSz cx="6858000" cy="9144000"/>
@@ -220,7 +227,7 @@
             <a:fld id="{6837EDA8-41C8-4B24-A206-13C08A65A6D7}" type="datetimeFigureOut">
               <a:rPr lang="zh-TW" altLang="en-US" smtClean="0"/>
               <a:pPr/>
-              <a:t>2019/3/7</a:t>
+              <a:t>2019/4/5</a:t>
             </a:fld>
             <a:endParaRPr lang="zh-TW" altLang="en-US"/>
           </a:p>
@@ -673,7 +680,7 @@
             <a:fld id="{8B85509C-BD4F-47BF-9B1E-FC2E949B3621}" type="datetime1">
               <a:rPr lang="zh-TW" altLang="en-US" smtClean="0"/>
               <a:pPr/>
-              <a:t>2019/3/7</a:t>
+              <a:t>2019/4/5</a:t>
             </a:fld>
             <a:endParaRPr lang="zh-TW" altLang="en-US"/>
           </a:p>
@@ -846,7 +853,7 @@
             <a:fld id="{42251B24-F787-4C15-8A0F-7AEC20C70069}" type="datetime1">
               <a:rPr lang="zh-TW" altLang="en-US" smtClean="0"/>
               <a:pPr/>
-              <a:t>2019/3/7</a:t>
+              <a:t>2019/4/5</a:t>
             </a:fld>
             <a:endParaRPr lang="zh-TW" altLang="en-US"/>
           </a:p>
@@ -1021,7 +1028,7 @@
             <a:fld id="{9CA0D33C-CE2B-45F1-B8D4-FFD1F131F331}" type="datetime1">
               <a:rPr lang="zh-TW" altLang="en-US" smtClean="0"/>
               <a:pPr/>
-              <a:t>2019/3/7</a:t>
+              <a:t>2019/4/5</a:t>
             </a:fld>
             <a:endParaRPr lang="zh-TW" altLang="en-US"/>
           </a:p>
@@ -1186,7 +1193,7 @@
             <a:fld id="{50B99440-D9EF-40CC-9B52-F6428D9B2C76}" type="datetime1">
               <a:rPr lang="zh-TW" altLang="en-US" smtClean="0"/>
               <a:pPr/>
-              <a:t>2019/3/7</a:t>
+              <a:t>2019/4/5</a:t>
             </a:fld>
             <a:endParaRPr lang="zh-TW" altLang="en-US"/>
           </a:p>
@@ -1428,7 +1435,7 @@
             <a:fld id="{0871BF52-5C6C-4959-8E27-CECB68D39FE4}" type="datetime1">
               <a:rPr lang="zh-TW" altLang="en-US" smtClean="0"/>
               <a:pPr/>
-              <a:t>2019/3/7</a:t>
+              <a:t>2019/4/5</a:t>
             </a:fld>
             <a:endParaRPr lang="zh-TW" altLang="en-US"/>
           </a:p>
@@ -1710,7 +1717,7 @@
             <a:fld id="{DF863F05-2DD9-4EB1-A827-12FD992DE9DC}" type="datetime1">
               <a:rPr lang="zh-TW" altLang="en-US" smtClean="0"/>
               <a:pPr/>
-              <a:t>2019/3/7</a:t>
+              <a:t>2019/4/5</a:t>
             </a:fld>
             <a:endParaRPr lang="zh-TW" altLang="en-US"/>
           </a:p>
@@ -2126,7 +2133,7 @@
             <a:fld id="{6339AF51-4491-4873-A096-75DB6CE47516}" type="datetime1">
               <a:rPr lang="zh-TW" altLang="en-US" smtClean="0"/>
               <a:pPr/>
-              <a:t>2019/3/7</a:t>
+              <a:t>2019/4/5</a:t>
             </a:fld>
             <a:endParaRPr lang="zh-TW" altLang="en-US"/>
           </a:p>
@@ -2240,7 +2247,7 @@
             <a:fld id="{EE4AD9C8-8B9E-40FF-ABE2-858AC2057BBB}" type="datetime1">
               <a:rPr lang="zh-TW" altLang="en-US" smtClean="0"/>
               <a:pPr/>
-              <a:t>2019/3/7</a:t>
+              <a:t>2019/4/5</a:t>
             </a:fld>
             <a:endParaRPr lang="zh-TW" altLang="en-US"/>
           </a:p>
@@ -2332,7 +2339,7 @@
             <a:fld id="{B4784999-BBBE-4BE4-A8D0-877E7D1D66CC}" type="datetime1">
               <a:rPr lang="zh-TW" altLang="en-US" smtClean="0"/>
               <a:pPr/>
-              <a:t>2019/3/7</a:t>
+              <a:t>2019/4/5</a:t>
             </a:fld>
             <a:endParaRPr lang="zh-TW" altLang="en-US"/>
           </a:p>
@@ -2604,7 +2611,7 @@
             <a:fld id="{E88D17E6-02BD-4944-B9FE-7BFCCBF83D48}" type="datetime1">
               <a:rPr lang="zh-TW" altLang="en-US" smtClean="0"/>
               <a:pPr/>
-              <a:t>2019/3/7</a:t>
+              <a:t>2019/4/5</a:t>
             </a:fld>
             <a:endParaRPr lang="zh-TW" altLang="en-US"/>
           </a:p>
@@ -2853,7 +2860,7 @@
             <a:fld id="{3C13E23D-1FEF-4D78-A3A3-3D6F2BB31954}" type="datetime1">
               <a:rPr lang="zh-TW" altLang="en-US" smtClean="0"/>
               <a:pPr/>
-              <a:t>2019/3/7</a:t>
+              <a:t>2019/4/5</a:t>
             </a:fld>
             <a:endParaRPr lang="zh-TW" altLang="en-US"/>
           </a:p>
@@ -3061,7 +3068,7 @@
             <a:fld id="{06197F35-AD6F-4594-8B50-334492D2E7E8}" type="datetime1">
               <a:rPr lang="zh-TW" altLang="en-US" smtClean="0"/>
               <a:pPr/>
-              <a:t>2019/3/7</a:t>
+              <a:t>2019/4/5</a:t>
             </a:fld>
             <a:endParaRPr lang="zh-TW" altLang="en-US"/>
           </a:p>
@@ -3522,7 +3529,7 @@
             <a:fld id="{C389EDC9-19E3-47AC-9C57-C6A24DEA81AD}" type="datetime1">
               <a:rPr lang="zh-TW" altLang="en-US" smtClean="0"/>
               <a:pPr/>
-              <a:t>2019/3/7</a:t>
+              <a:t>2019/4/5</a:t>
             </a:fld>
             <a:endParaRPr lang="zh-TW" altLang="en-US"/>
           </a:p>
@@ -3619,6 +3626,185 @@
         </p:nvSpPr>
         <p:spPr>
           <a:xfrm>
+            <a:off x="0" y="2130425"/>
+            <a:ext cx="9144000" cy="1470025"/>
+          </a:xfrm>
+          <a:solidFill>
+            <a:srgbClr val="00B0F0"/>
+          </a:solidFill>
+        </p:spPr>
+        <p:txBody>
+          <a:bodyPr>
+            <a:normAutofit/>
+          </a:bodyPr>
+          <a:lstStyle/>
+          <a:p>
+            <a:r>
+              <a:rPr lang="en-US" altLang="zh-TW" sz="4800" b="1" dirty="0">
+                <a:solidFill>
+                  <a:srgbClr val="FFFF00"/>
+                </a:solidFill>
+              </a:rPr>
+              <a:t>6.2 Sinple-cnn.py</a:t>
+            </a:r>
+            <a:endParaRPr lang="zh-TW" altLang="en-US" sz="4800" b="1" dirty="0">
+              <a:solidFill>
+                <a:srgbClr val="FFFF00"/>
+              </a:solidFill>
+            </a:endParaRPr>
+          </a:p>
+        </p:txBody>
+      </p:sp>
+      <p:sp>
+        <p:nvSpPr>
+          <p:cNvPr id="3" name="副標題 2"/>
+          <p:cNvSpPr>
+            <a:spLocks noGrp="1"/>
+          </p:cNvSpPr>
+          <p:nvPr>
+            <p:ph type="subTitle" idx="1"/>
+          </p:nvPr>
+        </p:nvSpPr>
+        <p:spPr>
+          <a:xfrm>
+            <a:off x="1259632" y="4581128"/>
+            <a:ext cx="6400800" cy="694928"/>
+          </a:xfrm>
+        </p:spPr>
+        <p:txBody>
+          <a:bodyPr>
+            <a:normAutofit/>
+          </a:bodyPr>
+          <a:lstStyle/>
+          <a:p>
+            <a:r>
+              <a:rPr lang="en-US" altLang="zh-TW" dirty="0"/>
+              <a:t>Peter H. Chen</a:t>
+            </a:r>
+            <a:endParaRPr lang="zh-TW" altLang="en-US" dirty="0"/>
+          </a:p>
+        </p:txBody>
+      </p:sp>
+      <p:sp>
+        <p:nvSpPr>
+          <p:cNvPr id="5" name="日期版面配置區 4"/>
+          <p:cNvSpPr>
+            <a:spLocks noGrp="1"/>
+          </p:cNvSpPr>
+          <p:nvPr>
+            <p:ph type="dt" sz="half" idx="10"/>
+          </p:nvPr>
+        </p:nvSpPr>
+        <p:spPr/>
+        <p:txBody>
+          <a:bodyPr/>
+          <a:lstStyle/>
+          <a:p>
+            <a:fld id="{C389EDC9-19E3-47AC-9C57-C6A24DEA81AD}" type="datetime1">
+              <a:rPr lang="zh-TW" altLang="en-US" smtClean="0"/>
+              <a:pPr/>
+              <a:t>2019/4/5</a:t>
+            </a:fld>
+            <a:endParaRPr lang="zh-TW" altLang="en-US"/>
+          </a:p>
+        </p:txBody>
+      </p:sp>
+      <p:sp>
+        <p:nvSpPr>
+          <p:cNvPr id="6" name="投影片編號版面配置區 5"/>
+          <p:cNvSpPr>
+            <a:spLocks noGrp="1"/>
+          </p:cNvSpPr>
+          <p:nvPr>
+            <p:ph type="sldNum" sz="quarter" idx="12"/>
+          </p:nvPr>
+        </p:nvSpPr>
+        <p:spPr/>
+        <p:txBody>
+          <a:bodyPr/>
+          <a:lstStyle/>
+          <a:p>
+            <a:fld id="{E4D7E63D-91F2-4366-A2C4-1B00C9E2590E}" type="slidenum">
+              <a:rPr lang="zh-TW" altLang="en-US" smtClean="0"/>
+              <a:pPr/>
+              <a:t>10</a:t>
+            </a:fld>
+            <a:endParaRPr lang="zh-TW" altLang="en-US"/>
+          </a:p>
+        </p:txBody>
+      </p:sp>
+      <p:pic>
+        <p:nvPicPr>
+          <p:cNvPr id="4" name="Picture 3">
+            <a:extLst>
+              <a:ext uri="{FF2B5EF4-FFF2-40B4-BE49-F238E27FC236}">
+                <a16:creationId xmlns:a16="http://schemas.microsoft.com/office/drawing/2014/main" id="{7A4D60E2-93C7-4A51-A7EE-54D2D57FE8B6}"/>
+              </a:ext>
+            </a:extLst>
+          </p:cNvPr>
+          <p:cNvPicPr>
+            <a:picLocks noChangeAspect="1"/>
+          </p:cNvPicPr>
+          <p:nvPr/>
+        </p:nvPicPr>
+        <p:blipFill>
+          <a:blip r:embed="rId2"/>
+          <a:stretch>
+            <a:fillRect/>
+          </a:stretch>
+        </p:blipFill>
+        <p:spPr>
+          <a:xfrm>
+            <a:off x="3851920" y="3717032"/>
+            <a:ext cx="1202568" cy="990350"/>
+          </a:xfrm>
+          <a:prstGeom prst="rect">
+            <a:avLst/>
+          </a:prstGeom>
+        </p:spPr>
+      </p:pic>
+    </p:spTree>
+    <p:extLst>
+      <p:ext uri="{BB962C8B-B14F-4D97-AF65-F5344CB8AC3E}">
+        <p14:creationId xmlns:p14="http://schemas.microsoft.com/office/powerpoint/2010/main" val="1599402846"/>
+      </p:ext>
+    </p:extLst>
+  </p:cSld>
+  <p:clrMapOvr>
+    <a:masterClrMapping/>
+  </p:clrMapOvr>
+</p:sld>
+</file>
+
+<file path=ppt/slides/slide11.xml><?xml version="1.0" encoding="utf-8"?>
+<p:sld xmlns:a="http://schemas.openxmlformats.org/drawingml/2006/main" xmlns:r="http://schemas.openxmlformats.org/officeDocument/2006/relationships" xmlns:p="http://schemas.openxmlformats.org/presentationml/2006/main">
+  <p:cSld>
+    <p:spTree>
+      <p:nvGrpSpPr>
+        <p:cNvPr id="1" name=""/>
+        <p:cNvGrpSpPr/>
+        <p:nvPr/>
+      </p:nvGrpSpPr>
+      <p:grpSpPr>
+        <a:xfrm>
+          <a:off x="0" y="0"/>
+          <a:ext cx="0" cy="0"/>
+          <a:chOff x="0" y="0"/>
+          <a:chExt cx="0" cy="0"/>
+        </a:xfrm>
+      </p:grpSpPr>
+      <p:sp>
+        <p:nvSpPr>
+          <p:cNvPr id="2" name="標題 1"/>
+          <p:cNvSpPr>
+            <a:spLocks noGrp="1"/>
+          </p:cNvSpPr>
+          <p:nvPr>
+            <p:ph type="ctrTitle"/>
+          </p:nvPr>
+        </p:nvSpPr>
+        <p:spPr>
+          <a:xfrm>
             <a:off x="0" y="1"/>
             <a:ext cx="9144000" cy="764704"/>
           </a:xfrm>
@@ -3662,7 +3848,7 @@
                   <a:srgbClr val="FFFF00"/>
                 </a:solidFill>
               </a:rPr>
-              <a:t>6 Convolutional Neural Network (3)</a:t>
+              <a:t>6.2 Sinple-cnn.py</a:t>
             </a:r>
             <a:endParaRPr lang="zh-TW" altLang="en-US" b="1" dirty="0">
               <a:solidFill>
@@ -3713,7 +3899,7 @@
                   <a:schemeClr val="tx1"/>
                 </a:solidFill>
               </a:rPr>
-              <a:t>More Code Samples  (3)</a:t>
+              <a:t>More Code Samples  (2)</a:t>
             </a:r>
           </a:p>
           <a:p>
@@ -4033,7 +4219,7 @@
             <a:fld id="{A4F910E6-8D00-4BAF-8C48-9688E0B449D3}" type="datetime1">
               <a:rPr lang="zh-TW" altLang="en-US" smtClean="0"/>
               <a:pPr/>
-              <a:t>2019/3/7</a:t>
+              <a:t>2019/4/5</a:t>
             </a:fld>
             <a:endParaRPr lang="zh-TW" altLang="en-US"/>
           </a:p>
@@ -4057,7 +4243,1586 @@
             <a:fld id="{E4D7E63D-91F2-4366-A2C4-1B00C9E2590E}" type="slidenum">
               <a:rPr lang="zh-TW" altLang="en-US" smtClean="0"/>
               <a:pPr/>
-              <a:t>10</a:t>
+              <a:t>11</a:t>
+            </a:fld>
+            <a:endParaRPr lang="zh-TW" altLang="en-US"/>
+          </a:p>
+        </p:txBody>
+      </p:sp>
+      <p:pic>
+        <p:nvPicPr>
+          <p:cNvPr id="7" name="Picture 6">
+            <a:extLst>
+              <a:ext uri="{FF2B5EF4-FFF2-40B4-BE49-F238E27FC236}">
+                <a16:creationId xmlns:a16="http://schemas.microsoft.com/office/drawing/2014/main" id="{27916C73-513A-40EC-BA15-4A93E6464981}"/>
+              </a:ext>
+            </a:extLst>
+          </p:cNvPr>
+          <p:cNvPicPr>
+            <a:picLocks noChangeAspect="1"/>
+          </p:cNvPicPr>
+          <p:nvPr/>
+        </p:nvPicPr>
+        <p:blipFill>
+          <a:blip r:embed="rId2"/>
+          <a:stretch>
+            <a:fillRect/>
+          </a:stretch>
+        </p:blipFill>
+        <p:spPr>
+          <a:xfrm>
+            <a:off x="4444401" y="1271166"/>
+            <a:ext cx="4242399" cy="5085184"/>
+          </a:xfrm>
+          <a:prstGeom prst="rect">
+            <a:avLst/>
+          </a:prstGeom>
+          <a:ln>
+            <a:solidFill>
+              <a:srgbClr val="C00000"/>
+            </a:solidFill>
+          </a:ln>
+        </p:spPr>
+      </p:pic>
+      <p:sp>
+        <p:nvSpPr>
+          <p:cNvPr id="8" name="Rectangle 7">
+            <a:extLst>
+              <a:ext uri="{FF2B5EF4-FFF2-40B4-BE49-F238E27FC236}">
+                <a16:creationId xmlns:a16="http://schemas.microsoft.com/office/drawing/2014/main" id="{0AF196B7-95CA-4EFF-84F0-38674FC4F4E1}"/>
+              </a:ext>
+            </a:extLst>
+          </p:cNvPr>
+          <p:cNvSpPr/>
+          <p:nvPr/>
+        </p:nvSpPr>
+        <p:spPr>
+          <a:xfrm>
+            <a:off x="755576" y="1628800"/>
+            <a:ext cx="2952328" cy="1008112"/>
+          </a:xfrm>
+          <a:prstGeom prst="rect">
+            <a:avLst/>
+          </a:prstGeom>
+          <a:noFill/>
+          <a:ln>
+            <a:solidFill>
+              <a:srgbClr val="C00000"/>
+            </a:solidFill>
+          </a:ln>
+        </p:spPr>
+        <p:style>
+          <a:lnRef idx="2">
+            <a:schemeClr val="accent1">
+              <a:shade val="50000"/>
+            </a:schemeClr>
+          </a:lnRef>
+          <a:fillRef idx="1">
+            <a:schemeClr val="accent1"/>
+          </a:fillRef>
+          <a:effectRef idx="0">
+            <a:schemeClr val="accent1"/>
+          </a:effectRef>
+          <a:fontRef idx="minor">
+            <a:schemeClr val="lt1"/>
+          </a:fontRef>
+        </p:style>
+        <p:txBody>
+          <a:bodyPr rtlCol="0" anchor="ctr"/>
+          <a:lstStyle/>
+          <a:p>
+            <a:pPr algn="ctr"/>
+            <a:endParaRPr lang="en-US"/>
+          </a:p>
+        </p:txBody>
+      </p:sp>
+    </p:spTree>
+    <p:extLst>
+      <p:ext uri="{BB962C8B-B14F-4D97-AF65-F5344CB8AC3E}">
+        <p14:creationId xmlns:p14="http://schemas.microsoft.com/office/powerpoint/2010/main" val="4294103250"/>
+      </p:ext>
+    </p:extLst>
+  </p:cSld>
+  <p:clrMapOvr>
+    <a:masterClrMapping/>
+  </p:clrMapOvr>
+</p:sld>
+</file>
+
+<file path=ppt/slides/slide12.xml><?xml version="1.0" encoding="utf-8"?>
+<p:sld xmlns:a="http://schemas.openxmlformats.org/drawingml/2006/main" xmlns:r="http://schemas.openxmlformats.org/officeDocument/2006/relationships" xmlns:p="http://schemas.openxmlformats.org/presentationml/2006/main">
+  <p:cSld>
+    <p:spTree>
+      <p:nvGrpSpPr>
+        <p:cNvPr id="1" name=""/>
+        <p:cNvGrpSpPr/>
+        <p:nvPr/>
+      </p:nvGrpSpPr>
+      <p:grpSpPr>
+        <a:xfrm>
+          <a:off x="0" y="0"/>
+          <a:ext cx="0" cy="0"/>
+          <a:chOff x="0" y="0"/>
+          <a:chExt cx="0" cy="0"/>
+        </a:xfrm>
+      </p:grpSpPr>
+      <p:sp>
+        <p:nvSpPr>
+          <p:cNvPr id="2" name="標題 1"/>
+          <p:cNvSpPr>
+            <a:spLocks noGrp="1"/>
+          </p:cNvSpPr>
+          <p:nvPr>
+            <p:ph type="ctrTitle"/>
+          </p:nvPr>
+        </p:nvSpPr>
+        <p:spPr>
+          <a:xfrm>
+            <a:off x="0" y="1"/>
+            <a:ext cx="9144000" cy="764704"/>
+          </a:xfrm>
+          <a:gradFill flip="none" rotWithShape="1">
+            <a:gsLst>
+              <a:gs pos="0">
+                <a:srgbClr val="C00000">
+                  <a:shade val="30000"/>
+                  <a:satMod val="115000"/>
+                </a:srgbClr>
+              </a:gs>
+              <a:gs pos="50000">
+                <a:srgbClr val="C00000">
+                  <a:shade val="67500"/>
+                  <a:satMod val="115000"/>
+                </a:srgbClr>
+              </a:gs>
+              <a:gs pos="100000">
+                <a:srgbClr val="C00000">
+                  <a:shade val="100000"/>
+                  <a:satMod val="115000"/>
+                </a:srgbClr>
+              </a:gs>
+            </a:gsLst>
+            <a:path path="circle">
+              <a:fillToRect t="100000" r="100000"/>
+            </a:path>
+            <a:tileRect l="-100000" b="-100000"/>
+          </a:gradFill>
+        </p:spPr>
+        <p:txBody>
+          <a:bodyPr>
+            <a:normAutofit/>
+          </a:bodyPr>
+          <a:lstStyle/>
+          <a:p>
+            <a:pPr algn="l"/>
+            <a:r>
+              <a:rPr lang="en-US" altLang="zh-TW" b="1" dirty="0">
+                <a:solidFill>
+                  <a:srgbClr val="FFFF00"/>
+                </a:solidFill>
+              </a:rPr>
+              <a:t>6.2 Sinple-cnn.py</a:t>
+            </a:r>
+            <a:endParaRPr lang="zh-TW" altLang="en-US" b="1" dirty="0">
+              <a:solidFill>
+                <a:srgbClr val="FFFF00"/>
+              </a:solidFill>
+            </a:endParaRPr>
+          </a:p>
+        </p:txBody>
+      </p:sp>
+      <p:sp>
+        <p:nvSpPr>
+          <p:cNvPr id="3" name="副標題 2"/>
+          <p:cNvSpPr>
+            <a:spLocks noGrp="1"/>
+          </p:cNvSpPr>
+          <p:nvPr>
+            <p:ph type="subTitle" idx="1"/>
+          </p:nvPr>
+        </p:nvSpPr>
+        <p:spPr>
+          <a:xfrm>
+            <a:off x="467544" y="1268760"/>
+            <a:ext cx="3816424" cy="3672408"/>
+          </a:xfrm>
+          <a:ln>
+            <a:solidFill>
+              <a:srgbClr val="C00000"/>
+            </a:solidFill>
+          </a:ln>
+        </p:spPr>
+        <p:txBody>
+          <a:bodyPr>
+            <a:noAutofit/>
+          </a:bodyPr>
+          <a:lstStyle/>
+          <a:p>
+            <a:pPr marL="342900" indent="-342900" algn="l">
+              <a:buClr>
+                <a:srgbClr val="0070C0"/>
+              </a:buClr>
+              <a:buSzPct val="80000"/>
+              <a:buFont typeface="Wingdings" pitchFamily="2" charset="2"/>
+              <a:buChar char="u"/>
+            </a:pPr>
+            <a:r>
+              <a:rPr lang="en-US" sz="1600" b="1" dirty="0">
+                <a:solidFill>
+                  <a:schemeClr val="tx1"/>
+                </a:solidFill>
+              </a:rPr>
+              <a:t>More Code Samples  (2)</a:t>
+            </a:r>
+          </a:p>
+          <a:p>
+            <a:pPr marL="342900" indent="-342900" algn="l">
+              <a:buClr>
+                <a:srgbClr val="0070C0"/>
+              </a:buClr>
+              <a:buSzPct val="80000"/>
+              <a:buFont typeface="Wingdings" pitchFamily="2" charset="2"/>
+              <a:buChar char="u"/>
+            </a:pPr>
+            <a:r>
+              <a:rPr lang="en-US" sz="1800" dirty="0">
+                <a:solidFill>
+                  <a:srgbClr val="0070C0"/>
+                </a:solidFill>
+              </a:rPr>
+              <a:t>simple-cnn.py:</a:t>
+            </a:r>
+          </a:p>
+          <a:p>
+            <a:pPr marL="342900" indent="-342900" algn="l">
+              <a:buClr>
+                <a:srgbClr val="0070C0"/>
+              </a:buClr>
+              <a:buSzPct val="80000"/>
+              <a:buFont typeface="Wingdings" pitchFamily="2" charset="2"/>
+              <a:buChar char="u"/>
+            </a:pPr>
+            <a:r>
+              <a:rPr lang="en-US" sz="1600" dirty="0">
+                <a:solidFill>
+                  <a:schemeClr val="tx1"/>
+                </a:solidFill>
+              </a:rPr>
+              <a:t>Constructs CNN</a:t>
+            </a:r>
+          </a:p>
+          <a:p>
+            <a:pPr marL="342900" indent="-342900" algn="l">
+              <a:buClr>
+                <a:srgbClr val="0070C0"/>
+              </a:buClr>
+              <a:buSzPct val="80000"/>
+              <a:buFont typeface="Wingdings" pitchFamily="2" charset="2"/>
+              <a:buChar char="u"/>
+            </a:pPr>
+            <a:r>
+              <a:rPr lang="en-US" sz="1600" dirty="0">
+                <a:solidFill>
+                  <a:schemeClr val="tx1"/>
+                </a:solidFill>
+              </a:rPr>
+              <a:t>Saves data for TensorBoard</a:t>
+            </a:r>
+          </a:p>
+          <a:p>
+            <a:pPr marL="342900" indent="-342900" algn="l">
+              <a:buClr>
+                <a:srgbClr val="0070C0"/>
+              </a:buClr>
+              <a:buSzPct val="80000"/>
+              <a:buFont typeface="Wingdings" pitchFamily="2" charset="2"/>
+              <a:buChar char="u"/>
+            </a:pPr>
+            <a:endParaRPr lang="en-US" sz="1800" dirty="0">
+              <a:solidFill>
+                <a:schemeClr val="tx1"/>
+              </a:solidFill>
+            </a:endParaRPr>
+          </a:p>
+          <a:p>
+            <a:pPr marL="342900" indent="-342900" algn="l">
+              <a:buClr>
+                <a:srgbClr val="0070C0"/>
+              </a:buClr>
+              <a:buSzPct val="80000"/>
+              <a:buFont typeface="Wingdings" pitchFamily="2" charset="2"/>
+              <a:buChar char="u"/>
+            </a:pPr>
+            <a:r>
+              <a:rPr lang="en-US" sz="1800" dirty="0">
+                <a:solidFill>
+                  <a:srgbClr val="0070C0"/>
+                </a:solidFill>
+              </a:rPr>
+              <a:t>complex-cnn.py:</a:t>
+            </a:r>
+          </a:p>
+          <a:p>
+            <a:pPr marL="342900" indent="-342900" algn="l">
+              <a:buClr>
+                <a:srgbClr val="0070C0"/>
+              </a:buClr>
+              <a:buSzPct val="80000"/>
+              <a:buFont typeface="Wingdings" pitchFamily="2" charset="2"/>
+              <a:buChar char="u"/>
+            </a:pPr>
+            <a:r>
+              <a:rPr lang="en-US" sz="1600" dirty="0">
+                <a:solidFill>
+                  <a:schemeClr val="tx1"/>
+                </a:solidFill>
+              </a:rPr>
+              <a:t>useful TensorBoard techniques</a:t>
+            </a:r>
+          </a:p>
+          <a:p>
+            <a:pPr marL="342900" indent="-342900" algn="l">
+              <a:buClr>
+                <a:srgbClr val="0070C0"/>
+              </a:buClr>
+              <a:buSzPct val="80000"/>
+              <a:buFont typeface="Wingdings" pitchFamily="2" charset="2"/>
+              <a:buChar char="u"/>
+            </a:pPr>
+            <a:endParaRPr lang="en-US" sz="1800" dirty="0">
+              <a:solidFill>
+                <a:schemeClr val="tx1"/>
+              </a:solidFill>
+            </a:endParaRPr>
+          </a:p>
+          <a:p>
+            <a:pPr marL="342900" indent="-342900" algn="l">
+              <a:buClr>
+                <a:srgbClr val="0070C0"/>
+              </a:buClr>
+              <a:buSzPct val="80000"/>
+              <a:buFont typeface="Wingdings" pitchFamily="2" charset="2"/>
+              <a:buChar char="u"/>
+            </a:pPr>
+            <a:r>
+              <a:rPr lang="en-US" sz="1800" dirty="0">
+                <a:solidFill>
+                  <a:srgbClr val="0070C0"/>
+                </a:solidFill>
+              </a:rPr>
+              <a:t>input-data.py:</a:t>
+            </a:r>
+          </a:p>
+          <a:p>
+            <a:pPr marL="342900" indent="-342900" algn="l">
+              <a:buClr>
+                <a:srgbClr val="0070C0"/>
+              </a:buClr>
+              <a:buSzPct val="80000"/>
+              <a:buFont typeface="Wingdings" pitchFamily="2" charset="2"/>
+              <a:buChar char="u"/>
+            </a:pPr>
+            <a:r>
+              <a:rPr lang="en-US" sz="1600" dirty="0">
+                <a:solidFill>
+                  <a:schemeClr val="tx1"/>
+                </a:solidFill>
+              </a:rPr>
+              <a:t>+ Alternative to deprecated code:</a:t>
+            </a:r>
+          </a:p>
+          <a:p>
+            <a:pPr marL="342900" indent="-342900" algn="l">
+              <a:buClr>
+                <a:srgbClr val="0070C0"/>
+              </a:buClr>
+              <a:buSzPct val="80000"/>
+              <a:buFont typeface="Wingdings" pitchFamily="2" charset="2"/>
+              <a:buChar char="u"/>
+            </a:pPr>
+            <a:r>
+              <a:rPr lang="en-US" sz="1400" dirty="0">
+                <a:solidFill>
+                  <a:schemeClr val="tx1"/>
+                </a:solidFill>
+              </a:rPr>
+              <a:t>from </a:t>
+            </a:r>
+            <a:r>
+              <a:rPr lang="en-US" sz="1400" dirty="0" err="1">
+                <a:solidFill>
+                  <a:schemeClr val="tx1"/>
+                </a:solidFill>
+              </a:rPr>
+              <a:t>tensorflow.examples.tutorials.mnist</a:t>
+            </a:r>
+            <a:r>
+              <a:rPr lang="en-US" sz="1400" dirty="0">
+                <a:solidFill>
+                  <a:schemeClr val="tx1"/>
+                </a:solidFill>
+              </a:rPr>
+              <a:t> import </a:t>
+            </a:r>
+            <a:r>
+              <a:rPr lang="en-US" sz="1400" dirty="0" err="1">
+                <a:solidFill>
+                  <a:schemeClr val="tx1"/>
+                </a:solidFill>
+              </a:rPr>
+              <a:t>input_data</a:t>
+            </a:r>
+            <a:endParaRPr lang="en-US" sz="1400" dirty="0">
+              <a:solidFill>
+                <a:schemeClr val="tx1"/>
+              </a:solidFill>
+            </a:endParaRPr>
+          </a:p>
+          <a:p>
+            <a:pPr marL="342900" indent="-342900" algn="l">
+              <a:buClr>
+                <a:srgbClr val="0070C0"/>
+              </a:buClr>
+              <a:buSzPct val="80000"/>
+              <a:buFont typeface="Wingdings" pitchFamily="2" charset="2"/>
+              <a:buChar char="u"/>
+            </a:pPr>
+            <a:endParaRPr lang="en-US" sz="1600" b="1" dirty="0">
+              <a:solidFill>
+                <a:schemeClr val="tx1"/>
+              </a:solidFill>
+            </a:endParaRPr>
+          </a:p>
+        </p:txBody>
+      </p:sp>
+      <p:sp>
+        <p:nvSpPr>
+          <p:cNvPr id="4" name="標題 1"/>
+          <p:cNvSpPr txBox="1">
+            <a:spLocks/>
+          </p:cNvSpPr>
+          <p:nvPr/>
+        </p:nvSpPr>
+        <p:spPr>
+          <a:xfrm>
+            <a:off x="0" y="764704"/>
+            <a:ext cx="9144000" cy="360040"/>
+          </a:xfrm>
+          <a:prstGeom prst="rect">
+            <a:avLst/>
+          </a:prstGeom>
+          <a:gradFill flip="none" rotWithShape="1">
+            <a:gsLst>
+              <a:gs pos="0">
+                <a:srgbClr val="00B0F0">
+                  <a:shade val="30000"/>
+                  <a:satMod val="115000"/>
+                </a:srgbClr>
+              </a:gs>
+              <a:gs pos="50000">
+                <a:srgbClr val="00B0F0">
+                  <a:shade val="67500"/>
+                  <a:satMod val="115000"/>
+                </a:srgbClr>
+              </a:gs>
+              <a:gs pos="100000">
+                <a:srgbClr val="00B0F0">
+                  <a:shade val="100000"/>
+                  <a:satMod val="115000"/>
+                </a:srgbClr>
+              </a:gs>
+            </a:gsLst>
+            <a:path path="circle">
+              <a:fillToRect t="100000" r="100000"/>
+            </a:path>
+            <a:tileRect l="-100000" b="-100000"/>
+          </a:gradFill>
+        </p:spPr>
+        <p:txBody>
+          <a:bodyPr vert="horz" lIns="91440" tIns="45720" rIns="91440" bIns="45720" rtlCol="0" anchor="ctr">
+            <a:normAutofit/>
+          </a:bodyPr>
+          <a:lstStyle/>
+          <a:p>
+            <a:pPr lvl="0">
+              <a:spcBef>
+                <a:spcPct val="0"/>
+              </a:spcBef>
+            </a:pPr>
+            <a:r>
+              <a:rPr lang="en-US" altLang="zh-TW" sz="1600" dirty="0">
+                <a:latin typeface="+mj-lt"/>
+                <a:ea typeface="+mj-ea"/>
+                <a:cs typeface="+mj-cs"/>
+              </a:rPr>
+              <a:t>https://www.tensorflow.org/tutorials/</a:t>
+            </a:r>
+            <a:endParaRPr kumimoji="0" lang="zh-TW" altLang="en-US" sz="1600" b="0" i="0" u="none" strike="noStrike" kern="1200" cap="none" spc="0" normalizeH="0" baseline="0" noProof="0" dirty="0">
+              <a:ln>
+                <a:noFill/>
+              </a:ln>
+              <a:solidFill>
+                <a:schemeClr val="tx1"/>
+              </a:solidFill>
+              <a:effectLst/>
+              <a:uLnTx/>
+              <a:uFillTx/>
+              <a:latin typeface="+mj-lt"/>
+              <a:ea typeface="+mj-ea"/>
+              <a:cs typeface="+mj-cs"/>
+            </a:endParaRPr>
+          </a:p>
+        </p:txBody>
+      </p:sp>
+      <p:sp>
+        <p:nvSpPr>
+          <p:cNvPr id="5" name="日期版面配置區 4"/>
+          <p:cNvSpPr>
+            <a:spLocks noGrp="1"/>
+          </p:cNvSpPr>
+          <p:nvPr>
+            <p:ph type="dt" sz="half" idx="10"/>
+          </p:nvPr>
+        </p:nvSpPr>
+        <p:spPr/>
+        <p:txBody>
+          <a:bodyPr/>
+          <a:lstStyle/>
+          <a:p>
+            <a:fld id="{A4F910E6-8D00-4BAF-8C48-9688E0B449D3}" type="datetime1">
+              <a:rPr lang="zh-TW" altLang="en-US" smtClean="0"/>
+              <a:pPr/>
+              <a:t>2019/4/5</a:t>
+            </a:fld>
+            <a:endParaRPr lang="zh-TW" altLang="en-US"/>
+          </a:p>
+        </p:txBody>
+      </p:sp>
+      <p:sp>
+        <p:nvSpPr>
+          <p:cNvPr id="6" name="投影片編號版面配置區 5"/>
+          <p:cNvSpPr>
+            <a:spLocks noGrp="1"/>
+          </p:cNvSpPr>
+          <p:nvPr>
+            <p:ph type="sldNum" sz="quarter" idx="12"/>
+          </p:nvPr>
+        </p:nvSpPr>
+        <p:spPr/>
+        <p:txBody>
+          <a:bodyPr/>
+          <a:lstStyle/>
+          <a:p>
+            <a:fld id="{E4D7E63D-91F2-4366-A2C4-1B00C9E2590E}" type="slidenum">
+              <a:rPr lang="zh-TW" altLang="en-US" smtClean="0"/>
+              <a:pPr/>
+              <a:t>12</a:t>
+            </a:fld>
+            <a:endParaRPr lang="zh-TW" altLang="en-US"/>
+          </a:p>
+        </p:txBody>
+      </p:sp>
+      <p:sp>
+        <p:nvSpPr>
+          <p:cNvPr id="8" name="Rectangle 7">
+            <a:extLst>
+              <a:ext uri="{FF2B5EF4-FFF2-40B4-BE49-F238E27FC236}">
+                <a16:creationId xmlns:a16="http://schemas.microsoft.com/office/drawing/2014/main" id="{0AF196B7-95CA-4EFF-84F0-38674FC4F4E1}"/>
+              </a:ext>
+            </a:extLst>
+          </p:cNvPr>
+          <p:cNvSpPr/>
+          <p:nvPr/>
+        </p:nvSpPr>
+        <p:spPr>
+          <a:xfrm>
+            <a:off x="755576" y="1628800"/>
+            <a:ext cx="2952328" cy="1008112"/>
+          </a:xfrm>
+          <a:prstGeom prst="rect">
+            <a:avLst/>
+          </a:prstGeom>
+          <a:noFill/>
+          <a:ln>
+            <a:solidFill>
+              <a:srgbClr val="C00000"/>
+            </a:solidFill>
+          </a:ln>
+        </p:spPr>
+        <p:style>
+          <a:lnRef idx="2">
+            <a:schemeClr val="accent1">
+              <a:shade val="50000"/>
+            </a:schemeClr>
+          </a:lnRef>
+          <a:fillRef idx="1">
+            <a:schemeClr val="accent1"/>
+          </a:fillRef>
+          <a:effectRef idx="0">
+            <a:schemeClr val="accent1"/>
+          </a:effectRef>
+          <a:fontRef idx="minor">
+            <a:schemeClr val="lt1"/>
+          </a:fontRef>
+        </p:style>
+        <p:txBody>
+          <a:bodyPr rtlCol="0" anchor="ctr"/>
+          <a:lstStyle/>
+          <a:p>
+            <a:pPr algn="ctr"/>
+            <a:endParaRPr lang="en-US"/>
+          </a:p>
+        </p:txBody>
+      </p:sp>
+      <p:pic>
+        <p:nvPicPr>
+          <p:cNvPr id="9" name="Picture 8">
+            <a:extLst>
+              <a:ext uri="{FF2B5EF4-FFF2-40B4-BE49-F238E27FC236}">
+                <a16:creationId xmlns:a16="http://schemas.microsoft.com/office/drawing/2014/main" id="{CC96A8FF-D6F8-4641-9D2D-0E62C204EF92}"/>
+              </a:ext>
+            </a:extLst>
+          </p:cNvPr>
+          <p:cNvPicPr>
+            <a:picLocks noChangeAspect="1"/>
+          </p:cNvPicPr>
+          <p:nvPr/>
+        </p:nvPicPr>
+        <p:blipFill>
+          <a:blip r:embed="rId2"/>
+          <a:stretch>
+            <a:fillRect/>
+          </a:stretch>
+        </p:blipFill>
+        <p:spPr>
+          <a:xfrm>
+            <a:off x="4175955" y="2150938"/>
+            <a:ext cx="4784133" cy="3247913"/>
+          </a:xfrm>
+          <a:prstGeom prst="rect">
+            <a:avLst/>
+          </a:prstGeom>
+          <a:ln>
+            <a:solidFill>
+              <a:srgbClr val="C00000"/>
+            </a:solidFill>
+          </a:ln>
+        </p:spPr>
+      </p:pic>
+      <p:sp>
+        <p:nvSpPr>
+          <p:cNvPr id="10" name="副標題 2">
+            <a:extLst>
+              <a:ext uri="{FF2B5EF4-FFF2-40B4-BE49-F238E27FC236}">
+                <a16:creationId xmlns:a16="http://schemas.microsoft.com/office/drawing/2014/main" id="{07456399-0DA8-4B98-8298-2AA143D55C71}"/>
+              </a:ext>
+            </a:extLst>
+          </p:cNvPr>
+          <p:cNvSpPr txBox="1">
+            <a:spLocks/>
+          </p:cNvSpPr>
+          <p:nvPr/>
+        </p:nvSpPr>
+        <p:spPr>
+          <a:xfrm>
+            <a:off x="4659810" y="1417643"/>
+            <a:ext cx="3816424" cy="571197"/>
+          </a:xfrm>
+          <a:prstGeom prst="rect">
+            <a:avLst/>
+          </a:prstGeom>
+          <a:ln>
+            <a:solidFill>
+              <a:srgbClr val="C00000"/>
+            </a:solidFill>
+          </a:ln>
+        </p:spPr>
+        <p:txBody>
+          <a:bodyPr vert="horz" lIns="91440" tIns="45720" rIns="91440" bIns="45720" rtlCol="0">
+            <a:noAutofit/>
+          </a:bodyPr>
+          <a:lstStyle>
+            <a:lvl1pPr marL="0" indent="0" algn="ctr" defTabSz="914400" rtl="0" eaLnBrk="1" latinLnBrk="0" hangingPunct="1">
+              <a:spcBef>
+                <a:spcPct val="20000"/>
+              </a:spcBef>
+              <a:buFont typeface="Arial" pitchFamily="34" charset="0"/>
+              <a:buNone/>
+              <a:defRPr sz="3200" kern="1200">
+                <a:solidFill>
+                  <a:schemeClr val="tx1">
+                    <a:tint val="75000"/>
+                  </a:schemeClr>
+                </a:solidFill>
+                <a:latin typeface="+mn-lt"/>
+                <a:ea typeface="+mn-ea"/>
+                <a:cs typeface="+mn-cs"/>
+              </a:defRPr>
+            </a:lvl1pPr>
+            <a:lvl2pPr marL="457200" indent="0" algn="ctr" defTabSz="914400" rtl="0" eaLnBrk="1" latinLnBrk="0" hangingPunct="1">
+              <a:spcBef>
+                <a:spcPct val="20000"/>
+              </a:spcBef>
+              <a:buFont typeface="Arial" pitchFamily="34" charset="0"/>
+              <a:buNone/>
+              <a:defRPr sz="2800" kern="1200">
+                <a:solidFill>
+                  <a:schemeClr val="tx1">
+                    <a:tint val="75000"/>
+                  </a:schemeClr>
+                </a:solidFill>
+                <a:latin typeface="+mn-lt"/>
+                <a:ea typeface="+mn-ea"/>
+                <a:cs typeface="+mn-cs"/>
+              </a:defRPr>
+            </a:lvl2pPr>
+            <a:lvl3pPr marL="914400" indent="0" algn="ctr" defTabSz="914400" rtl="0" eaLnBrk="1" latinLnBrk="0" hangingPunct="1">
+              <a:spcBef>
+                <a:spcPct val="20000"/>
+              </a:spcBef>
+              <a:buFont typeface="Arial" pitchFamily="34" charset="0"/>
+              <a:buNone/>
+              <a:defRPr sz="2400" kern="1200">
+                <a:solidFill>
+                  <a:schemeClr val="tx1">
+                    <a:tint val="75000"/>
+                  </a:schemeClr>
+                </a:solidFill>
+                <a:latin typeface="+mn-lt"/>
+                <a:ea typeface="+mn-ea"/>
+                <a:cs typeface="+mn-cs"/>
+              </a:defRPr>
+            </a:lvl3pPr>
+            <a:lvl4pPr marL="1371600" indent="0" algn="ctr" defTabSz="914400" rtl="0" eaLnBrk="1" latinLnBrk="0" hangingPunct="1">
+              <a:spcBef>
+                <a:spcPct val="20000"/>
+              </a:spcBef>
+              <a:buFont typeface="Arial" pitchFamily="34" charset="0"/>
+              <a:buNone/>
+              <a:defRPr sz="2000" kern="1200">
+                <a:solidFill>
+                  <a:schemeClr val="tx1">
+                    <a:tint val="75000"/>
+                  </a:schemeClr>
+                </a:solidFill>
+                <a:latin typeface="+mn-lt"/>
+                <a:ea typeface="+mn-ea"/>
+                <a:cs typeface="+mn-cs"/>
+              </a:defRPr>
+            </a:lvl4pPr>
+            <a:lvl5pPr marL="1828800" indent="0" algn="ctr" defTabSz="914400" rtl="0" eaLnBrk="1" latinLnBrk="0" hangingPunct="1">
+              <a:spcBef>
+                <a:spcPct val="20000"/>
+              </a:spcBef>
+              <a:buFont typeface="Arial" pitchFamily="34" charset="0"/>
+              <a:buNone/>
+              <a:defRPr sz="2000" kern="1200">
+                <a:solidFill>
+                  <a:schemeClr val="tx1">
+                    <a:tint val="75000"/>
+                  </a:schemeClr>
+                </a:solidFill>
+                <a:latin typeface="+mn-lt"/>
+                <a:ea typeface="+mn-ea"/>
+                <a:cs typeface="+mn-cs"/>
+              </a:defRPr>
+            </a:lvl5pPr>
+            <a:lvl6pPr marL="2286000" indent="0" algn="ctr" defTabSz="914400" rtl="0" eaLnBrk="1" latinLnBrk="0" hangingPunct="1">
+              <a:spcBef>
+                <a:spcPct val="20000"/>
+              </a:spcBef>
+              <a:buFont typeface="Arial" pitchFamily="34" charset="0"/>
+              <a:buNone/>
+              <a:defRPr sz="2000" kern="1200">
+                <a:solidFill>
+                  <a:schemeClr val="tx1">
+                    <a:tint val="75000"/>
+                  </a:schemeClr>
+                </a:solidFill>
+                <a:latin typeface="+mn-lt"/>
+                <a:ea typeface="+mn-ea"/>
+                <a:cs typeface="+mn-cs"/>
+              </a:defRPr>
+            </a:lvl6pPr>
+            <a:lvl7pPr marL="2743200" indent="0" algn="ctr" defTabSz="914400" rtl="0" eaLnBrk="1" latinLnBrk="0" hangingPunct="1">
+              <a:spcBef>
+                <a:spcPct val="20000"/>
+              </a:spcBef>
+              <a:buFont typeface="Arial" pitchFamily="34" charset="0"/>
+              <a:buNone/>
+              <a:defRPr sz="2000" kern="1200">
+                <a:solidFill>
+                  <a:schemeClr val="tx1">
+                    <a:tint val="75000"/>
+                  </a:schemeClr>
+                </a:solidFill>
+                <a:latin typeface="+mn-lt"/>
+                <a:ea typeface="+mn-ea"/>
+                <a:cs typeface="+mn-cs"/>
+              </a:defRPr>
+            </a:lvl7pPr>
+            <a:lvl8pPr marL="3200400" indent="0" algn="ctr" defTabSz="914400" rtl="0" eaLnBrk="1" latinLnBrk="0" hangingPunct="1">
+              <a:spcBef>
+                <a:spcPct val="20000"/>
+              </a:spcBef>
+              <a:buFont typeface="Arial" pitchFamily="34" charset="0"/>
+              <a:buNone/>
+              <a:defRPr sz="2000" kern="1200">
+                <a:solidFill>
+                  <a:schemeClr val="tx1">
+                    <a:tint val="75000"/>
+                  </a:schemeClr>
+                </a:solidFill>
+                <a:latin typeface="+mn-lt"/>
+                <a:ea typeface="+mn-ea"/>
+                <a:cs typeface="+mn-cs"/>
+              </a:defRPr>
+            </a:lvl8pPr>
+            <a:lvl9pPr marL="3657600" indent="0" algn="ctr" defTabSz="914400" rtl="0" eaLnBrk="1" latinLnBrk="0" hangingPunct="1">
+              <a:spcBef>
+                <a:spcPct val="20000"/>
+              </a:spcBef>
+              <a:buFont typeface="Arial" pitchFamily="34" charset="0"/>
+              <a:buNone/>
+              <a:defRPr sz="2000" kern="1200">
+                <a:solidFill>
+                  <a:schemeClr val="tx1">
+                    <a:tint val="75000"/>
+                  </a:schemeClr>
+                </a:solidFill>
+                <a:latin typeface="+mn-lt"/>
+                <a:ea typeface="+mn-ea"/>
+                <a:cs typeface="+mn-cs"/>
+              </a:defRPr>
+            </a:lvl9pPr>
+          </a:lstStyle>
+          <a:p>
+            <a:pPr marL="342900" indent="-342900" algn="l">
+              <a:buClr>
+                <a:srgbClr val="0070C0"/>
+              </a:buClr>
+              <a:buSzPct val="80000"/>
+              <a:buFont typeface="Wingdings" pitchFamily="2" charset="2"/>
+              <a:buChar char="u"/>
+            </a:pPr>
+            <a:r>
+              <a:rPr lang="en-US" sz="1600" b="1" dirty="0">
+                <a:solidFill>
+                  <a:schemeClr val="tx1"/>
+                </a:solidFill>
+              </a:rPr>
+              <a:t>&gt; python simple-cnn.py</a:t>
+            </a:r>
+          </a:p>
+          <a:p>
+            <a:pPr marL="342900" indent="-342900" algn="l">
+              <a:buClr>
+                <a:srgbClr val="0070C0"/>
+              </a:buClr>
+              <a:buSzPct val="80000"/>
+              <a:buFont typeface="Wingdings" pitchFamily="2" charset="2"/>
+              <a:buChar char="u"/>
+            </a:pPr>
+            <a:r>
+              <a:rPr lang="en-US" sz="1600" b="1" dirty="0">
+                <a:solidFill>
+                  <a:schemeClr val="tx1"/>
+                </a:solidFill>
+              </a:rPr>
+              <a:t>&gt; tensorboard –</a:t>
+            </a:r>
+            <a:r>
+              <a:rPr lang="en-US" sz="1600" b="1" dirty="0" err="1">
+                <a:solidFill>
+                  <a:schemeClr val="tx1"/>
+                </a:solidFill>
+              </a:rPr>
+              <a:t>logdir</a:t>
+            </a:r>
+            <a:r>
+              <a:rPr lang="en-US" sz="1600" b="1" dirty="0">
+                <a:solidFill>
+                  <a:schemeClr val="tx1"/>
+                </a:solidFill>
+              </a:rPr>
+              <a:t> ./logs/</a:t>
+            </a:r>
+            <a:r>
+              <a:rPr lang="en-US" sz="1600" b="1" dirty="0" err="1">
+                <a:solidFill>
+                  <a:schemeClr val="tx1"/>
+                </a:solidFill>
+              </a:rPr>
+              <a:t>nn_logs</a:t>
+            </a:r>
+            <a:endParaRPr lang="en-US" sz="1600" b="1" dirty="0">
+              <a:solidFill>
+                <a:schemeClr val="tx1"/>
+              </a:solidFill>
+            </a:endParaRPr>
+          </a:p>
+        </p:txBody>
+      </p:sp>
+    </p:spTree>
+    <p:extLst>
+      <p:ext uri="{BB962C8B-B14F-4D97-AF65-F5344CB8AC3E}">
+        <p14:creationId xmlns:p14="http://schemas.microsoft.com/office/powerpoint/2010/main" val="471230698"/>
+      </p:ext>
+    </p:extLst>
+  </p:cSld>
+  <p:clrMapOvr>
+    <a:masterClrMapping/>
+  </p:clrMapOvr>
+</p:sld>
+</file>
+
+<file path=ppt/slides/slide13.xml><?xml version="1.0" encoding="utf-8"?>
+<p:sld xmlns:a="http://schemas.openxmlformats.org/drawingml/2006/main" xmlns:r="http://schemas.openxmlformats.org/officeDocument/2006/relationships" xmlns:p="http://schemas.openxmlformats.org/presentationml/2006/main">
+  <p:cSld>
+    <p:spTree>
+      <p:nvGrpSpPr>
+        <p:cNvPr id="1" name=""/>
+        <p:cNvGrpSpPr/>
+        <p:nvPr/>
+      </p:nvGrpSpPr>
+      <p:grpSpPr>
+        <a:xfrm>
+          <a:off x="0" y="0"/>
+          <a:ext cx="0" cy="0"/>
+          <a:chOff x="0" y="0"/>
+          <a:chExt cx="0" cy="0"/>
+        </a:xfrm>
+      </p:grpSpPr>
+      <p:sp>
+        <p:nvSpPr>
+          <p:cNvPr id="2" name="標題 1"/>
+          <p:cNvSpPr>
+            <a:spLocks noGrp="1"/>
+          </p:cNvSpPr>
+          <p:nvPr>
+            <p:ph type="ctrTitle"/>
+          </p:nvPr>
+        </p:nvSpPr>
+        <p:spPr>
+          <a:xfrm>
+            <a:off x="0" y="2130425"/>
+            <a:ext cx="9144000" cy="1470025"/>
+          </a:xfrm>
+          <a:solidFill>
+            <a:srgbClr val="00B0F0"/>
+          </a:solidFill>
+        </p:spPr>
+        <p:txBody>
+          <a:bodyPr>
+            <a:normAutofit/>
+          </a:bodyPr>
+          <a:lstStyle/>
+          <a:p>
+            <a:r>
+              <a:rPr lang="en-US" altLang="zh-TW" sz="4800" b="1" dirty="0">
+                <a:solidFill>
+                  <a:srgbClr val="FFFF00"/>
+                </a:solidFill>
+              </a:rPr>
+              <a:t>6.3 Complex-cnn.py</a:t>
+            </a:r>
+            <a:endParaRPr lang="zh-TW" altLang="en-US" sz="4800" b="1" dirty="0">
+              <a:solidFill>
+                <a:srgbClr val="FFFF00"/>
+              </a:solidFill>
+            </a:endParaRPr>
+          </a:p>
+        </p:txBody>
+      </p:sp>
+      <p:sp>
+        <p:nvSpPr>
+          <p:cNvPr id="3" name="副標題 2"/>
+          <p:cNvSpPr>
+            <a:spLocks noGrp="1"/>
+          </p:cNvSpPr>
+          <p:nvPr>
+            <p:ph type="subTitle" idx="1"/>
+          </p:nvPr>
+        </p:nvSpPr>
+        <p:spPr>
+          <a:xfrm>
+            <a:off x="1259632" y="4581128"/>
+            <a:ext cx="6400800" cy="694928"/>
+          </a:xfrm>
+        </p:spPr>
+        <p:txBody>
+          <a:bodyPr>
+            <a:normAutofit/>
+          </a:bodyPr>
+          <a:lstStyle/>
+          <a:p>
+            <a:r>
+              <a:rPr lang="en-US" altLang="zh-TW" dirty="0"/>
+              <a:t>Peter H. Chen</a:t>
+            </a:r>
+            <a:endParaRPr lang="zh-TW" altLang="en-US" dirty="0"/>
+          </a:p>
+        </p:txBody>
+      </p:sp>
+      <p:sp>
+        <p:nvSpPr>
+          <p:cNvPr id="5" name="日期版面配置區 4"/>
+          <p:cNvSpPr>
+            <a:spLocks noGrp="1"/>
+          </p:cNvSpPr>
+          <p:nvPr>
+            <p:ph type="dt" sz="half" idx="10"/>
+          </p:nvPr>
+        </p:nvSpPr>
+        <p:spPr/>
+        <p:txBody>
+          <a:bodyPr/>
+          <a:lstStyle/>
+          <a:p>
+            <a:fld id="{C389EDC9-19E3-47AC-9C57-C6A24DEA81AD}" type="datetime1">
+              <a:rPr lang="zh-TW" altLang="en-US" smtClean="0"/>
+              <a:pPr/>
+              <a:t>2019/4/5</a:t>
+            </a:fld>
+            <a:endParaRPr lang="zh-TW" altLang="en-US"/>
+          </a:p>
+        </p:txBody>
+      </p:sp>
+      <p:sp>
+        <p:nvSpPr>
+          <p:cNvPr id="6" name="投影片編號版面配置區 5"/>
+          <p:cNvSpPr>
+            <a:spLocks noGrp="1"/>
+          </p:cNvSpPr>
+          <p:nvPr>
+            <p:ph type="sldNum" sz="quarter" idx="12"/>
+          </p:nvPr>
+        </p:nvSpPr>
+        <p:spPr/>
+        <p:txBody>
+          <a:bodyPr/>
+          <a:lstStyle/>
+          <a:p>
+            <a:fld id="{E4D7E63D-91F2-4366-A2C4-1B00C9E2590E}" type="slidenum">
+              <a:rPr lang="zh-TW" altLang="en-US" smtClean="0"/>
+              <a:pPr/>
+              <a:t>13</a:t>
+            </a:fld>
+            <a:endParaRPr lang="zh-TW" altLang="en-US"/>
+          </a:p>
+        </p:txBody>
+      </p:sp>
+      <p:pic>
+        <p:nvPicPr>
+          <p:cNvPr id="4" name="Picture 3">
+            <a:extLst>
+              <a:ext uri="{FF2B5EF4-FFF2-40B4-BE49-F238E27FC236}">
+                <a16:creationId xmlns:a16="http://schemas.microsoft.com/office/drawing/2014/main" id="{7A4D60E2-93C7-4A51-A7EE-54D2D57FE8B6}"/>
+              </a:ext>
+            </a:extLst>
+          </p:cNvPr>
+          <p:cNvPicPr>
+            <a:picLocks noChangeAspect="1"/>
+          </p:cNvPicPr>
+          <p:nvPr/>
+        </p:nvPicPr>
+        <p:blipFill>
+          <a:blip r:embed="rId2"/>
+          <a:stretch>
+            <a:fillRect/>
+          </a:stretch>
+        </p:blipFill>
+        <p:spPr>
+          <a:xfrm>
+            <a:off x="3851920" y="3717032"/>
+            <a:ext cx="1202568" cy="990350"/>
+          </a:xfrm>
+          <a:prstGeom prst="rect">
+            <a:avLst/>
+          </a:prstGeom>
+        </p:spPr>
+      </p:pic>
+    </p:spTree>
+    <p:extLst>
+      <p:ext uri="{BB962C8B-B14F-4D97-AF65-F5344CB8AC3E}">
+        <p14:creationId xmlns:p14="http://schemas.microsoft.com/office/powerpoint/2010/main" val="3750539129"/>
+      </p:ext>
+    </p:extLst>
+  </p:cSld>
+  <p:clrMapOvr>
+    <a:masterClrMapping/>
+  </p:clrMapOvr>
+</p:sld>
+</file>
+
+<file path=ppt/slides/slide14.xml><?xml version="1.0" encoding="utf-8"?>
+<p:sld xmlns:a="http://schemas.openxmlformats.org/drawingml/2006/main" xmlns:r="http://schemas.openxmlformats.org/officeDocument/2006/relationships" xmlns:p="http://schemas.openxmlformats.org/presentationml/2006/main">
+  <p:cSld>
+    <p:spTree>
+      <p:nvGrpSpPr>
+        <p:cNvPr id="1" name=""/>
+        <p:cNvGrpSpPr/>
+        <p:nvPr/>
+      </p:nvGrpSpPr>
+      <p:grpSpPr>
+        <a:xfrm>
+          <a:off x="0" y="0"/>
+          <a:ext cx="0" cy="0"/>
+          <a:chOff x="0" y="0"/>
+          <a:chExt cx="0" cy="0"/>
+        </a:xfrm>
+      </p:grpSpPr>
+      <p:sp>
+        <p:nvSpPr>
+          <p:cNvPr id="2" name="標題 1"/>
+          <p:cNvSpPr>
+            <a:spLocks noGrp="1"/>
+          </p:cNvSpPr>
+          <p:nvPr>
+            <p:ph type="ctrTitle"/>
+          </p:nvPr>
+        </p:nvSpPr>
+        <p:spPr>
+          <a:xfrm>
+            <a:off x="0" y="1"/>
+            <a:ext cx="9144000" cy="764704"/>
+          </a:xfrm>
+          <a:gradFill flip="none" rotWithShape="1">
+            <a:gsLst>
+              <a:gs pos="0">
+                <a:srgbClr val="C00000">
+                  <a:shade val="30000"/>
+                  <a:satMod val="115000"/>
+                </a:srgbClr>
+              </a:gs>
+              <a:gs pos="50000">
+                <a:srgbClr val="C00000">
+                  <a:shade val="67500"/>
+                  <a:satMod val="115000"/>
+                </a:srgbClr>
+              </a:gs>
+              <a:gs pos="100000">
+                <a:srgbClr val="C00000">
+                  <a:shade val="100000"/>
+                  <a:satMod val="115000"/>
+                </a:srgbClr>
+              </a:gs>
+            </a:gsLst>
+            <a:path path="circle">
+              <a:fillToRect t="100000" r="100000"/>
+            </a:path>
+            <a:tileRect l="-100000" b="-100000"/>
+          </a:gradFill>
+        </p:spPr>
+        <p:txBody>
+          <a:bodyPr>
+            <a:normAutofit/>
+          </a:bodyPr>
+          <a:lstStyle/>
+          <a:p>
+            <a:pPr algn="l"/>
+            <a:r>
+              <a:rPr lang="en-US" altLang="zh-TW" b="1" dirty="0">
+                <a:solidFill>
+                  <a:srgbClr val="FFFF00"/>
+                </a:solidFill>
+              </a:rPr>
+              <a:t>6.3 Complex-cnn.py</a:t>
+            </a:r>
+            <a:endParaRPr lang="zh-TW" altLang="en-US" b="1" dirty="0">
+              <a:solidFill>
+                <a:srgbClr val="FFFF00"/>
+              </a:solidFill>
+            </a:endParaRPr>
+          </a:p>
+        </p:txBody>
+      </p:sp>
+      <p:sp>
+        <p:nvSpPr>
+          <p:cNvPr id="3" name="副標題 2"/>
+          <p:cNvSpPr>
+            <a:spLocks noGrp="1"/>
+          </p:cNvSpPr>
+          <p:nvPr>
+            <p:ph type="subTitle" idx="1"/>
+          </p:nvPr>
+        </p:nvSpPr>
+        <p:spPr>
+          <a:xfrm>
+            <a:off x="467544" y="1268760"/>
+            <a:ext cx="3816424" cy="3672408"/>
+          </a:xfrm>
+          <a:ln>
+            <a:solidFill>
+              <a:srgbClr val="C00000"/>
+            </a:solidFill>
+          </a:ln>
+        </p:spPr>
+        <p:txBody>
+          <a:bodyPr>
+            <a:noAutofit/>
+          </a:bodyPr>
+          <a:lstStyle/>
+          <a:p>
+            <a:pPr marL="342900" indent="-342900" algn="l">
+              <a:buClr>
+                <a:srgbClr val="0070C0"/>
+              </a:buClr>
+              <a:buSzPct val="80000"/>
+              <a:buFont typeface="Wingdings" pitchFamily="2" charset="2"/>
+              <a:buChar char="u"/>
+            </a:pPr>
+            <a:r>
+              <a:rPr lang="en-US" sz="1600" b="1" dirty="0">
+                <a:solidFill>
+                  <a:schemeClr val="tx1"/>
+                </a:solidFill>
+              </a:rPr>
+              <a:t>More Code Samples  (3)</a:t>
+            </a:r>
+          </a:p>
+          <a:p>
+            <a:pPr marL="342900" indent="-342900" algn="l">
+              <a:buClr>
+                <a:srgbClr val="0070C0"/>
+              </a:buClr>
+              <a:buSzPct val="80000"/>
+              <a:buFont typeface="Wingdings" pitchFamily="2" charset="2"/>
+              <a:buChar char="u"/>
+            </a:pPr>
+            <a:r>
+              <a:rPr lang="en-US" sz="1800" dirty="0">
+                <a:solidFill>
+                  <a:srgbClr val="0070C0"/>
+                </a:solidFill>
+              </a:rPr>
+              <a:t>simple-cnn.py:</a:t>
+            </a:r>
+          </a:p>
+          <a:p>
+            <a:pPr marL="342900" indent="-342900" algn="l">
+              <a:buClr>
+                <a:srgbClr val="0070C0"/>
+              </a:buClr>
+              <a:buSzPct val="80000"/>
+              <a:buFont typeface="Wingdings" pitchFamily="2" charset="2"/>
+              <a:buChar char="u"/>
+            </a:pPr>
+            <a:r>
+              <a:rPr lang="en-US" sz="1600" dirty="0">
+                <a:solidFill>
+                  <a:schemeClr val="tx1"/>
+                </a:solidFill>
+              </a:rPr>
+              <a:t>Constructs CNN</a:t>
+            </a:r>
+          </a:p>
+          <a:p>
+            <a:pPr marL="342900" indent="-342900" algn="l">
+              <a:buClr>
+                <a:srgbClr val="0070C0"/>
+              </a:buClr>
+              <a:buSzPct val="80000"/>
+              <a:buFont typeface="Wingdings" pitchFamily="2" charset="2"/>
+              <a:buChar char="u"/>
+            </a:pPr>
+            <a:r>
+              <a:rPr lang="en-US" sz="1600" dirty="0">
+                <a:solidFill>
+                  <a:schemeClr val="tx1"/>
+                </a:solidFill>
+              </a:rPr>
+              <a:t>Saves data for TensorBoard</a:t>
+            </a:r>
+          </a:p>
+          <a:p>
+            <a:pPr marL="342900" indent="-342900" algn="l">
+              <a:buClr>
+                <a:srgbClr val="0070C0"/>
+              </a:buClr>
+              <a:buSzPct val="80000"/>
+              <a:buFont typeface="Wingdings" pitchFamily="2" charset="2"/>
+              <a:buChar char="u"/>
+            </a:pPr>
+            <a:endParaRPr lang="en-US" sz="1800" dirty="0">
+              <a:solidFill>
+                <a:schemeClr val="tx1"/>
+              </a:solidFill>
+            </a:endParaRPr>
+          </a:p>
+          <a:p>
+            <a:pPr marL="342900" indent="-342900" algn="l">
+              <a:buClr>
+                <a:srgbClr val="0070C0"/>
+              </a:buClr>
+              <a:buSzPct val="80000"/>
+              <a:buFont typeface="Wingdings" pitchFamily="2" charset="2"/>
+              <a:buChar char="u"/>
+            </a:pPr>
+            <a:r>
+              <a:rPr lang="en-US" sz="1800" dirty="0">
+                <a:solidFill>
+                  <a:srgbClr val="0070C0"/>
+                </a:solidFill>
+              </a:rPr>
+              <a:t>complex-cnn.py:</a:t>
+            </a:r>
+          </a:p>
+          <a:p>
+            <a:pPr marL="342900" indent="-342900" algn="l">
+              <a:buClr>
+                <a:srgbClr val="0070C0"/>
+              </a:buClr>
+              <a:buSzPct val="80000"/>
+              <a:buFont typeface="Wingdings" pitchFamily="2" charset="2"/>
+              <a:buChar char="u"/>
+            </a:pPr>
+            <a:r>
+              <a:rPr lang="en-US" sz="1600" dirty="0">
+                <a:solidFill>
+                  <a:schemeClr val="tx1"/>
+                </a:solidFill>
+              </a:rPr>
+              <a:t>useful TensorBoard techniques</a:t>
+            </a:r>
+          </a:p>
+          <a:p>
+            <a:pPr marL="342900" indent="-342900" algn="l">
+              <a:buClr>
+                <a:srgbClr val="0070C0"/>
+              </a:buClr>
+              <a:buSzPct val="80000"/>
+              <a:buFont typeface="Wingdings" pitchFamily="2" charset="2"/>
+              <a:buChar char="u"/>
+            </a:pPr>
+            <a:endParaRPr lang="en-US" sz="1800" dirty="0">
+              <a:solidFill>
+                <a:schemeClr val="tx1"/>
+              </a:solidFill>
+            </a:endParaRPr>
+          </a:p>
+          <a:p>
+            <a:pPr marL="342900" indent="-342900" algn="l">
+              <a:buClr>
+                <a:srgbClr val="0070C0"/>
+              </a:buClr>
+              <a:buSzPct val="80000"/>
+              <a:buFont typeface="Wingdings" pitchFamily="2" charset="2"/>
+              <a:buChar char="u"/>
+            </a:pPr>
+            <a:r>
+              <a:rPr lang="en-US" sz="1800" dirty="0">
+                <a:solidFill>
+                  <a:srgbClr val="0070C0"/>
+                </a:solidFill>
+              </a:rPr>
+              <a:t>input-data.py:</a:t>
+            </a:r>
+          </a:p>
+          <a:p>
+            <a:pPr marL="342900" indent="-342900" algn="l">
+              <a:buClr>
+                <a:srgbClr val="0070C0"/>
+              </a:buClr>
+              <a:buSzPct val="80000"/>
+              <a:buFont typeface="Wingdings" pitchFamily="2" charset="2"/>
+              <a:buChar char="u"/>
+            </a:pPr>
+            <a:r>
+              <a:rPr lang="en-US" sz="1600" dirty="0">
+                <a:solidFill>
+                  <a:schemeClr val="tx1"/>
+                </a:solidFill>
+              </a:rPr>
+              <a:t>+ Alternative to deprecated code:</a:t>
+            </a:r>
+          </a:p>
+          <a:p>
+            <a:pPr marL="342900" indent="-342900" algn="l">
+              <a:buClr>
+                <a:srgbClr val="0070C0"/>
+              </a:buClr>
+              <a:buSzPct val="80000"/>
+              <a:buFont typeface="Wingdings" pitchFamily="2" charset="2"/>
+              <a:buChar char="u"/>
+            </a:pPr>
+            <a:r>
+              <a:rPr lang="en-US" sz="1400" dirty="0">
+                <a:solidFill>
+                  <a:schemeClr val="tx1"/>
+                </a:solidFill>
+              </a:rPr>
+              <a:t>from </a:t>
+            </a:r>
+            <a:r>
+              <a:rPr lang="en-US" sz="1400" dirty="0" err="1">
+                <a:solidFill>
+                  <a:schemeClr val="tx1"/>
+                </a:solidFill>
+              </a:rPr>
+              <a:t>tensorflow.examples.tutorials.mnist</a:t>
+            </a:r>
+            <a:r>
+              <a:rPr lang="en-US" sz="1400" dirty="0">
+                <a:solidFill>
+                  <a:schemeClr val="tx1"/>
+                </a:solidFill>
+              </a:rPr>
+              <a:t> import </a:t>
+            </a:r>
+            <a:r>
+              <a:rPr lang="en-US" sz="1400" dirty="0" err="1">
+                <a:solidFill>
+                  <a:schemeClr val="tx1"/>
+                </a:solidFill>
+              </a:rPr>
+              <a:t>input_data</a:t>
+            </a:r>
+            <a:endParaRPr lang="en-US" sz="1400" dirty="0">
+              <a:solidFill>
+                <a:schemeClr val="tx1"/>
+              </a:solidFill>
+            </a:endParaRPr>
+          </a:p>
+          <a:p>
+            <a:pPr marL="342900" indent="-342900" algn="l">
+              <a:buClr>
+                <a:srgbClr val="0070C0"/>
+              </a:buClr>
+              <a:buSzPct val="80000"/>
+              <a:buFont typeface="Wingdings" pitchFamily="2" charset="2"/>
+              <a:buChar char="u"/>
+            </a:pPr>
+            <a:endParaRPr lang="en-US" sz="1600" b="1" dirty="0">
+              <a:solidFill>
+                <a:schemeClr val="tx1"/>
+              </a:solidFill>
+            </a:endParaRPr>
+          </a:p>
+        </p:txBody>
+      </p:sp>
+      <p:sp>
+        <p:nvSpPr>
+          <p:cNvPr id="4" name="標題 1"/>
+          <p:cNvSpPr txBox="1">
+            <a:spLocks/>
+          </p:cNvSpPr>
+          <p:nvPr/>
+        </p:nvSpPr>
+        <p:spPr>
+          <a:xfrm>
+            <a:off x="0" y="764704"/>
+            <a:ext cx="9144000" cy="360040"/>
+          </a:xfrm>
+          <a:prstGeom prst="rect">
+            <a:avLst/>
+          </a:prstGeom>
+          <a:gradFill flip="none" rotWithShape="1">
+            <a:gsLst>
+              <a:gs pos="0">
+                <a:srgbClr val="00B0F0">
+                  <a:shade val="30000"/>
+                  <a:satMod val="115000"/>
+                </a:srgbClr>
+              </a:gs>
+              <a:gs pos="50000">
+                <a:srgbClr val="00B0F0">
+                  <a:shade val="67500"/>
+                  <a:satMod val="115000"/>
+                </a:srgbClr>
+              </a:gs>
+              <a:gs pos="100000">
+                <a:srgbClr val="00B0F0">
+                  <a:shade val="100000"/>
+                  <a:satMod val="115000"/>
+                </a:srgbClr>
+              </a:gs>
+            </a:gsLst>
+            <a:path path="circle">
+              <a:fillToRect t="100000" r="100000"/>
+            </a:path>
+            <a:tileRect l="-100000" b="-100000"/>
+          </a:gradFill>
+        </p:spPr>
+        <p:txBody>
+          <a:bodyPr vert="horz" lIns="91440" tIns="45720" rIns="91440" bIns="45720" rtlCol="0" anchor="ctr">
+            <a:normAutofit/>
+          </a:bodyPr>
+          <a:lstStyle/>
+          <a:p>
+            <a:pPr lvl="0">
+              <a:spcBef>
+                <a:spcPct val="0"/>
+              </a:spcBef>
+            </a:pPr>
+            <a:r>
+              <a:rPr lang="en-US" altLang="zh-TW" sz="1600" dirty="0">
+                <a:latin typeface="+mj-lt"/>
+                <a:ea typeface="+mj-ea"/>
+                <a:cs typeface="+mj-cs"/>
+              </a:rPr>
+              <a:t>https://www.tensorflow.org/tutorials/</a:t>
+            </a:r>
+            <a:endParaRPr kumimoji="0" lang="zh-TW" altLang="en-US" sz="1600" b="0" i="0" u="none" strike="noStrike" kern="1200" cap="none" spc="0" normalizeH="0" baseline="0" noProof="0" dirty="0">
+              <a:ln>
+                <a:noFill/>
+              </a:ln>
+              <a:solidFill>
+                <a:schemeClr val="tx1"/>
+              </a:solidFill>
+              <a:effectLst/>
+              <a:uLnTx/>
+              <a:uFillTx/>
+              <a:latin typeface="+mj-lt"/>
+              <a:ea typeface="+mj-ea"/>
+              <a:cs typeface="+mj-cs"/>
+            </a:endParaRPr>
+          </a:p>
+        </p:txBody>
+      </p:sp>
+      <p:sp>
+        <p:nvSpPr>
+          <p:cNvPr id="5" name="日期版面配置區 4"/>
+          <p:cNvSpPr>
+            <a:spLocks noGrp="1"/>
+          </p:cNvSpPr>
+          <p:nvPr>
+            <p:ph type="dt" sz="half" idx="10"/>
+          </p:nvPr>
+        </p:nvSpPr>
+        <p:spPr/>
+        <p:txBody>
+          <a:bodyPr/>
+          <a:lstStyle/>
+          <a:p>
+            <a:fld id="{A4F910E6-8D00-4BAF-8C48-9688E0B449D3}" type="datetime1">
+              <a:rPr lang="zh-TW" altLang="en-US" smtClean="0"/>
+              <a:pPr/>
+              <a:t>2019/4/5</a:t>
+            </a:fld>
+            <a:endParaRPr lang="zh-TW" altLang="en-US"/>
+          </a:p>
+        </p:txBody>
+      </p:sp>
+      <p:sp>
+        <p:nvSpPr>
+          <p:cNvPr id="6" name="投影片編號版面配置區 5"/>
+          <p:cNvSpPr>
+            <a:spLocks noGrp="1"/>
+          </p:cNvSpPr>
+          <p:nvPr>
+            <p:ph type="sldNum" sz="quarter" idx="12"/>
+          </p:nvPr>
+        </p:nvSpPr>
+        <p:spPr/>
+        <p:txBody>
+          <a:bodyPr/>
+          <a:lstStyle/>
+          <a:p>
+            <a:fld id="{E4D7E63D-91F2-4366-A2C4-1B00C9E2590E}" type="slidenum">
+              <a:rPr lang="zh-TW" altLang="en-US" smtClean="0"/>
+              <a:pPr/>
+              <a:t>14</a:t>
             </a:fld>
             <a:endParaRPr lang="zh-TW" altLang="en-US"/>
           </a:p>
@@ -4163,7 +5928,186 @@
 </p:sld>
 </file>
 
-<file path=ppt/slides/slide11.xml><?xml version="1.0" encoding="utf-8"?>
+<file path=ppt/slides/slide15.xml><?xml version="1.0" encoding="utf-8"?>
+<p:sld xmlns:a="http://schemas.openxmlformats.org/drawingml/2006/main" xmlns:r="http://schemas.openxmlformats.org/officeDocument/2006/relationships" xmlns:p="http://schemas.openxmlformats.org/presentationml/2006/main">
+  <p:cSld>
+    <p:spTree>
+      <p:nvGrpSpPr>
+        <p:cNvPr id="1" name=""/>
+        <p:cNvGrpSpPr/>
+        <p:nvPr/>
+      </p:nvGrpSpPr>
+      <p:grpSpPr>
+        <a:xfrm>
+          <a:off x="0" y="0"/>
+          <a:ext cx="0" cy="0"/>
+          <a:chOff x="0" y="0"/>
+          <a:chExt cx="0" cy="0"/>
+        </a:xfrm>
+      </p:grpSpPr>
+      <p:sp>
+        <p:nvSpPr>
+          <p:cNvPr id="2" name="標題 1"/>
+          <p:cNvSpPr>
+            <a:spLocks noGrp="1"/>
+          </p:cNvSpPr>
+          <p:nvPr>
+            <p:ph type="ctrTitle"/>
+          </p:nvPr>
+        </p:nvSpPr>
+        <p:spPr>
+          <a:xfrm>
+            <a:off x="0" y="2130425"/>
+            <a:ext cx="9144000" cy="1470025"/>
+          </a:xfrm>
+          <a:solidFill>
+            <a:srgbClr val="00B0F0"/>
+          </a:solidFill>
+        </p:spPr>
+        <p:txBody>
+          <a:bodyPr>
+            <a:normAutofit/>
+          </a:bodyPr>
+          <a:lstStyle/>
+          <a:p>
+            <a:r>
+              <a:rPr lang="en-US" altLang="zh-TW" sz="4800" b="1" dirty="0">
+                <a:solidFill>
+                  <a:srgbClr val="FFFF00"/>
+                </a:solidFill>
+              </a:rPr>
+              <a:t>6.4 input-data.py</a:t>
+            </a:r>
+            <a:endParaRPr lang="zh-TW" altLang="en-US" sz="4800" b="1" dirty="0">
+              <a:solidFill>
+                <a:srgbClr val="FFFF00"/>
+              </a:solidFill>
+            </a:endParaRPr>
+          </a:p>
+        </p:txBody>
+      </p:sp>
+      <p:sp>
+        <p:nvSpPr>
+          <p:cNvPr id="3" name="副標題 2"/>
+          <p:cNvSpPr>
+            <a:spLocks noGrp="1"/>
+          </p:cNvSpPr>
+          <p:nvPr>
+            <p:ph type="subTitle" idx="1"/>
+          </p:nvPr>
+        </p:nvSpPr>
+        <p:spPr>
+          <a:xfrm>
+            <a:off x="1259632" y="4581128"/>
+            <a:ext cx="6400800" cy="694928"/>
+          </a:xfrm>
+        </p:spPr>
+        <p:txBody>
+          <a:bodyPr>
+            <a:normAutofit/>
+          </a:bodyPr>
+          <a:lstStyle/>
+          <a:p>
+            <a:r>
+              <a:rPr lang="en-US" altLang="zh-TW" dirty="0"/>
+              <a:t>Peter H. Chen</a:t>
+            </a:r>
+            <a:endParaRPr lang="zh-TW" altLang="en-US" dirty="0"/>
+          </a:p>
+        </p:txBody>
+      </p:sp>
+      <p:sp>
+        <p:nvSpPr>
+          <p:cNvPr id="5" name="日期版面配置區 4"/>
+          <p:cNvSpPr>
+            <a:spLocks noGrp="1"/>
+          </p:cNvSpPr>
+          <p:nvPr>
+            <p:ph type="dt" sz="half" idx="10"/>
+          </p:nvPr>
+        </p:nvSpPr>
+        <p:spPr/>
+        <p:txBody>
+          <a:bodyPr/>
+          <a:lstStyle/>
+          <a:p>
+            <a:fld id="{C389EDC9-19E3-47AC-9C57-C6A24DEA81AD}" type="datetime1">
+              <a:rPr lang="zh-TW" altLang="en-US" smtClean="0"/>
+              <a:pPr/>
+              <a:t>2019/4/5</a:t>
+            </a:fld>
+            <a:endParaRPr lang="zh-TW" altLang="en-US"/>
+          </a:p>
+        </p:txBody>
+      </p:sp>
+      <p:sp>
+        <p:nvSpPr>
+          <p:cNvPr id="6" name="投影片編號版面配置區 5"/>
+          <p:cNvSpPr>
+            <a:spLocks noGrp="1"/>
+          </p:cNvSpPr>
+          <p:nvPr>
+            <p:ph type="sldNum" sz="quarter" idx="12"/>
+          </p:nvPr>
+        </p:nvSpPr>
+        <p:spPr/>
+        <p:txBody>
+          <a:bodyPr/>
+          <a:lstStyle/>
+          <a:p>
+            <a:fld id="{E4D7E63D-91F2-4366-A2C4-1B00C9E2590E}" type="slidenum">
+              <a:rPr lang="zh-TW" altLang="en-US" smtClean="0"/>
+              <a:pPr/>
+              <a:t>15</a:t>
+            </a:fld>
+            <a:endParaRPr lang="zh-TW" altLang="en-US"/>
+          </a:p>
+        </p:txBody>
+      </p:sp>
+      <p:pic>
+        <p:nvPicPr>
+          <p:cNvPr id="4" name="Picture 3">
+            <a:extLst>
+              <a:ext uri="{FF2B5EF4-FFF2-40B4-BE49-F238E27FC236}">
+                <a16:creationId xmlns:a16="http://schemas.microsoft.com/office/drawing/2014/main" id="{7A4D60E2-93C7-4A51-A7EE-54D2D57FE8B6}"/>
+              </a:ext>
+            </a:extLst>
+          </p:cNvPr>
+          <p:cNvPicPr>
+            <a:picLocks noChangeAspect="1"/>
+          </p:cNvPicPr>
+          <p:nvPr/>
+        </p:nvPicPr>
+        <p:blipFill>
+          <a:blip r:embed="rId2"/>
+          <a:stretch>
+            <a:fillRect/>
+          </a:stretch>
+        </p:blipFill>
+        <p:spPr>
+          <a:xfrm>
+            <a:off x="3851920" y="3717032"/>
+            <a:ext cx="1202568" cy="990350"/>
+          </a:xfrm>
+          <a:prstGeom prst="rect">
+            <a:avLst/>
+          </a:prstGeom>
+        </p:spPr>
+      </p:pic>
+    </p:spTree>
+    <p:extLst>
+      <p:ext uri="{BB962C8B-B14F-4D97-AF65-F5344CB8AC3E}">
+        <p14:creationId xmlns:p14="http://schemas.microsoft.com/office/powerpoint/2010/main" val="1739348747"/>
+      </p:ext>
+    </p:extLst>
+  </p:cSld>
+  <p:clrMapOvr>
+    <a:masterClrMapping/>
+  </p:clrMapOvr>
+</p:sld>
+</file>
+
+<file path=ppt/slides/slide16.xml><?xml version="1.0" encoding="utf-8"?>
 <p:sld xmlns:a="http://schemas.openxmlformats.org/drawingml/2006/main" xmlns:r="http://schemas.openxmlformats.org/officeDocument/2006/relationships" xmlns:p="http://schemas.openxmlformats.org/presentationml/2006/main">
   <p:cSld>
     <p:spTree>
@@ -4235,7 +6179,7 @@
                   <a:srgbClr val="FFFF00"/>
                 </a:solidFill>
               </a:rPr>
-              <a:t>6 Convolutional Neural Network (3)</a:t>
+              <a:t>6.4 Input-data.py</a:t>
             </a:r>
             <a:endParaRPr lang="zh-TW" altLang="en-US" b="1" dirty="0">
               <a:solidFill>
@@ -4258,7 +6202,7 @@
         <p:spPr>
           <a:xfrm>
             <a:off x="467544" y="1268760"/>
-            <a:ext cx="8064896" cy="3312368"/>
+            <a:ext cx="3816424" cy="3672408"/>
           </a:xfrm>
           <a:ln>
             <a:solidFill>
@@ -4286,7 +6230,7 @@
                   <a:schemeClr val="tx1"/>
                 </a:solidFill>
               </a:rPr>
-              <a:t>More Code Samples </a:t>
+              <a:t>More Code Samples  (3)</a:t>
             </a:r>
           </a:p>
           <a:p>
@@ -4299,12 +6243,12 @@
               <a:buChar char="u"/>
             </a:pPr>
             <a:r>
-              <a:rPr lang="en-US" sz="1600" dirty="0">
-                <a:solidFill>
-                  <a:schemeClr val="tx1"/>
-                </a:solidFill>
-              </a:rPr>
-              <a:t>TensorFlow r1.9 code sample:</a:t>
+              <a:rPr lang="en-US" sz="1800" dirty="0">
+                <a:solidFill>
+                  <a:srgbClr val="0070C0"/>
+                </a:solidFill>
+              </a:rPr>
+              <a:t>simple-cnn.py:</a:t>
             </a:r>
           </a:p>
           <a:p>
@@ -4322,39 +6266,7 @@
                   <a:schemeClr val="tx1"/>
                 </a:solidFill>
               </a:rPr>
-              <a:t>Uses </a:t>
-            </a:r>
-            <a:r>
-              <a:rPr lang="en-US" sz="1600" dirty="0" err="1">
-                <a:solidFill>
-                  <a:schemeClr val="tx1"/>
-                </a:solidFill>
-              </a:rPr>
-              <a:t>tf.layers</a:t>
-            </a:r>
-            <a:r>
-              <a:rPr lang="en-US" sz="1600" dirty="0">
-                <a:solidFill>
-                  <a:schemeClr val="tx1"/>
-                </a:solidFill>
-              </a:rPr>
-              <a:t> and </a:t>
-            </a:r>
-            <a:r>
-              <a:rPr lang="en-US" sz="1600" dirty="0" err="1">
-                <a:solidFill>
-                  <a:schemeClr val="tx1"/>
-                </a:solidFill>
-              </a:rPr>
-              <a:t>tf.estimator</a:t>
-            </a:r>
-            <a:r>
-              <a:rPr lang="en-US" sz="1600" dirty="0">
-                <a:solidFill>
-                  <a:schemeClr val="tx1"/>
-                </a:solidFill>
-              </a:rPr>
-              <a:t> APIs</a:t>
+              <a:t>Constructs CNN</a:t>
             </a:r>
           </a:p>
           <a:p>
@@ -4372,7 +6284,7 @@
                   <a:schemeClr val="tx1"/>
                 </a:solidFill>
               </a:rPr>
-              <a:t>does not use deprecated code</a:t>
+              <a:t>Saves data for TensorBoard</a:t>
             </a:r>
           </a:p>
           <a:p>
@@ -4384,14 +6296,11 @@
               <a:buFont typeface="Wingdings" pitchFamily="2" charset="2"/>
               <a:buChar char="u"/>
             </a:pPr>
-            <a:r>
-              <a:rPr lang="en-US" sz="1600" dirty="0">
-                <a:solidFill>
-                  <a:schemeClr val="tx1"/>
-                </a:solidFill>
-              </a:rPr>
-              <a:t>(does not work in week 6 code samples)</a:t>
-            </a:r>
+            <a:endParaRPr lang="en-US" sz="1800" dirty="0">
+              <a:solidFill>
+                <a:schemeClr val="tx1"/>
+              </a:solidFill>
+            </a:endParaRPr>
           </a:p>
           <a:p>
             <a:pPr marL="342900" indent="-342900" algn="l">
@@ -4403,52 +6312,12 @@
               <a:buChar char="u"/>
             </a:pPr>
             <a:r>
-              <a:rPr lang="en-US" sz="1600" dirty="0" err="1">
-                <a:solidFill>
-                  <a:srgbClr val="00B050"/>
-                </a:solidFill>
-              </a:rPr>
-              <a:t>mnist</a:t>
-            </a:r>
-            <a:r>
-              <a:rPr lang="en-US" sz="1600" dirty="0">
-                <a:solidFill>
-                  <a:srgbClr val="00B050"/>
-                </a:solidFill>
-              </a:rPr>
-              <a:t> = </a:t>
-            </a:r>
-            <a:r>
-              <a:rPr lang="en-US" sz="1600" dirty="0" err="1">
-                <a:solidFill>
-                  <a:srgbClr val="00B050"/>
-                </a:solidFill>
-              </a:rPr>
-              <a:t>tf.contrib.learn.datasets.load_dataset</a:t>
-            </a:r>
-            <a:r>
-              <a:rPr lang="en-US" sz="1600" dirty="0">
-                <a:solidFill>
-                  <a:srgbClr val="00B050"/>
-                </a:solidFill>
-              </a:rPr>
-              <a:t>("</a:t>
-            </a:r>
-            <a:r>
-              <a:rPr lang="en-US" sz="1600" dirty="0" err="1">
-                <a:solidFill>
-                  <a:srgbClr val="00B050"/>
-                </a:solidFill>
-              </a:rPr>
-              <a:t>mnist</a:t>
-            </a:r>
-            <a:r>
-              <a:rPr lang="en-US" sz="1600" dirty="0">
-                <a:solidFill>
-                  <a:srgbClr val="00B050"/>
-                </a:solidFill>
-              </a:rPr>
-              <a:t>")</a:t>
+              <a:rPr lang="en-US" sz="1800" dirty="0">
+                <a:solidFill>
+                  <a:srgbClr val="0070C0"/>
+                </a:solidFill>
+              </a:rPr>
+              <a:t>complex-cnn.py:</a:t>
             </a:r>
           </a:p>
           <a:p>
@@ -4460,11 +6329,14 @@
               <a:buFont typeface="Wingdings" pitchFamily="2" charset="2"/>
               <a:buChar char="u"/>
             </a:pPr>
-            <a:endParaRPr lang="en-US" sz="1600" dirty="0">
-              <a:solidFill>
-                <a:schemeClr val="tx1"/>
-              </a:solidFill>
-            </a:endParaRPr>
+            <a:r>
+              <a:rPr lang="en-US" sz="1600" dirty="0">
+                <a:solidFill>
+                  <a:schemeClr val="tx1"/>
+                </a:solidFill>
+              </a:rPr>
+              <a:t>useful TensorBoard techniques</a:t>
+            </a:r>
           </a:p>
           <a:p>
             <a:pPr marL="342900" indent="-342900" algn="l">
@@ -4475,14 +6347,11 @@
               <a:buFont typeface="Wingdings" pitchFamily="2" charset="2"/>
               <a:buChar char="u"/>
             </a:pPr>
-            <a:r>
-              <a:rPr lang="en-US" sz="1600" dirty="0">
-                <a:solidFill>
-                  <a:schemeClr val="tx1"/>
-                </a:solidFill>
-              </a:rPr>
-              <a:t>Complete code location:</a:t>
-            </a:r>
+            <a:endParaRPr lang="en-US" sz="1800" dirty="0">
+              <a:solidFill>
+                <a:schemeClr val="tx1"/>
+              </a:solidFill>
+            </a:endParaRPr>
           </a:p>
           <a:p>
             <a:pPr marL="342900" indent="-342900" algn="l">
@@ -4494,25 +6363,13 @@
               <a:buChar char="u"/>
             </a:pPr>
             <a:r>
-              <a:rPr lang="en-US" sz="1600" dirty="0">
-                <a:solidFill>
-                  <a:srgbClr val="C00000"/>
-                </a:solidFill>
-                <a:hlinkClick r:id="rId2">
-                  <a:extLst>
-                    <a:ext uri="{A12FA001-AC4F-418D-AE19-62706E023703}">
-                      <ahyp:hlinkClr xmlns:ahyp="http://schemas.microsoft.com/office/drawing/2018/hyperlinkcolor" val="tx"/>
-                    </a:ext>
-                  </a:extLst>
-                </a:hlinkClick>
-              </a:rPr>
-              <a:t>https://github.com/tensorflow/tensorflow/blob/r1.9/tensorflow/examples/tutorials/layers/cnn_mnist.py</a:t>
-            </a:r>
-            <a:endParaRPr lang="en-US" sz="1600" dirty="0">
-              <a:solidFill>
-                <a:srgbClr val="C00000"/>
-              </a:solidFill>
-            </a:endParaRPr>
+              <a:rPr lang="en-US" sz="1800" dirty="0">
+                <a:solidFill>
+                  <a:srgbClr val="0070C0"/>
+                </a:solidFill>
+              </a:rPr>
+              <a:t>input-data.py:</a:t>
+            </a:r>
           </a:p>
           <a:p>
             <a:pPr marL="342900" indent="-342900" algn="l">
@@ -4529,24 +6386,55 @@
                   <a:schemeClr val="tx1"/>
                 </a:solidFill>
               </a:rPr>
-              <a:t>Use </a:t>
-            </a:r>
-            <a:r>
-              <a:rPr lang="en-US" sz="1600" dirty="0" err="1">
-                <a:solidFill>
-                  <a:schemeClr val="tx1"/>
-                </a:solidFill>
-              </a:rPr>
-              <a:t>tf.data.TFRecordDataset</a:t>
-            </a:r>
-            <a:r>
-              <a:rPr lang="en-US" sz="1600" dirty="0">
-                <a:solidFill>
-                  <a:schemeClr val="tx1"/>
-                </a:solidFill>
-              </a:rPr>
-              <a:t> + Iterator(?)</a:t>
-            </a:r>
+              <a:t>+ Alternative to deprecated code:</a:t>
+            </a:r>
+          </a:p>
+          <a:p>
+            <a:pPr marL="342900" indent="-342900" algn="l">
+              <a:buClr>
+                <a:srgbClr val="0070C0"/>
+              </a:buClr>
+              <a:buSzPct val="80000"/>
+              <a:buFont typeface="Wingdings" pitchFamily="2" charset="2"/>
+              <a:buChar char="u"/>
+            </a:pPr>
+            <a:r>
+              <a:rPr lang="en-US" sz="1400" dirty="0">
+                <a:solidFill>
+                  <a:schemeClr val="tx1"/>
+                </a:solidFill>
+              </a:rPr>
+              <a:t>from </a:t>
+            </a:r>
+            <a:r>
+              <a:rPr lang="en-US" sz="1400" dirty="0" err="1">
+                <a:solidFill>
+                  <a:schemeClr val="tx1"/>
+                </a:solidFill>
+              </a:rPr>
+              <a:t>tensorflow.examples.tutorials.mnist</a:t>
+            </a:r>
+            <a:r>
+              <a:rPr lang="en-US" sz="1400" dirty="0">
+                <a:solidFill>
+                  <a:schemeClr val="tx1"/>
+                </a:solidFill>
+              </a:rPr>
+              <a:t> import </a:t>
+            </a:r>
+            <a:r>
+              <a:rPr lang="en-US" sz="1400" dirty="0" err="1">
+                <a:solidFill>
+                  <a:schemeClr val="tx1"/>
+                </a:solidFill>
+              </a:rPr>
+              <a:t>input_data</a:t>
+            </a:r>
+            <a:endParaRPr lang="en-US" sz="1400" dirty="0">
+              <a:solidFill>
+                <a:schemeClr val="tx1"/>
+              </a:solidFill>
+            </a:endParaRPr>
           </a:p>
           <a:p>
             <a:pPr marL="342900" indent="-342900" algn="l">
@@ -4662,7 +6550,7 @@
             <a:fld id="{A4F910E6-8D00-4BAF-8C48-9688E0B449D3}" type="datetime1">
               <a:rPr lang="zh-TW" altLang="en-US" smtClean="0"/>
               <a:pPr/>
-              <a:t>2019/3/7</a:t>
+              <a:t>2019/4/5</a:t>
             </a:fld>
             <a:endParaRPr lang="zh-TW" altLang="en-US"/>
           </a:p>
@@ -4686,16 +6574,68 @@
             <a:fld id="{E4D7E63D-91F2-4366-A2C4-1B00C9E2590E}" type="slidenum">
               <a:rPr lang="zh-TW" altLang="en-US" smtClean="0"/>
               <a:pPr/>
-              <a:t>11</a:t>
+              <a:t>16</a:t>
             </a:fld>
             <a:endParaRPr lang="zh-TW" altLang="en-US"/>
+          </a:p>
+        </p:txBody>
+      </p:sp>
+      <p:sp>
+        <p:nvSpPr>
+          <p:cNvPr id="8" name="Rectangle 7">
+            <a:extLst>
+              <a:ext uri="{FF2B5EF4-FFF2-40B4-BE49-F238E27FC236}">
+                <a16:creationId xmlns:a16="http://schemas.microsoft.com/office/drawing/2014/main" id="{0AF196B7-95CA-4EFF-84F0-38674FC4F4E1}"/>
+              </a:ext>
+            </a:extLst>
+          </p:cNvPr>
+          <p:cNvSpPr/>
+          <p:nvPr/>
+        </p:nvSpPr>
+        <p:spPr>
+          <a:xfrm>
+            <a:off x="777815" y="3759288"/>
+            <a:ext cx="3074105" cy="1181879"/>
+          </a:xfrm>
+          <a:prstGeom prst="rect">
+            <a:avLst/>
+          </a:prstGeom>
+          <a:noFill/>
+          <a:ln>
+            <a:solidFill>
+              <a:srgbClr val="C00000"/>
+            </a:solidFill>
+          </a:ln>
+        </p:spPr>
+        <p:style>
+          <a:lnRef idx="2">
+            <a:schemeClr val="accent1">
+              <a:shade val="50000"/>
+            </a:schemeClr>
+          </a:lnRef>
+          <a:fillRef idx="1">
+            <a:schemeClr val="accent1"/>
+          </a:fillRef>
+          <a:effectRef idx="0">
+            <a:schemeClr val="accent1"/>
+          </a:effectRef>
+          <a:fontRef idx="minor">
+            <a:schemeClr val="lt1"/>
+          </a:fontRef>
+        </p:style>
+        <p:txBody>
+          <a:bodyPr rtlCol="0" anchor="ctr"/>
+          <a:lstStyle/>
+          <a:p>
+            <a:pPr algn="ctr"/>
+            <a:endParaRPr lang="en-US"/>
           </a:p>
         </p:txBody>
       </p:sp>
     </p:spTree>
     <p:extLst>
       <p:ext uri="{BB962C8B-B14F-4D97-AF65-F5344CB8AC3E}">
-        <p14:creationId xmlns:p14="http://schemas.microsoft.com/office/powerpoint/2010/main" val="994372156"/>
+        <p14:creationId xmlns:p14="http://schemas.microsoft.com/office/powerpoint/2010/main" val="1729548972"/>
       </p:ext>
     </p:extLst>
   </p:cSld>
@@ -4705,7 +6645,7 @@
 </p:sld>
 </file>
 
-<file path=ppt/slides/slide12.xml><?xml version="1.0" encoding="utf-8"?>
+<file path=ppt/slides/slide17.xml><?xml version="1.0" encoding="utf-8"?>
 <p:sld xmlns:a="http://schemas.openxmlformats.org/drawingml/2006/main" xmlns:r="http://schemas.openxmlformats.org/officeDocument/2006/relationships" xmlns:p="http://schemas.openxmlformats.org/presentationml/2006/main">
   <p:cSld>
     <p:spTree>
@@ -4737,32 +6677,9 @@
             <a:off x="0" y="2130425"/>
             <a:ext cx="9144000" cy="1470025"/>
           </a:xfrm>
-          <a:gradFill flip="none" rotWithShape="1">
-            <a:gsLst>
-              <a:gs pos="0">
-                <a:srgbClr val="00B0F0">
-                  <a:shade val="30000"/>
-                  <a:satMod val="115000"/>
-                </a:srgbClr>
-              </a:gs>
-              <a:gs pos="50000">
-                <a:srgbClr val="00B0F0">
-                  <a:shade val="67500"/>
-                  <a:satMod val="115000"/>
-                </a:srgbClr>
-              </a:gs>
-              <a:gs pos="100000">
-                <a:srgbClr val="00B0F0">
-                  <a:shade val="100000"/>
-                  <a:satMod val="115000"/>
-                </a:srgbClr>
-              </a:gs>
-            </a:gsLst>
-            <a:path path="circle">
-              <a:fillToRect t="100000" r="100000"/>
-            </a:path>
-            <a:tileRect l="-100000" b="-100000"/>
-          </a:gradFill>
+          <a:solidFill>
+            <a:srgbClr val="00B0F0"/>
+          </a:solidFill>
         </p:spPr>
         <p:txBody>
           <a:bodyPr>
@@ -4771,14 +6688,14 @@
           <a:lstStyle/>
           <a:p>
             <a:r>
-              <a:rPr lang="en-US" altLang="zh-TW" sz="6000" b="1" dirty="0">
+              <a:rPr lang="en-US" altLang="zh-TW" sz="4800" b="1" dirty="0">
                 <a:solidFill>
                   <a:srgbClr val="FFFF00"/>
                 </a:solidFill>
               </a:rPr>
-              <a:t>End of Chapter</a:t>
-            </a:r>
-            <a:endParaRPr lang="zh-TW" altLang="en-US" sz="6000" b="1" dirty="0">
+              <a:t>6.5 tf.layers.py and tf.estimator.py</a:t>
+            </a:r>
+            <a:endParaRPr lang="zh-TW" altLang="en-US" sz="4800" b="1" dirty="0">
               <a:solidFill>
                 <a:srgbClr val="FFFF00"/>
               </a:solidFill>
@@ -4788,6 +6705,36 @@
       </p:sp>
       <p:sp>
         <p:nvSpPr>
+          <p:cNvPr id="3" name="副標題 2"/>
+          <p:cNvSpPr>
+            <a:spLocks noGrp="1"/>
+          </p:cNvSpPr>
+          <p:nvPr>
+            <p:ph type="subTitle" idx="1"/>
+          </p:nvPr>
+        </p:nvSpPr>
+        <p:spPr>
+          <a:xfrm>
+            <a:off x="1259632" y="4581128"/>
+            <a:ext cx="6400800" cy="694928"/>
+          </a:xfrm>
+        </p:spPr>
+        <p:txBody>
+          <a:bodyPr>
+            <a:normAutofit/>
+          </a:bodyPr>
+          <a:lstStyle/>
+          <a:p>
+            <a:r>
+              <a:rPr lang="en-US" altLang="zh-TW" dirty="0"/>
+              <a:t>Peter H. Chen</a:t>
+            </a:r>
+            <a:endParaRPr lang="zh-TW" altLang="en-US" dirty="0"/>
+          </a:p>
+        </p:txBody>
+      </p:sp>
+      <p:sp>
+        <p:nvSpPr>
           <p:cNvPr id="5" name="日期版面配置區 4"/>
           <p:cNvSpPr>
             <a:spLocks noGrp="1"/>
@@ -4801,10 +6748,10 @@
           <a:bodyPr/>
           <a:lstStyle/>
           <a:p>
-            <a:fld id="{4E46BE27-E923-4EC2-B046-3272AE2A3E5C}" type="datetime1">
+            <a:fld id="{C389EDC9-19E3-47AC-9C57-C6A24DEA81AD}" type="datetime1">
               <a:rPr lang="zh-TW" altLang="en-US" smtClean="0"/>
               <a:pPr/>
-              <a:t>2019/3/7</a:t>
+              <a:t>2019/4/5</a:t>
             </a:fld>
             <a:endParaRPr lang="zh-TW" altLang="en-US"/>
           </a:p>
@@ -4828,13 +6775,48 @@
             <a:fld id="{E4D7E63D-91F2-4366-A2C4-1B00C9E2590E}" type="slidenum">
               <a:rPr lang="zh-TW" altLang="en-US" smtClean="0"/>
               <a:pPr/>
-              <a:t>12</a:t>
+              <a:t>17</a:t>
             </a:fld>
             <a:endParaRPr lang="zh-TW" altLang="en-US"/>
           </a:p>
         </p:txBody>
       </p:sp>
+      <p:pic>
+        <p:nvPicPr>
+          <p:cNvPr id="4" name="Picture 3">
+            <a:extLst>
+              <a:ext uri="{FF2B5EF4-FFF2-40B4-BE49-F238E27FC236}">
+                <a16:creationId xmlns:a16="http://schemas.microsoft.com/office/drawing/2014/main" id="{7A4D60E2-93C7-4A51-A7EE-54D2D57FE8B6}"/>
+              </a:ext>
+            </a:extLst>
+          </p:cNvPr>
+          <p:cNvPicPr>
+            <a:picLocks noChangeAspect="1"/>
+          </p:cNvPicPr>
+          <p:nvPr/>
+        </p:nvPicPr>
+        <p:blipFill>
+          <a:blip r:embed="rId2"/>
+          <a:stretch>
+            <a:fillRect/>
+          </a:stretch>
+        </p:blipFill>
+        <p:spPr>
+          <a:xfrm>
+            <a:off x="3851920" y="3717032"/>
+            <a:ext cx="1202568" cy="990350"/>
+          </a:xfrm>
+          <a:prstGeom prst="rect">
+            <a:avLst/>
+          </a:prstGeom>
+        </p:spPr>
+      </p:pic>
     </p:spTree>
+    <p:extLst>
+      <p:ext uri="{BB962C8B-B14F-4D97-AF65-F5344CB8AC3E}">
+        <p14:creationId xmlns:p14="http://schemas.microsoft.com/office/powerpoint/2010/main" val="667135739"/>
+      </p:ext>
+    </p:extLst>
   </p:cSld>
   <p:clrMapOvr>
     <a:masterClrMapping/>
@@ -4842,7 +6824,7 @@
 </p:sld>
 </file>
 
-<file path=ppt/slides/slide2.xml><?xml version="1.0" encoding="utf-8"?>
+<file path=ppt/slides/slide18.xml><?xml version="1.0" encoding="utf-8"?>
 <p:sld xmlns:a="http://schemas.openxmlformats.org/drawingml/2006/main" xmlns:r="http://schemas.openxmlformats.org/officeDocument/2006/relationships" xmlns:p="http://schemas.openxmlformats.org/presentationml/2006/main">
   <p:cSld>
     <p:spTree>
@@ -4914,7 +6896,7 @@
                   <a:srgbClr val="FFFF00"/>
                 </a:solidFill>
               </a:rPr>
-              <a:t>6 Convolutional Neural Network (3)</a:t>
+              <a:t>6.5 tf.layers.py and tf.estimator.py</a:t>
             </a:r>
             <a:endParaRPr lang="zh-TW" altLang="en-US" b="1" dirty="0">
               <a:solidFill>
@@ -4937,7 +6919,7 @@
         <p:spPr>
           <a:xfrm>
             <a:off x="467544" y="1268760"/>
-            <a:ext cx="7704856" cy="2952328"/>
+            <a:ext cx="8064896" cy="3312368"/>
           </a:xfrm>
           <a:ln>
             <a:solidFill>
@@ -4965,7 +6947,7 @@
                   <a:schemeClr val="tx1"/>
                 </a:solidFill>
               </a:rPr>
-              <a:t>List of Session Topic</a:t>
+              <a:t>More Code Samples </a:t>
             </a:r>
           </a:p>
           <a:p>
@@ -4978,12 +6960,38 @@
               <a:buChar char="u"/>
             </a:pPr>
             <a:r>
+              <a:rPr lang="en-US" sz="1600" dirty="0">
+                <a:solidFill>
+                  <a:schemeClr val="tx1"/>
+                </a:solidFill>
+              </a:rPr>
+              <a:t>TensorFlow r1.9 code sample:</a:t>
+            </a:r>
+          </a:p>
+          <a:p>
+            <a:pPr marL="342900" indent="-342900" algn="l">
+              <a:buClr>
+                <a:srgbClr val="0070C0"/>
+              </a:buClr>
+              <a:buSzPct val="80000"/>
+              <a:buFont typeface="Wingdings" pitchFamily="2" charset="2"/>
+              <a:buChar char="u"/>
+            </a:pPr>
+            <a:r>
+              <a:rPr lang="en-US" sz="1600" dirty="0">
+                <a:solidFill>
+                  <a:schemeClr val="tx1"/>
+                </a:solidFill>
+              </a:rPr>
+              <a:t>Uses </a:t>
+            </a:r>
+            <a:r>
               <a:rPr lang="en-US" sz="1600" dirty="0" err="1">
                 <a:solidFill>
                   <a:schemeClr val="tx1"/>
                 </a:solidFill>
               </a:rPr>
-              <a:t>TFLearn</a:t>
+              <a:t>tf.layers</a:t>
             </a:r>
             <a:r>
               <a:rPr lang="en-US" sz="1600" dirty="0">
@@ -4991,7 +6999,117 @@
                   <a:schemeClr val="tx1"/>
                 </a:solidFill>
               </a:rPr>
+              <a:t> and </a:t>
+            </a:r>
+            <a:r>
+              <a:rPr lang="en-US" sz="1600" dirty="0" err="1">
+                <a:solidFill>
+                  <a:schemeClr val="tx1"/>
+                </a:solidFill>
+              </a:rPr>
+              <a:t>tf.estimator</a:t>
+            </a:r>
+            <a:r>
+              <a:rPr lang="en-US" sz="1600" dirty="0">
+                <a:solidFill>
+                  <a:schemeClr val="tx1"/>
+                </a:solidFill>
+              </a:rPr>
               <a:t> APIs</a:t>
+            </a:r>
+          </a:p>
+          <a:p>
+            <a:pPr marL="342900" indent="-342900" algn="l">
+              <a:buClr>
+                <a:srgbClr val="0070C0"/>
+              </a:buClr>
+              <a:buSzPct val="80000"/>
+              <a:buFont typeface="Wingdings" pitchFamily="2" charset="2"/>
+              <a:buChar char="u"/>
+            </a:pPr>
+            <a:r>
+              <a:rPr lang="en-US" sz="1600" dirty="0">
+                <a:solidFill>
+                  <a:schemeClr val="tx1"/>
+                </a:solidFill>
+              </a:rPr>
+              <a:t>does not use deprecated code</a:t>
+            </a:r>
+          </a:p>
+          <a:p>
+            <a:pPr marL="342900" indent="-342900" algn="l">
+              <a:buClr>
+                <a:srgbClr val="0070C0"/>
+              </a:buClr>
+              <a:buSzPct val="80000"/>
+              <a:buFont typeface="Wingdings" pitchFamily="2" charset="2"/>
+              <a:buChar char="u"/>
+            </a:pPr>
+            <a:r>
+              <a:rPr lang="en-US" sz="1600" dirty="0">
+                <a:solidFill>
+                  <a:schemeClr val="tx1"/>
+                </a:solidFill>
+              </a:rPr>
+              <a:t>(does not work in week 6 code samples)</a:t>
+            </a:r>
+          </a:p>
+          <a:p>
+            <a:pPr marL="342900" indent="-342900" algn="l">
+              <a:buClr>
+                <a:srgbClr val="0070C0"/>
+              </a:buClr>
+              <a:buSzPct val="80000"/>
+              <a:buFont typeface="Wingdings" pitchFamily="2" charset="2"/>
+              <a:buChar char="u"/>
+            </a:pPr>
+            <a:r>
+              <a:rPr lang="en-US" sz="1600" dirty="0" err="1">
+                <a:solidFill>
+                  <a:srgbClr val="00B050"/>
+                </a:solidFill>
+              </a:rPr>
+              <a:t>mnist</a:t>
+            </a:r>
+            <a:r>
+              <a:rPr lang="en-US" sz="1600" dirty="0">
+                <a:solidFill>
+                  <a:srgbClr val="00B050"/>
+                </a:solidFill>
+              </a:rPr>
+              <a:t> = </a:t>
+            </a:r>
+            <a:r>
+              <a:rPr lang="en-US" sz="1600" dirty="0" err="1">
+                <a:solidFill>
+                  <a:srgbClr val="00B050"/>
+                </a:solidFill>
+              </a:rPr>
+              <a:t>tf.contrib.learn.datasets.load_dataset</a:t>
+            </a:r>
+            <a:r>
+              <a:rPr lang="en-US" sz="1600" dirty="0">
+                <a:solidFill>
+                  <a:srgbClr val="00B050"/>
+                </a:solidFill>
+              </a:rPr>
+              <a:t>("</a:t>
+            </a:r>
+            <a:r>
+              <a:rPr lang="en-US" sz="1600" dirty="0" err="1">
+                <a:solidFill>
+                  <a:srgbClr val="00B050"/>
+                </a:solidFill>
+              </a:rPr>
+              <a:t>mnist</a:t>
+            </a:r>
+            <a:r>
+              <a:rPr lang="en-US" sz="1600" dirty="0">
+                <a:solidFill>
+                  <a:srgbClr val="00B050"/>
+                </a:solidFill>
+              </a:rPr>
+              <a:t>")</a:t>
             </a:r>
           </a:p>
           <a:p>
@@ -5024,23 +7142,7 @@
                   <a:schemeClr val="tx1"/>
                 </a:solidFill>
               </a:rPr>
-              <a:t>CNNs and </a:t>
-            </a:r>
-            <a:r>
-              <a:rPr lang="en-US" sz="1600" dirty="0" err="1">
-                <a:solidFill>
-                  <a:schemeClr val="tx1"/>
-                </a:solidFill>
-              </a:rPr>
-              <a:t>TFLearn</a:t>
-            </a:r>
-            <a:r>
-              <a:rPr lang="en-US" sz="1600" dirty="0">
-                <a:solidFill>
-                  <a:schemeClr val="tx1"/>
-                </a:solidFill>
-              </a:rPr>
-              <a:t>:</a:t>
+              <a:t>Complete code location:</a:t>
             </a:r>
           </a:p>
           <a:p>
@@ -5055,11 +7157,23 @@
             <a:r>
               <a:rPr lang="en-US" sz="1600" dirty="0">
                 <a:solidFill>
-                  <a:schemeClr val="tx1"/>
-                </a:solidFill>
-              </a:rPr>
-              <a:t>tflearn-cnn.py</a:t>
-            </a:r>
+                  <a:srgbClr val="C00000"/>
+                </a:solidFill>
+                <a:hlinkClick r:id="rId2">
+                  <a:extLst>
+                    <a:ext uri="{A12FA001-AC4F-418D-AE19-62706E023703}">
+                      <ahyp:hlinkClr xmlns:ahyp="http://schemas.microsoft.com/office/drawing/2018/hyperlinkcolor" val="tx"/>
+                    </a:ext>
+                  </a:extLst>
+                </a:hlinkClick>
+              </a:rPr>
+              <a:t>https://github.com/tensorflow/tensorflow/blob/r1.9/tensorflow/examples/tutorials/layers/cnn_mnist.py</a:t>
+            </a:r>
+            <a:endParaRPr lang="en-US" sz="1600" dirty="0">
+              <a:solidFill>
+                <a:srgbClr val="C00000"/>
+              </a:solidFill>
+            </a:endParaRPr>
           </a:p>
           <a:p>
             <a:pPr marL="342900" indent="-342900" algn="l">
@@ -5070,11 +7184,30 @@
               <a:buFont typeface="Wingdings" pitchFamily="2" charset="2"/>
               <a:buChar char="u"/>
             </a:pPr>
-            <a:endParaRPr lang="en-US" sz="1600" dirty="0">
-              <a:solidFill>
-                <a:schemeClr val="tx1"/>
-              </a:solidFill>
-            </a:endParaRPr>
+            <a:r>
+              <a:rPr lang="en-US" sz="1600" dirty="0">
+                <a:solidFill>
+                  <a:schemeClr val="tx1"/>
+                </a:solidFill>
+              </a:rPr>
+              <a:t>Use </a:t>
+            </a:r>
+            <a:r>
+              <a:rPr lang="en-US" sz="1600" dirty="0" err="1">
+                <a:solidFill>
+                  <a:schemeClr val="tx1"/>
+                </a:solidFill>
+              </a:rPr>
+              <a:t>tf.data.TFRecordDataset</a:t>
+            </a:r>
+            <a:r>
+              <a:rPr lang="en-US" sz="1600" dirty="0">
+                <a:solidFill>
+                  <a:schemeClr val="tx1"/>
+                </a:solidFill>
+              </a:rPr>
+              <a:t> + Iterator(?)</a:t>
+            </a:r>
           </a:p>
           <a:p>
             <a:pPr marL="342900" indent="-342900" algn="l">
@@ -5085,68 +7218,6 @@
               <a:buFont typeface="Wingdings" pitchFamily="2" charset="2"/>
               <a:buChar char="u"/>
             </a:pPr>
-            <a:r>
-              <a:rPr lang="en-US" sz="1600" dirty="0">
-                <a:solidFill>
-                  <a:schemeClr val="tx1"/>
-                </a:solidFill>
-              </a:rPr>
-              <a:t>Additional CNN code samples:</a:t>
-            </a:r>
-          </a:p>
-          <a:p>
-            <a:pPr marL="342900" indent="-342900" algn="l">
-              <a:buClr>
-                <a:srgbClr val="0070C0"/>
-              </a:buClr>
-              <a:buSzPct val="80000"/>
-              <a:buFont typeface="Wingdings" pitchFamily="2" charset="2"/>
-              <a:buChar char="u"/>
-            </a:pPr>
-            <a:r>
-              <a:rPr lang="en-US" sz="1600" dirty="0">
-                <a:solidFill>
-                  <a:schemeClr val="tx1"/>
-                </a:solidFill>
-              </a:rPr>
-              <a:t>complex-cnn.py</a:t>
-            </a:r>
-          </a:p>
-          <a:p>
-            <a:pPr marL="342900" indent="-342900" algn="l">
-              <a:buClr>
-                <a:srgbClr val="0070C0"/>
-              </a:buClr>
-              <a:buSzPct val="80000"/>
-              <a:buFont typeface="Wingdings" pitchFamily="2" charset="2"/>
-              <a:buChar char="u"/>
-            </a:pPr>
-            <a:r>
-              <a:rPr lang="en-US" sz="1600" dirty="0">
-                <a:solidFill>
-                  <a:schemeClr val="tx1"/>
-                </a:solidFill>
-              </a:rPr>
-              <a:t>input-data.py</a:t>
-            </a:r>
-          </a:p>
-          <a:p>
-            <a:pPr marL="342900" indent="-342900" algn="l">
-              <a:buClr>
-                <a:srgbClr val="0070C0"/>
-              </a:buClr>
-              <a:buSzPct val="80000"/>
-              <a:buFont typeface="Wingdings" pitchFamily="2" charset="2"/>
-              <a:buChar char="u"/>
-            </a:pPr>
-            <a:r>
-              <a:rPr lang="en-US" sz="1600" dirty="0">
-                <a:solidFill>
-                  <a:schemeClr val="tx1"/>
-                </a:solidFill>
-              </a:rPr>
-              <a:t>simple-cnn.py</a:t>
-            </a:r>
             <a:endParaRPr lang="en-US" sz="1600" b="1" dirty="0">
               <a:solidFill>
                 <a:schemeClr val="tx1"/>
@@ -5252,7 +7323,7 @@
             <a:fld id="{A4F910E6-8D00-4BAF-8C48-9688E0B449D3}" type="datetime1">
               <a:rPr lang="zh-TW" altLang="en-US" smtClean="0"/>
               <a:pPr/>
-              <a:t>2019/3/7</a:t>
+              <a:t>2019/4/5</a:t>
             </a:fld>
             <a:endParaRPr lang="zh-TW" altLang="en-US"/>
           </a:p>
@@ -5276,7 +7347,149 @@
             <a:fld id="{E4D7E63D-91F2-4366-A2C4-1B00C9E2590E}" type="slidenum">
               <a:rPr lang="zh-TW" altLang="en-US" smtClean="0"/>
               <a:pPr/>
-              <a:t>2</a:t>
+              <a:t>18</a:t>
+            </a:fld>
+            <a:endParaRPr lang="zh-TW" altLang="en-US"/>
+          </a:p>
+        </p:txBody>
+      </p:sp>
+    </p:spTree>
+    <p:extLst>
+      <p:ext uri="{BB962C8B-B14F-4D97-AF65-F5344CB8AC3E}">
+        <p14:creationId xmlns:p14="http://schemas.microsoft.com/office/powerpoint/2010/main" val="994372156"/>
+      </p:ext>
+    </p:extLst>
+  </p:cSld>
+  <p:clrMapOvr>
+    <a:masterClrMapping/>
+  </p:clrMapOvr>
+</p:sld>
+</file>
+
+<file path=ppt/slides/slide19.xml><?xml version="1.0" encoding="utf-8"?>
+<p:sld xmlns:a="http://schemas.openxmlformats.org/drawingml/2006/main" xmlns:r="http://schemas.openxmlformats.org/officeDocument/2006/relationships" xmlns:p="http://schemas.openxmlformats.org/presentationml/2006/main">
+  <p:cSld>
+    <p:spTree>
+      <p:nvGrpSpPr>
+        <p:cNvPr id="1" name=""/>
+        <p:cNvGrpSpPr/>
+        <p:nvPr/>
+      </p:nvGrpSpPr>
+      <p:grpSpPr>
+        <a:xfrm>
+          <a:off x="0" y="0"/>
+          <a:ext cx="0" cy="0"/>
+          <a:chOff x="0" y="0"/>
+          <a:chExt cx="0" cy="0"/>
+        </a:xfrm>
+      </p:grpSpPr>
+      <p:sp>
+        <p:nvSpPr>
+          <p:cNvPr id="2" name="標題 1"/>
+          <p:cNvSpPr>
+            <a:spLocks noGrp="1"/>
+          </p:cNvSpPr>
+          <p:nvPr>
+            <p:ph type="ctrTitle"/>
+          </p:nvPr>
+        </p:nvSpPr>
+        <p:spPr>
+          <a:xfrm>
+            <a:off x="0" y="2130425"/>
+            <a:ext cx="9144000" cy="1470025"/>
+          </a:xfrm>
+          <a:gradFill flip="none" rotWithShape="1">
+            <a:gsLst>
+              <a:gs pos="0">
+                <a:srgbClr val="00B0F0">
+                  <a:shade val="30000"/>
+                  <a:satMod val="115000"/>
+                </a:srgbClr>
+              </a:gs>
+              <a:gs pos="50000">
+                <a:srgbClr val="00B0F0">
+                  <a:shade val="67500"/>
+                  <a:satMod val="115000"/>
+                </a:srgbClr>
+              </a:gs>
+              <a:gs pos="100000">
+                <a:srgbClr val="00B0F0">
+                  <a:shade val="100000"/>
+                  <a:satMod val="115000"/>
+                </a:srgbClr>
+              </a:gs>
+            </a:gsLst>
+            <a:path path="circle">
+              <a:fillToRect t="100000" r="100000"/>
+            </a:path>
+            <a:tileRect l="-100000" b="-100000"/>
+          </a:gradFill>
+        </p:spPr>
+        <p:txBody>
+          <a:bodyPr>
+            <a:normAutofit/>
+          </a:bodyPr>
+          <a:lstStyle/>
+          <a:p>
+            <a:r>
+              <a:rPr lang="en-US" altLang="zh-TW" sz="6000" b="1" dirty="0">
+                <a:solidFill>
+                  <a:srgbClr val="FFFF00"/>
+                </a:solidFill>
+              </a:rPr>
+              <a:t>End of Chapter</a:t>
+            </a:r>
+            <a:endParaRPr lang="zh-TW" altLang="en-US" sz="6000" b="1" dirty="0">
+              <a:solidFill>
+                <a:srgbClr val="FFFF00"/>
+              </a:solidFill>
+            </a:endParaRPr>
+          </a:p>
+        </p:txBody>
+      </p:sp>
+      <p:sp>
+        <p:nvSpPr>
+          <p:cNvPr id="5" name="日期版面配置區 4"/>
+          <p:cNvSpPr>
+            <a:spLocks noGrp="1"/>
+          </p:cNvSpPr>
+          <p:nvPr>
+            <p:ph type="dt" sz="half" idx="10"/>
+          </p:nvPr>
+        </p:nvSpPr>
+        <p:spPr/>
+        <p:txBody>
+          <a:bodyPr/>
+          <a:lstStyle/>
+          <a:p>
+            <a:fld id="{4E46BE27-E923-4EC2-B046-3272AE2A3E5C}" type="datetime1">
+              <a:rPr lang="zh-TW" altLang="en-US" smtClean="0"/>
+              <a:pPr/>
+              <a:t>2019/4/5</a:t>
+            </a:fld>
+            <a:endParaRPr lang="zh-TW" altLang="en-US"/>
+          </a:p>
+        </p:txBody>
+      </p:sp>
+      <p:sp>
+        <p:nvSpPr>
+          <p:cNvPr id="6" name="投影片編號版面配置區 5"/>
+          <p:cNvSpPr>
+            <a:spLocks noGrp="1"/>
+          </p:cNvSpPr>
+          <p:nvPr>
+            <p:ph type="sldNum" sz="quarter" idx="12"/>
+          </p:nvPr>
+        </p:nvSpPr>
+        <p:spPr/>
+        <p:txBody>
+          <a:bodyPr/>
+          <a:lstStyle/>
+          <a:p>
+            <a:fld id="{E4D7E63D-91F2-4366-A2C4-1B00C9E2590E}" type="slidenum">
+              <a:rPr lang="zh-TW" altLang="en-US" smtClean="0"/>
+              <a:pPr/>
+              <a:t>19</a:t>
             </a:fld>
             <a:endParaRPr lang="zh-TW" altLang="en-US"/>
           </a:p>
@@ -5290,7 +7503,7 @@
 </p:sld>
 </file>
 
-<file path=ppt/slides/slide3.xml><?xml version="1.0" encoding="utf-8"?>
+<file path=ppt/slides/slide2.xml><?xml version="1.0" encoding="utf-8"?>
 <p:sld xmlns:a="http://schemas.openxmlformats.org/drawingml/2006/main" xmlns:r="http://schemas.openxmlformats.org/officeDocument/2006/relationships" xmlns:p="http://schemas.openxmlformats.org/presentationml/2006/main">
   <p:cSld>
     <p:spTree>
@@ -5413,23 +7626,7 @@
                   <a:schemeClr val="tx1"/>
                 </a:solidFill>
               </a:rPr>
-              <a:t>Useful </a:t>
-            </a:r>
-            <a:r>
-              <a:rPr lang="en-US" sz="1600" b="1" dirty="0" err="1">
-                <a:solidFill>
-                  <a:schemeClr val="tx1"/>
-                </a:solidFill>
-              </a:rPr>
-              <a:t>TFLearn</a:t>
-            </a:r>
-            <a:r>
-              <a:rPr lang="en-US" sz="1600" b="1" dirty="0">
-                <a:solidFill>
-                  <a:schemeClr val="tx1"/>
-                </a:solidFill>
-              </a:rPr>
-              <a:t> APIs</a:t>
+              <a:t>List of Session Topic</a:t>
             </a:r>
           </a:p>
           <a:p>
@@ -5442,46 +7639,20 @@
               <a:buChar char="u"/>
             </a:pPr>
             <a:r>
+              <a:rPr lang="en-US" sz="1600" dirty="0" err="1">
+                <a:solidFill>
+                  <a:schemeClr val="tx1"/>
+                </a:solidFill>
+              </a:rPr>
+              <a:t>TFLearn</a:t>
+            </a:r>
+            <a:r>
               <a:rPr lang="en-US" sz="1600" dirty="0">
                 <a:solidFill>
                   <a:schemeClr val="tx1"/>
                 </a:solidFill>
               </a:rPr>
-              <a:t>from </a:t>
-            </a:r>
-            <a:r>
-              <a:rPr lang="en-US" sz="1600" dirty="0" err="1">
-                <a:solidFill>
-                  <a:schemeClr val="tx1"/>
-                </a:solidFill>
-              </a:rPr>
-              <a:t>tflearn.layers.conv</a:t>
-            </a:r>
-            <a:r>
-              <a:rPr lang="en-US" sz="1600" dirty="0">
-                <a:solidFill>
-                  <a:schemeClr val="tx1"/>
-                </a:solidFill>
-              </a:rPr>
-              <a:t>: </a:t>
-            </a:r>
-          </a:p>
-          <a:p>
-            <a:pPr marL="342900" indent="-342900" algn="l">
-              <a:buClr>
-                <a:srgbClr val="0070C0"/>
-              </a:buClr>
-              <a:buSzPct val="80000"/>
-              <a:buFont typeface="Wingdings" pitchFamily="2" charset="2"/>
-              <a:buChar char="u"/>
-            </a:pPr>
-            <a:r>
-              <a:rPr lang="en-US" sz="1600" dirty="0">
-                <a:solidFill>
-                  <a:srgbClr val="0070C0"/>
-                </a:solidFill>
-              </a:rPr>
-              <a:t>conv_2d, max_pool_2d</a:t>
+              <a:t> APIs</a:t>
             </a:r>
           </a:p>
           <a:p>
@@ -5514,7 +7685,7 @@
                   <a:schemeClr val="tx1"/>
                 </a:solidFill>
               </a:rPr>
-              <a:t>from </a:t>
+              <a:t>CNNs and </a:t>
             </a:r>
             <a:r>
               <a:rPr lang="en-US" sz="1600" dirty="0" err="1">
@@ -5522,7 +7693,7 @@
                   <a:schemeClr val="tx1"/>
                 </a:solidFill>
               </a:rPr>
-              <a:t>tflearn.layers.core</a:t>
+              <a:t>TFLearn</a:t>
             </a:r>
             <a:r>
               <a:rPr lang="en-US" sz="1600" dirty="0">
@@ -5530,7 +7701,7 @@
                   <a:schemeClr val="tx1"/>
                 </a:solidFill>
               </a:rPr>
-              <a:t> </a:t>
+              <a:t>: </a:t>
             </a:r>
           </a:p>
           <a:p>
@@ -5543,34 +7714,48 @@
               <a:buChar char="u"/>
             </a:pPr>
             <a:r>
-              <a:rPr lang="en-US" sz="1600" dirty="0" err="1">
-                <a:solidFill>
-                  <a:srgbClr val="0070C0"/>
-                </a:solidFill>
-              </a:rPr>
-              <a:t>input_data</a:t>
-            </a:r>
-            <a:r>
               <a:rPr lang="en-US" sz="1600" dirty="0">
-                <a:solidFill>
-                  <a:srgbClr val="0070C0"/>
-                </a:solidFill>
-              </a:rPr>
-              <a:t>, dropout, </a:t>
-            </a:r>
-            <a:r>
-              <a:rPr lang="en-US" sz="1600" dirty="0" err="1">
-                <a:solidFill>
-                  <a:srgbClr val="0070C0"/>
-                </a:solidFill>
-              </a:rPr>
-              <a:t>fully_connected</a:t>
+                <a:hlinkClick r:id="rId2"/>
+              </a:rPr>
+              <a:t>http://tflearn.org/</a:t>
             </a:r>
             <a:endParaRPr lang="en-US" sz="1600" dirty="0">
               <a:solidFill>
-                <a:srgbClr val="0070C0"/>
+                <a:schemeClr val="tx1"/>
               </a:solidFill>
             </a:endParaRPr>
+          </a:p>
+          <a:p>
+            <a:pPr marL="342900" indent="-342900" algn="l">
+              <a:buClr>
+                <a:srgbClr val="0070C0"/>
+              </a:buClr>
+              <a:buSzPct val="80000"/>
+              <a:buFont typeface="Wingdings" pitchFamily="2" charset="2"/>
+              <a:buChar char="u"/>
+            </a:pPr>
+            <a:r>
+              <a:rPr lang="en-US" sz="1600" dirty="0">
+                <a:solidFill>
+                  <a:schemeClr val="tx1"/>
+                </a:solidFill>
+              </a:rPr>
+              <a:t>tflearn-cnn.py (</a:t>
+            </a:r>
+            <a:r>
+              <a:rPr lang="en-US" sz="1600" dirty="0">
+                <a:hlinkClick r:id="rId3"/>
+              </a:rPr>
+              <a:t>http://tflearn.org/models/dnn/</a:t>
+            </a:r>
+            <a:r>
+              <a:rPr lang="en-US" sz="1600" dirty="0">
+                <a:solidFill>
+                  <a:schemeClr val="tx1"/>
+                </a:solidFill>
+              </a:rPr>
+              <a:t>)</a:t>
+            </a:r>
           </a:p>
           <a:p>
             <a:pPr marL="342900" indent="-342900" algn="l">
@@ -5602,23 +7787,7 @@
                   <a:schemeClr val="tx1"/>
                 </a:solidFill>
               </a:rPr>
-              <a:t>from </a:t>
-            </a:r>
-            <a:r>
-              <a:rPr lang="en-US" sz="1600" dirty="0" err="1">
-                <a:solidFill>
-                  <a:schemeClr val="tx1"/>
-                </a:solidFill>
-              </a:rPr>
-              <a:t>tflearn.layers.estimator</a:t>
-            </a:r>
-            <a:r>
-              <a:rPr lang="en-US" sz="1600" dirty="0">
-                <a:solidFill>
-                  <a:schemeClr val="tx1"/>
-                </a:solidFill>
-              </a:rPr>
-              <a:t>: </a:t>
+              <a:t>Additional CNN code samples:</a:t>
             </a:r>
           </a:p>
           <a:p>
@@ -5633,10 +7802,10 @@
             <a:r>
               <a:rPr lang="en-US" sz="1600" dirty="0">
                 <a:solidFill>
-                  <a:srgbClr val="0070C0"/>
-                </a:solidFill>
-              </a:rPr>
-              <a:t>Regression</a:t>
+                  <a:schemeClr val="tx1"/>
+                </a:solidFill>
+              </a:rPr>
+              <a:t>complex-cnn.py</a:t>
             </a:r>
           </a:p>
           <a:p>
@@ -5648,11 +7817,14 @@
               <a:buFont typeface="Wingdings" pitchFamily="2" charset="2"/>
               <a:buChar char="u"/>
             </a:pPr>
-            <a:endParaRPr lang="en-US" sz="1600" dirty="0">
-              <a:solidFill>
-                <a:schemeClr val="tx1"/>
-              </a:solidFill>
-            </a:endParaRPr>
+            <a:r>
+              <a:rPr lang="en-US" sz="1600" dirty="0">
+                <a:solidFill>
+                  <a:schemeClr val="tx1"/>
+                </a:solidFill>
+              </a:rPr>
+              <a:t>input-data.py</a:t>
+            </a:r>
           </a:p>
           <a:p>
             <a:pPr marL="342900" indent="-342900" algn="l">
@@ -5664,21 +7836,18 @@
               <a:buChar char="u"/>
             </a:pPr>
             <a:r>
-              <a:rPr lang="en-US" sz="1600" dirty="0" err="1">
-                <a:solidFill>
-                  <a:srgbClr val="0070C0"/>
-                </a:solidFill>
-              </a:rPr>
-              <a:t>tflearn.datasets.mnist</a:t>
-            </a:r>
-            <a:r>
               <a:rPr lang="en-US" sz="1600" dirty="0">
                 <a:solidFill>
-                  <a:srgbClr val="0070C0"/>
-                </a:solidFill>
-              </a:rPr>
-              <a:t> </a:t>
-            </a:r>
+                  <a:schemeClr val="tx1"/>
+                </a:solidFill>
+              </a:rPr>
+              <a:t>simple-cnn.py</a:t>
+            </a:r>
+            <a:endParaRPr lang="en-US" sz="1600" b="1" dirty="0">
+              <a:solidFill>
+                <a:schemeClr val="tx1"/>
+              </a:solidFill>
+            </a:endParaRPr>
           </a:p>
         </p:txBody>
       </p:sp>
@@ -5779,7 +7948,7 @@
             <a:fld id="{A4F910E6-8D00-4BAF-8C48-9688E0B449D3}" type="datetime1">
               <a:rPr lang="zh-TW" altLang="en-US" smtClean="0"/>
               <a:pPr/>
-              <a:t>2019/3/7</a:t>
+              <a:t>2019/4/5</a:t>
             </a:fld>
             <a:endParaRPr lang="zh-TW" altLang="en-US"/>
           </a:p>
@@ -5803,18 +7972,13 @@
             <a:fld id="{E4D7E63D-91F2-4366-A2C4-1B00C9E2590E}" type="slidenum">
               <a:rPr lang="zh-TW" altLang="en-US" smtClean="0"/>
               <a:pPr/>
-              <a:t>3</a:t>
+              <a:t>2</a:t>
             </a:fld>
             <a:endParaRPr lang="zh-TW" altLang="en-US"/>
           </a:p>
         </p:txBody>
       </p:sp>
     </p:spTree>
-    <p:extLst>
-      <p:ext uri="{BB962C8B-B14F-4D97-AF65-F5344CB8AC3E}">
-        <p14:creationId xmlns:p14="http://schemas.microsoft.com/office/powerpoint/2010/main" val="2615074750"/>
-      </p:ext>
-    </p:extLst>
   </p:cSld>
   <p:clrMapOvr>
     <a:masterClrMapping/>
@@ -5822,7 +7986,7 @@
 </p:sld>
 </file>
 
-<file path=ppt/slides/slide4.xml><?xml version="1.0" encoding="utf-8"?>
+<file path=ppt/slides/slide3.xml><?xml version="1.0" encoding="utf-8"?>
 <p:sld xmlns:a="http://schemas.openxmlformats.org/drawingml/2006/main" xmlns:r="http://schemas.openxmlformats.org/officeDocument/2006/relationships" xmlns:p="http://schemas.openxmlformats.org/presentationml/2006/main">
   <p:cSld>
     <p:spTree>
@@ -5917,7 +8081,7 @@
         <p:spPr>
           <a:xfrm>
             <a:off x="467544" y="1268760"/>
-            <a:ext cx="7704856" cy="3600400"/>
+            <a:ext cx="7704856" cy="3384376"/>
           </a:xfrm>
           <a:ln>
             <a:solidFill>
@@ -5940,6 +8104,14 @@
               <a:buChar char="u"/>
             </a:pPr>
             <a:r>
+              <a:rPr lang="en-US" sz="1600" b="1" dirty="0">
+                <a:solidFill>
+                  <a:schemeClr val="tx1"/>
+                </a:solidFill>
+              </a:rPr>
+              <a:t>Useful </a:t>
+            </a:r>
+            <a:r>
               <a:rPr lang="en-US" sz="1600" b="1" dirty="0" err="1">
                 <a:solidFill>
                   <a:schemeClr val="tx1"/>
@@ -5953,48 +8125,90 @@
                   <a:schemeClr val="tx1"/>
                 </a:solidFill>
               </a:rPr>
-              <a:t> and CNNs (tflearn-cnn.py)</a:t>
-            </a:r>
-          </a:p>
-          <a:p>
-            <a:pPr algn="l"/>
+              <a:t> APIs</a:t>
+            </a:r>
+          </a:p>
+          <a:p>
+            <a:pPr marL="342900" indent="-342900" algn="l">
+              <a:buClr>
+                <a:srgbClr val="0070C0"/>
+              </a:buClr>
+              <a:buSzPct val="80000"/>
+              <a:buFont typeface="Wingdings" pitchFamily="2" charset="2"/>
+              <a:buChar char="u"/>
+            </a:pPr>
             <a:r>
               <a:rPr lang="en-US" sz="1600" dirty="0">
                 <a:solidFill>
                   <a:schemeClr val="tx1"/>
                 </a:solidFill>
-                <a:latin typeface="Courier"/>
-                <a:cs typeface="Courier"/>
-              </a:rPr>
-              <a:t>import </a:t>
+              </a:rPr>
+              <a:t>from </a:t>
             </a:r>
             <a:r>
               <a:rPr lang="en-US" sz="1600" dirty="0" err="1">
                 <a:solidFill>
                   <a:schemeClr val="tx1"/>
                 </a:solidFill>
-                <a:latin typeface="Courier"/>
-                <a:cs typeface="Courier"/>
-              </a:rPr>
-              <a:t>tflearn</a:t>
-            </a:r>
+              </a:rPr>
+              <a:t>tflearn.layers.conv</a:t>
+            </a:r>
+            <a:r>
+              <a:rPr lang="en-US" sz="1600" dirty="0">
+                <a:solidFill>
+                  <a:schemeClr val="tx1"/>
+                </a:solidFill>
+              </a:rPr>
+              <a:t>: </a:t>
+            </a:r>
+          </a:p>
+          <a:p>
+            <a:pPr marL="342900" indent="-342900" algn="l">
+              <a:buClr>
+                <a:srgbClr val="0070C0"/>
+              </a:buClr>
+              <a:buSzPct val="80000"/>
+              <a:buFont typeface="Wingdings" pitchFamily="2" charset="2"/>
+              <a:buChar char="u"/>
+            </a:pPr>
+            <a:r>
+              <a:rPr lang="en-US" sz="1600" dirty="0">
+                <a:solidFill>
+                  <a:srgbClr val="0070C0"/>
+                </a:solidFill>
+              </a:rPr>
+              <a:t>conv_2d, max_pool_2d</a:t>
+            </a:r>
+          </a:p>
+          <a:p>
+            <a:pPr marL="342900" indent="-342900" algn="l">
+              <a:buClr>
+                <a:srgbClr val="0070C0"/>
+              </a:buClr>
+              <a:buSzPct val="80000"/>
+              <a:buFont typeface="Wingdings" pitchFamily="2" charset="2"/>
+              <a:buChar char="u"/>
+            </a:pPr>
             <a:endParaRPr lang="en-US" sz="1600" dirty="0">
               <a:solidFill>
                 <a:schemeClr val="tx1"/>
               </a:solidFill>
-              <a:latin typeface="Courier"/>
-              <a:cs typeface="Courier"/>
             </a:endParaRPr>
           </a:p>
           <a:p>
-            <a:pPr algn="l"/>
+            <a:pPr marL="342900" indent="-342900" algn="l">
+              <a:buClr>
+                <a:srgbClr val="0070C0"/>
+              </a:buClr>
+              <a:buSzPct val="80000"/>
+              <a:buFont typeface="Wingdings" pitchFamily="2" charset="2"/>
+              <a:buChar char="u"/>
+            </a:pPr>
             <a:r>
               <a:rPr lang="en-US" sz="1600" dirty="0">
                 <a:solidFill>
                   <a:schemeClr val="tx1"/>
                 </a:solidFill>
-                <a:latin typeface="Courier"/>
-                <a:cs typeface="Courier"/>
               </a:rPr>
               <a:t>from </a:t>
             </a:r>
@@ -6003,101 +8217,86 @@
                 <a:solidFill>
                   <a:schemeClr val="tx1"/>
                 </a:solidFill>
-                <a:latin typeface="Courier"/>
-                <a:cs typeface="Courier"/>
-              </a:rPr>
-              <a:t>tflearn.layers.conv</a:t>
+              </a:rPr>
+              <a:t>tflearn.layers.core</a:t>
             </a:r>
             <a:r>
               <a:rPr lang="en-US" sz="1600" dirty="0">
                 <a:solidFill>
                   <a:schemeClr val="tx1"/>
                 </a:solidFill>
-                <a:latin typeface="Courier"/>
-                <a:cs typeface="Courier"/>
-              </a:rPr>
-              <a:t> import conv_2d, max_pool_2d</a:t>
-            </a:r>
-          </a:p>
-          <a:p>
-            <a:pPr algn="l"/>
+              </a:rPr>
+              <a:t> </a:t>
+            </a:r>
+          </a:p>
+          <a:p>
+            <a:pPr marL="342900" indent="-342900" algn="l">
+              <a:buClr>
+                <a:srgbClr val="0070C0"/>
+              </a:buClr>
+              <a:buSzPct val="80000"/>
+              <a:buFont typeface="Wingdings" pitchFamily="2" charset="2"/>
+              <a:buChar char="u"/>
+            </a:pPr>
+            <a:r>
+              <a:rPr lang="en-US" sz="1600" dirty="0" err="1">
+                <a:solidFill>
+                  <a:srgbClr val="0070C0"/>
+                </a:solidFill>
+              </a:rPr>
+              <a:t>input_data</a:t>
+            </a:r>
             <a:r>
               <a:rPr lang="en-US" sz="1600" dirty="0">
                 <a:solidFill>
-                  <a:schemeClr val="tx1"/>
-                </a:solidFill>
-                <a:latin typeface="Courier"/>
-                <a:cs typeface="Courier"/>
-              </a:rPr>
-              <a:t>from </a:t>
+                  <a:srgbClr val="0070C0"/>
+                </a:solidFill>
+              </a:rPr>
+              <a:t>, dropout, </a:t>
             </a:r>
             <a:r>
               <a:rPr lang="en-US" sz="1600" dirty="0" err="1">
                 <a:solidFill>
-                  <a:schemeClr val="tx1"/>
-                </a:solidFill>
-                <a:latin typeface="Courier"/>
-                <a:cs typeface="Courier"/>
-              </a:rPr>
-              <a:t>tflearn.layers.core</a:t>
-            </a:r>
-            <a:r>
-              <a:rPr lang="en-US" sz="1600" dirty="0">
-                <a:solidFill>
-                  <a:schemeClr val="tx1"/>
-                </a:solidFill>
-                <a:latin typeface="Courier"/>
-                <a:cs typeface="Courier"/>
-              </a:rPr>
-              <a:t> import </a:t>
-            </a:r>
-            <a:r>
-              <a:rPr lang="en-US" sz="1600" dirty="0" err="1">
-                <a:solidFill>
-                  <a:schemeClr val="tx1"/>
-                </a:solidFill>
-                <a:latin typeface="Courier"/>
-                <a:cs typeface="Courier"/>
-              </a:rPr>
-              <a:t>input_data</a:t>
-            </a:r>
-            <a:r>
-              <a:rPr lang="en-US" sz="1600" dirty="0">
-                <a:solidFill>
-                  <a:schemeClr val="tx1"/>
-                </a:solidFill>
-                <a:latin typeface="Courier"/>
-                <a:cs typeface="Courier"/>
-              </a:rPr>
-              <a:t>, dropout, </a:t>
-            </a:r>
-            <a:r>
-              <a:rPr lang="en-US" sz="1600" dirty="0" err="1">
-                <a:solidFill>
-                  <a:schemeClr val="tx1"/>
-                </a:solidFill>
-                <a:latin typeface="Courier"/>
-                <a:cs typeface="Courier"/>
+                  <a:srgbClr val="0070C0"/>
+                </a:solidFill>
               </a:rPr>
               <a:t>fully_connected</a:t>
             </a:r>
+            <a:endParaRPr lang="en-US" sz="1600" dirty="0">
+              <a:solidFill>
+                <a:srgbClr val="0070C0"/>
+              </a:solidFill>
+            </a:endParaRPr>
+          </a:p>
+          <a:p>
+            <a:pPr marL="342900" indent="-342900" algn="l">
+              <a:buClr>
+                <a:srgbClr val="0070C0"/>
+              </a:buClr>
+              <a:buSzPct val="80000"/>
+              <a:buFont typeface="Wingdings" pitchFamily="2" charset="2"/>
+              <a:buChar char="u"/>
+            </a:pPr>
             <a:endParaRPr lang="en-US" sz="1600" dirty="0">
               <a:solidFill>
                 <a:schemeClr val="tx1"/>
               </a:solidFill>
-              <a:latin typeface="Courier"/>
-              <a:cs typeface="Courier"/>
             </a:endParaRPr>
           </a:p>
           <a:p>
-            <a:pPr algn="l"/>
+            <a:pPr marL="342900" indent="-342900" algn="l">
+              <a:buClr>
+                <a:srgbClr val="0070C0"/>
+              </a:buClr>
+              <a:buSzPct val="80000"/>
+              <a:buFont typeface="Wingdings" pitchFamily="2" charset="2"/>
+              <a:buChar char="u"/>
+            </a:pPr>
             <a:r>
               <a:rPr lang="en-US" sz="1600" dirty="0">
                 <a:solidFill>
                   <a:schemeClr val="tx1"/>
                 </a:solidFill>
-                <a:latin typeface="Courier"/>
-                <a:cs typeface="Courier"/>
               </a:rPr>
               <a:t>from </a:t>
             </a:r>
@@ -6106,8 +8305,6 @@
                 <a:solidFill>
                   <a:schemeClr val="tx1"/>
                 </a:solidFill>
-                <a:latin typeface="Courier"/>
-                <a:cs typeface="Courier"/>
               </a:rPr>
               <a:t>tflearn.layers.estimator</a:t>
             </a:r>
@@ -6116,229 +8313,67 @@
                 <a:solidFill>
                   <a:schemeClr val="tx1"/>
                 </a:solidFill>
-                <a:latin typeface="Courier"/>
-                <a:cs typeface="Courier"/>
-              </a:rPr>
-              <a:t> import regression</a:t>
-            </a:r>
-          </a:p>
-          <a:p>
-            <a:pPr algn="l"/>
+              </a:rPr>
+              <a:t>: </a:t>
+            </a:r>
+          </a:p>
+          <a:p>
+            <a:pPr marL="342900" indent="-342900" algn="l">
+              <a:buClr>
+                <a:srgbClr val="0070C0"/>
+              </a:buClr>
+              <a:buSzPct val="80000"/>
+              <a:buFont typeface="Wingdings" pitchFamily="2" charset="2"/>
+              <a:buChar char="u"/>
+            </a:pPr>
             <a:r>
               <a:rPr lang="en-US" sz="1600" dirty="0">
                 <a:solidFill>
-                  <a:schemeClr val="tx1"/>
-                </a:solidFill>
-                <a:latin typeface="Courier"/>
-                <a:cs typeface="Courier"/>
-              </a:rPr>
-              <a:t>import </a:t>
-            </a:r>
-            <a:r>
-              <a:rPr lang="en-US" sz="1600" dirty="0" err="1">
-                <a:solidFill>
-                  <a:schemeClr val="tx1"/>
-                </a:solidFill>
-                <a:latin typeface="Courier"/>
-                <a:cs typeface="Courier"/>
-              </a:rPr>
-              <a:t>tflearn.datasets.mnist</a:t>
-            </a:r>
-            <a:r>
-              <a:rPr lang="en-US" sz="1600" dirty="0">
-                <a:solidFill>
-                  <a:schemeClr val="tx1"/>
-                </a:solidFill>
-                <a:latin typeface="Courier"/>
-                <a:cs typeface="Courier"/>
-              </a:rPr>
-              <a:t> as </a:t>
-            </a:r>
-            <a:r>
-              <a:rPr lang="en-US" sz="1600" dirty="0" err="1">
-                <a:solidFill>
-                  <a:schemeClr val="tx1"/>
-                </a:solidFill>
-                <a:latin typeface="Courier"/>
-                <a:cs typeface="Courier"/>
-              </a:rPr>
-              <a:t>mnist</a:t>
-            </a:r>
+                  <a:srgbClr val="0070C0"/>
+                </a:solidFill>
+              </a:rPr>
+              <a:t>Regression</a:t>
+            </a:r>
+          </a:p>
+          <a:p>
+            <a:pPr marL="342900" indent="-342900" algn="l">
+              <a:buClr>
+                <a:srgbClr val="0070C0"/>
+              </a:buClr>
+              <a:buSzPct val="80000"/>
+              <a:buFont typeface="Wingdings" pitchFamily="2" charset="2"/>
+              <a:buChar char="u"/>
+            </a:pPr>
             <a:endParaRPr lang="en-US" sz="1600" dirty="0">
               <a:solidFill>
                 <a:schemeClr val="tx1"/>
               </a:solidFill>
-              <a:latin typeface="Courier"/>
-              <a:cs typeface="Courier"/>
             </a:endParaRPr>
           </a:p>
           <a:p>
-            <a:pPr algn="l"/>
-            <a:endParaRPr lang="en-US" sz="1600" dirty="0">
-              <a:solidFill>
-                <a:schemeClr val="tx1"/>
-              </a:solidFill>
-              <a:latin typeface="Courier"/>
-              <a:cs typeface="Courier"/>
-            </a:endParaRPr>
-          </a:p>
-          <a:p>
-            <a:pPr algn="l"/>
+            <a:pPr marL="342900" indent="-342900" algn="l">
+              <a:buClr>
+                <a:srgbClr val="0070C0"/>
+              </a:buClr>
+              <a:buSzPct val="80000"/>
+              <a:buFont typeface="Wingdings" pitchFamily="2" charset="2"/>
+              <a:buChar char="u"/>
+            </a:pPr>
+            <a:r>
+              <a:rPr lang="en-US" sz="1600" dirty="0" err="1">
+                <a:solidFill>
+                  <a:srgbClr val="0070C0"/>
+                </a:solidFill>
+              </a:rPr>
+              <a:t>tflearn.datasets.mnist</a:t>
+            </a:r>
             <a:r>
               <a:rPr lang="en-US" sz="1600" dirty="0">
                 <a:solidFill>
-                  <a:schemeClr val="tx1"/>
-                </a:solidFill>
-                <a:latin typeface="Courier"/>
-                <a:cs typeface="Courier"/>
-              </a:rPr>
-              <a:t>X, Y, </a:t>
-            </a:r>
-            <a:r>
-              <a:rPr lang="en-US" sz="1600" dirty="0" err="1">
-                <a:solidFill>
-                  <a:schemeClr val="tx1"/>
-                </a:solidFill>
-                <a:latin typeface="Courier"/>
-                <a:cs typeface="Courier"/>
-              </a:rPr>
-              <a:t>test_x</a:t>
-            </a:r>
-            <a:r>
-              <a:rPr lang="en-US" sz="1600" dirty="0">
-                <a:solidFill>
-                  <a:schemeClr val="tx1"/>
-                </a:solidFill>
-                <a:latin typeface="Courier"/>
-                <a:cs typeface="Courier"/>
-              </a:rPr>
-              <a:t>, </a:t>
-            </a:r>
-            <a:r>
-              <a:rPr lang="en-US" sz="1600" dirty="0" err="1">
-                <a:solidFill>
-                  <a:schemeClr val="tx1"/>
-                </a:solidFill>
-                <a:latin typeface="Courier"/>
-                <a:cs typeface="Courier"/>
-              </a:rPr>
-              <a:t>test_y</a:t>
-            </a:r>
-            <a:r>
-              <a:rPr lang="en-US" sz="1600" dirty="0">
-                <a:solidFill>
-                  <a:schemeClr val="tx1"/>
-                </a:solidFill>
-                <a:latin typeface="Courier"/>
-                <a:cs typeface="Courier"/>
-              </a:rPr>
-              <a:t> = </a:t>
-            </a:r>
-            <a:r>
-              <a:rPr lang="en-US" sz="1600" dirty="0" err="1">
-                <a:solidFill>
-                  <a:schemeClr val="tx1"/>
-                </a:solidFill>
-                <a:latin typeface="Courier"/>
-                <a:cs typeface="Courier"/>
-              </a:rPr>
-              <a:t>mnist.load_data</a:t>
-            </a:r>
-            <a:r>
-              <a:rPr lang="en-US" sz="1600" dirty="0">
-                <a:solidFill>
-                  <a:schemeClr val="tx1"/>
-                </a:solidFill>
-                <a:latin typeface="Courier"/>
-                <a:cs typeface="Courier"/>
-              </a:rPr>
-              <a:t>(</a:t>
-            </a:r>
-            <a:r>
-              <a:rPr lang="en-US" sz="1600" dirty="0" err="1">
-                <a:solidFill>
-                  <a:schemeClr val="tx1"/>
-                </a:solidFill>
-                <a:latin typeface="Courier"/>
-                <a:cs typeface="Courier"/>
-              </a:rPr>
-              <a:t>one_hot</a:t>
-            </a:r>
-            <a:r>
-              <a:rPr lang="en-US" sz="1600" dirty="0">
-                <a:solidFill>
-                  <a:schemeClr val="tx1"/>
-                </a:solidFill>
-                <a:latin typeface="Courier"/>
-                <a:cs typeface="Courier"/>
-              </a:rPr>
-              <a:t>=True)</a:t>
-            </a:r>
-          </a:p>
-          <a:p>
-            <a:pPr algn="l"/>
-            <a:endParaRPr lang="en-US" sz="1600" dirty="0">
-              <a:solidFill>
-                <a:schemeClr val="tx1"/>
-              </a:solidFill>
-              <a:latin typeface="Courier"/>
-              <a:cs typeface="Courier"/>
-            </a:endParaRPr>
-          </a:p>
-          <a:p>
-            <a:pPr algn="l"/>
-            <a:r>
-              <a:rPr lang="mr-IN" sz="1600" dirty="0">
-                <a:solidFill>
-                  <a:schemeClr val="tx1"/>
-                </a:solidFill>
-                <a:latin typeface="Courier"/>
-                <a:cs typeface="Courier"/>
-              </a:rPr>
-              <a:t>X = X.reshape([-1, 28, 28, 1]) </a:t>
-            </a:r>
-          </a:p>
-          <a:p>
-            <a:pPr algn="l"/>
-            <a:r>
-              <a:rPr lang="en-US" sz="1600" dirty="0" err="1">
-                <a:solidFill>
-                  <a:schemeClr val="tx1"/>
-                </a:solidFill>
-                <a:latin typeface="Courier"/>
-                <a:cs typeface="Courier"/>
-              </a:rPr>
-              <a:t>test_x</a:t>
-            </a:r>
-            <a:r>
-              <a:rPr lang="en-US" sz="1600" dirty="0">
-                <a:solidFill>
-                  <a:schemeClr val="tx1"/>
-                </a:solidFill>
-                <a:latin typeface="Courier"/>
-                <a:cs typeface="Courier"/>
-              </a:rPr>
-              <a:t> = </a:t>
-            </a:r>
-            <a:r>
-              <a:rPr lang="en-US" sz="1600" dirty="0" err="1">
-                <a:solidFill>
-                  <a:schemeClr val="tx1"/>
-                </a:solidFill>
-                <a:latin typeface="Courier"/>
-                <a:cs typeface="Courier"/>
-              </a:rPr>
-              <a:t>test_x.reshape</a:t>
-            </a:r>
-            <a:r>
-              <a:rPr lang="en-US" sz="1600" dirty="0">
-                <a:solidFill>
-                  <a:schemeClr val="tx1"/>
-                </a:solidFill>
-                <a:latin typeface="Courier"/>
-                <a:cs typeface="Courier"/>
-              </a:rPr>
-              <a:t>([-1, 28, 28, 1]) </a:t>
+                  <a:srgbClr val="0070C0"/>
+                </a:solidFill>
+              </a:rPr>
+              <a:t> </a:t>
             </a:r>
           </a:p>
         </p:txBody>
@@ -6440,7 +8475,7 @@
             <a:fld id="{A4F910E6-8D00-4BAF-8C48-9688E0B449D3}" type="datetime1">
               <a:rPr lang="zh-TW" altLang="en-US" smtClean="0"/>
               <a:pPr/>
-              <a:t>2019/3/7</a:t>
+              <a:t>2019/4/5</a:t>
             </a:fld>
             <a:endParaRPr lang="zh-TW" altLang="en-US"/>
           </a:p>
@@ -6464,7 +8499,7 @@
             <a:fld id="{E4D7E63D-91F2-4366-A2C4-1B00C9E2590E}" type="slidenum">
               <a:rPr lang="zh-TW" altLang="en-US" smtClean="0"/>
               <a:pPr/>
-              <a:t>4</a:t>
+              <a:t>3</a:t>
             </a:fld>
             <a:endParaRPr lang="zh-TW" altLang="en-US"/>
           </a:p>
@@ -6473,7 +8508,7 @@
     </p:spTree>
     <p:extLst>
       <p:ext uri="{BB962C8B-B14F-4D97-AF65-F5344CB8AC3E}">
-        <p14:creationId xmlns:p14="http://schemas.microsoft.com/office/powerpoint/2010/main" val="2759622767"/>
+        <p14:creationId xmlns:p14="http://schemas.microsoft.com/office/powerpoint/2010/main" val="2615074750"/>
       </p:ext>
     </p:extLst>
   </p:cSld>
@@ -6483,7 +8518,7 @@
 </p:sld>
 </file>
 
-<file path=ppt/slides/slide5.xml><?xml version="1.0" encoding="utf-8"?>
+<file path=ppt/slides/slide4.xml><?xml version="1.0" encoding="utf-8"?>
 <p:sld xmlns:a="http://schemas.openxmlformats.org/drawingml/2006/main" xmlns:r="http://schemas.openxmlformats.org/officeDocument/2006/relationships" xmlns:p="http://schemas.openxmlformats.org/presentationml/2006/main">
   <p:cSld>
     <p:spTree>
@@ -6578,7 +8613,7 @@
         <p:spPr>
           <a:xfrm>
             <a:off x="467544" y="1268760"/>
-            <a:ext cx="7704856" cy="3600400"/>
+            <a:ext cx="8496944" cy="2880320"/>
           </a:xfrm>
           <a:ln>
             <a:solidFill>
@@ -6601,7 +8636,7 @@
               <a:buChar char="u"/>
             </a:pPr>
             <a:r>
-              <a:rPr lang="en-US" sz="1600" b="1" dirty="0" err="1">
+              <a:rPr lang="en-US" sz="1400" b="1" dirty="0" err="1">
                 <a:solidFill>
                   <a:schemeClr val="tx1"/>
                 </a:solidFill>
@@ -6609,7 +8644,7 @@
               <a:t>TFLearn</a:t>
             </a:r>
             <a:r>
-              <a:rPr lang="en-US" sz="1600" b="1" dirty="0">
+              <a:rPr lang="en-US" sz="1400" b="1" dirty="0">
                 <a:solidFill>
                   <a:schemeClr val="tx1"/>
                 </a:solidFill>
@@ -6620,187 +8655,386 @@
           <a:p>
             <a:pPr algn="l"/>
             <a:r>
-              <a:rPr lang="en-US" sz="1600" dirty="0">
-                <a:solidFill>
-                  <a:schemeClr val="tx1"/>
-                </a:solidFill>
-              </a:rPr>
-              <a:t>convnet = </a:t>
-            </a:r>
-            <a:r>
-              <a:rPr lang="en-US" sz="1600" dirty="0" err="1">
-                <a:solidFill>
-                  <a:schemeClr val="tx1"/>
-                </a:solidFill>
-              </a:rPr>
-              <a:t>input_data</a:t>
-            </a:r>
-            <a:r>
-              <a:rPr lang="en-US" sz="1600" dirty="0">
-                <a:solidFill>
-                  <a:schemeClr val="tx1"/>
-                </a:solidFill>
-              </a:rPr>
-              <a:t>(shape=[None, 28, 28, 1], name='input’)</a:t>
-            </a:r>
-          </a:p>
-          <a:p>
-            <a:pPr algn="l"/>
-            <a:endParaRPr lang="en-US" sz="1600" dirty="0">
+              <a:rPr lang="en-US" sz="1400" dirty="0">
+                <a:solidFill>
+                  <a:schemeClr val="tx1"/>
+                </a:solidFill>
+                <a:latin typeface="Courier"/>
+                <a:cs typeface="Courier"/>
+              </a:rPr>
+              <a:t>import </a:t>
+            </a:r>
+            <a:r>
+              <a:rPr lang="en-US" sz="1400" dirty="0" err="1">
+                <a:solidFill>
+                  <a:schemeClr val="tx1"/>
+                </a:solidFill>
+                <a:latin typeface="Courier"/>
+                <a:cs typeface="Courier"/>
+              </a:rPr>
+              <a:t>tflearn</a:t>
+            </a:r>
+            <a:endParaRPr lang="en-US" sz="1400" dirty="0">
               <a:solidFill>
                 <a:schemeClr val="tx1"/>
               </a:solidFill>
+              <a:latin typeface="Courier"/>
+              <a:cs typeface="Courier"/>
             </a:endParaRPr>
           </a:p>
           <a:p>
             <a:pPr algn="l"/>
             <a:r>
-              <a:rPr lang="en-US" sz="1600" dirty="0">
-                <a:solidFill>
-                  <a:schemeClr val="tx1"/>
-                </a:solidFill>
-              </a:rPr>
-              <a:t>convnet = conv_2d(convnet, 32, 2, activation='</a:t>
-            </a:r>
-            <a:r>
-              <a:rPr lang="en-US" sz="1600" dirty="0" err="1">
-                <a:solidFill>
-                  <a:schemeClr val="tx1"/>
-                </a:solidFill>
-              </a:rPr>
-              <a:t>relu</a:t>
-            </a:r>
-            <a:r>
-              <a:rPr lang="en-US" sz="1600" dirty="0">
-                <a:solidFill>
-                  <a:schemeClr val="tx1"/>
-                </a:solidFill>
-              </a:rPr>
-              <a:t>')</a:t>
+              <a:rPr lang="en-US" sz="1400" dirty="0">
+                <a:solidFill>
+                  <a:schemeClr val="tx1"/>
+                </a:solidFill>
+                <a:latin typeface="Courier"/>
+                <a:cs typeface="Courier"/>
+              </a:rPr>
+              <a:t>from </a:t>
+            </a:r>
+            <a:r>
+              <a:rPr lang="en-US" sz="1400" dirty="0" err="1">
+                <a:solidFill>
+                  <a:schemeClr val="tx1"/>
+                </a:solidFill>
+                <a:latin typeface="Courier"/>
+                <a:cs typeface="Courier"/>
+              </a:rPr>
+              <a:t>tflearn.layers.conv</a:t>
+            </a:r>
+            <a:r>
+              <a:rPr lang="en-US" sz="1400" dirty="0">
+                <a:solidFill>
+                  <a:schemeClr val="tx1"/>
+                </a:solidFill>
+                <a:latin typeface="Courier"/>
+                <a:cs typeface="Courier"/>
+              </a:rPr>
+              <a:t> import conv_2d, max_pool_2d</a:t>
             </a:r>
           </a:p>
           <a:p>
             <a:pPr algn="l"/>
-            <a:endParaRPr lang="en-US" sz="1600" dirty="0">
+            <a:r>
+              <a:rPr lang="en-US" sz="1400" dirty="0">
+                <a:solidFill>
+                  <a:schemeClr val="tx1"/>
+                </a:solidFill>
+                <a:latin typeface="Courier"/>
+                <a:cs typeface="Courier"/>
+              </a:rPr>
+              <a:t>from </a:t>
+            </a:r>
+            <a:r>
+              <a:rPr lang="en-US" sz="1400" dirty="0" err="1">
+                <a:solidFill>
+                  <a:schemeClr val="tx1"/>
+                </a:solidFill>
+                <a:latin typeface="Courier"/>
+                <a:cs typeface="Courier"/>
+              </a:rPr>
+              <a:t>tflearn.layers.core</a:t>
+            </a:r>
+            <a:r>
+              <a:rPr lang="en-US" sz="1400" dirty="0">
+                <a:solidFill>
+                  <a:schemeClr val="tx1"/>
+                </a:solidFill>
+                <a:latin typeface="Courier"/>
+                <a:cs typeface="Courier"/>
+              </a:rPr>
+              <a:t> import </a:t>
+            </a:r>
+            <a:r>
+              <a:rPr lang="en-US" sz="1400" dirty="0" err="1">
+                <a:solidFill>
+                  <a:schemeClr val="tx1"/>
+                </a:solidFill>
+                <a:latin typeface="Courier"/>
+                <a:cs typeface="Courier"/>
+              </a:rPr>
+              <a:t>input_data</a:t>
+            </a:r>
+            <a:r>
+              <a:rPr lang="en-US" sz="1400" dirty="0">
+                <a:solidFill>
+                  <a:schemeClr val="tx1"/>
+                </a:solidFill>
+                <a:latin typeface="Courier"/>
+                <a:cs typeface="Courier"/>
+              </a:rPr>
+              <a:t>, dropout, </a:t>
+            </a:r>
+            <a:r>
+              <a:rPr lang="en-US" sz="1400" dirty="0" err="1">
+                <a:solidFill>
+                  <a:schemeClr val="tx1"/>
+                </a:solidFill>
+                <a:latin typeface="Courier"/>
+                <a:cs typeface="Courier"/>
+              </a:rPr>
+              <a:t>fully_connected</a:t>
+            </a:r>
+            <a:endParaRPr lang="en-US" sz="1400" dirty="0">
               <a:solidFill>
                 <a:schemeClr val="tx1"/>
               </a:solidFill>
+              <a:latin typeface="Courier"/>
+              <a:cs typeface="Courier"/>
             </a:endParaRPr>
           </a:p>
           <a:p>
             <a:pPr algn="l"/>
             <a:r>
-              <a:rPr lang="en-US" sz="1600" dirty="0">
-                <a:solidFill>
-                  <a:schemeClr val="tx1"/>
-                </a:solidFill>
-              </a:rPr>
-              <a:t>convnet = max_pool_2d(convnet, 2)</a:t>
+              <a:rPr lang="en-US" sz="1400" dirty="0">
+                <a:solidFill>
+                  <a:schemeClr val="tx1"/>
+                </a:solidFill>
+                <a:latin typeface="Courier"/>
+                <a:cs typeface="Courier"/>
+              </a:rPr>
+              <a:t>from </a:t>
+            </a:r>
+            <a:r>
+              <a:rPr lang="en-US" sz="1400" dirty="0" err="1">
+                <a:solidFill>
+                  <a:schemeClr val="tx1"/>
+                </a:solidFill>
+                <a:latin typeface="Courier"/>
+                <a:cs typeface="Courier"/>
+              </a:rPr>
+              <a:t>tflearn.layers.estimator</a:t>
+            </a:r>
+            <a:r>
+              <a:rPr lang="en-US" sz="1400" dirty="0">
+                <a:solidFill>
+                  <a:schemeClr val="tx1"/>
+                </a:solidFill>
+                <a:latin typeface="Courier"/>
+                <a:cs typeface="Courier"/>
+              </a:rPr>
+              <a:t> import regression</a:t>
             </a:r>
           </a:p>
           <a:p>
             <a:pPr algn="l"/>
-            <a:endParaRPr lang="en-US" sz="1600" dirty="0">
+            <a:r>
+              <a:rPr lang="en-US" sz="1400" dirty="0">
+                <a:solidFill>
+                  <a:schemeClr val="tx1"/>
+                </a:solidFill>
+                <a:latin typeface="Courier"/>
+                <a:cs typeface="Courier"/>
+              </a:rPr>
+              <a:t>import </a:t>
+            </a:r>
+            <a:r>
+              <a:rPr lang="en-US" sz="1400" dirty="0" err="1">
+                <a:solidFill>
+                  <a:schemeClr val="tx1"/>
+                </a:solidFill>
+                <a:latin typeface="Courier"/>
+                <a:cs typeface="Courier"/>
+              </a:rPr>
+              <a:t>tflearn.datasets.mnist</a:t>
+            </a:r>
+            <a:r>
+              <a:rPr lang="en-US" sz="1400" dirty="0">
+                <a:solidFill>
+                  <a:schemeClr val="tx1"/>
+                </a:solidFill>
+                <a:latin typeface="Courier"/>
+                <a:cs typeface="Courier"/>
+              </a:rPr>
+              <a:t> as </a:t>
+            </a:r>
+            <a:r>
+              <a:rPr lang="en-US" sz="1400" dirty="0" err="1">
+                <a:solidFill>
+                  <a:schemeClr val="tx1"/>
+                </a:solidFill>
+                <a:latin typeface="Courier"/>
+                <a:cs typeface="Courier"/>
+              </a:rPr>
+              <a:t>mnist</a:t>
+            </a:r>
+            <a:endParaRPr lang="en-US" sz="1400" dirty="0">
               <a:solidFill>
                 <a:schemeClr val="tx1"/>
               </a:solidFill>
+              <a:latin typeface="Courier"/>
+              <a:cs typeface="Courier"/>
             </a:endParaRPr>
           </a:p>
           <a:p>
             <a:pPr algn="l"/>
-            <a:r>
-              <a:rPr lang="en-US" sz="1600" dirty="0">
-                <a:solidFill>
-                  <a:schemeClr val="tx1"/>
-                </a:solidFill>
-              </a:rPr>
-              <a:t>convnet = conv_2d(convnet, 64, 2, activation='</a:t>
-            </a:r>
-            <a:r>
-              <a:rPr lang="en-US" sz="1600" dirty="0" err="1">
-                <a:solidFill>
-                  <a:schemeClr val="tx1"/>
-                </a:solidFill>
-              </a:rPr>
-              <a:t>relu</a:t>
-            </a:r>
-            <a:r>
-              <a:rPr lang="en-US" sz="1600" dirty="0">
-                <a:solidFill>
-                  <a:schemeClr val="tx1"/>
-                </a:solidFill>
-              </a:rPr>
-              <a:t>')</a:t>
-            </a:r>
-          </a:p>
-          <a:p>
-            <a:pPr algn="l"/>
-            <a:endParaRPr lang="en-US" sz="1600" dirty="0">
+            <a:endParaRPr lang="en-US" sz="1400" dirty="0">
               <a:solidFill>
                 <a:schemeClr val="tx1"/>
               </a:solidFill>
+              <a:latin typeface="Courier"/>
+              <a:cs typeface="Courier"/>
             </a:endParaRPr>
           </a:p>
           <a:p>
             <a:pPr algn="l"/>
             <a:r>
-              <a:rPr lang="en-US" sz="1600" dirty="0">
-                <a:solidFill>
-                  <a:schemeClr val="tx1"/>
-                </a:solidFill>
-              </a:rPr>
-              <a:t>convnet = max_pool_2d(convnet, 2)</a:t>
+              <a:rPr lang="en-US" sz="1400" dirty="0">
+                <a:solidFill>
+                  <a:schemeClr val="tx1"/>
+                </a:solidFill>
+                <a:latin typeface="Courier"/>
+                <a:cs typeface="Courier"/>
+              </a:rPr>
+              <a:t>X, Y, </a:t>
+            </a:r>
+            <a:r>
+              <a:rPr lang="en-US" sz="1400" dirty="0" err="1">
+                <a:solidFill>
+                  <a:schemeClr val="tx1"/>
+                </a:solidFill>
+                <a:latin typeface="Courier"/>
+                <a:cs typeface="Courier"/>
+              </a:rPr>
+              <a:t>test_x</a:t>
+            </a:r>
+            <a:r>
+              <a:rPr lang="en-US" sz="1400" dirty="0">
+                <a:solidFill>
+                  <a:schemeClr val="tx1"/>
+                </a:solidFill>
+                <a:latin typeface="Courier"/>
+                <a:cs typeface="Courier"/>
+              </a:rPr>
+              <a:t>, </a:t>
+            </a:r>
+            <a:r>
+              <a:rPr lang="en-US" sz="1400" dirty="0" err="1">
+                <a:solidFill>
+                  <a:schemeClr val="tx1"/>
+                </a:solidFill>
+                <a:latin typeface="Courier"/>
+                <a:cs typeface="Courier"/>
+              </a:rPr>
+              <a:t>test_y</a:t>
+            </a:r>
+            <a:r>
+              <a:rPr lang="en-US" sz="1400" dirty="0">
+                <a:solidFill>
+                  <a:schemeClr val="tx1"/>
+                </a:solidFill>
+                <a:latin typeface="Courier"/>
+                <a:cs typeface="Courier"/>
+              </a:rPr>
+              <a:t> = </a:t>
+            </a:r>
+            <a:r>
+              <a:rPr lang="en-US" sz="1400" dirty="0" err="1">
+                <a:solidFill>
+                  <a:schemeClr val="tx1"/>
+                </a:solidFill>
+                <a:latin typeface="Courier"/>
+                <a:cs typeface="Courier"/>
+              </a:rPr>
+              <a:t>mnist.load_data</a:t>
+            </a:r>
+            <a:r>
+              <a:rPr lang="en-US" sz="1400" dirty="0">
+                <a:solidFill>
+                  <a:schemeClr val="tx1"/>
+                </a:solidFill>
+                <a:latin typeface="Courier"/>
+                <a:cs typeface="Courier"/>
+              </a:rPr>
+              <a:t>(</a:t>
+            </a:r>
+            <a:r>
+              <a:rPr lang="en-US" sz="1400" dirty="0" err="1">
+                <a:solidFill>
+                  <a:schemeClr val="tx1"/>
+                </a:solidFill>
+                <a:latin typeface="Courier"/>
+                <a:cs typeface="Courier"/>
+              </a:rPr>
+              <a:t>one_hot</a:t>
+            </a:r>
+            <a:r>
+              <a:rPr lang="en-US" sz="1400" dirty="0">
+                <a:solidFill>
+                  <a:schemeClr val="tx1"/>
+                </a:solidFill>
+                <a:latin typeface="Courier"/>
+                <a:cs typeface="Courier"/>
+              </a:rPr>
+              <a:t>=True)</a:t>
             </a:r>
           </a:p>
           <a:p>
             <a:pPr algn="l"/>
-            <a:endParaRPr lang="en-US" sz="1600" dirty="0">
+            <a:endParaRPr lang="en-US" sz="1400" dirty="0">
               <a:solidFill>
                 <a:schemeClr val="tx1"/>
               </a:solidFill>
+              <a:latin typeface="Courier"/>
+              <a:cs typeface="Courier"/>
             </a:endParaRPr>
           </a:p>
           <a:p>
             <a:pPr algn="l"/>
             <a:r>
-              <a:rPr lang="en-US" sz="1600" dirty="0">
-                <a:solidFill>
-                  <a:schemeClr val="tx1"/>
-                </a:solidFill>
-              </a:rPr>
-              <a:t>convnet = </a:t>
-            </a:r>
-            <a:r>
-              <a:rPr lang="en-US" sz="1600" dirty="0" err="1">
-                <a:solidFill>
-                  <a:schemeClr val="tx1"/>
-                </a:solidFill>
-              </a:rPr>
-              <a:t>fully_connected</a:t>
-            </a:r>
-            <a:r>
-              <a:rPr lang="en-US" sz="1600" dirty="0">
-                <a:solidFill>
-                  <a:schemeClr val="tx1"/>
-                </a:solidFill>
-              </a:rPr>
-              <a:t>(convnet, 1024, activation='</a:t>
-            </a:r>
-            <a:r>
-              <a:rPr lang="en-US" sz="1600" dirty="0" err="1">
-                <a:solidFill>
-                  <a:schemeClr val="tx1"/>
-                </a:solidFill>
-              </a:rPr>
-              <a:t>relu</a:t>
-            </a:r>
-            <a:r>
-              <a:rPr lang="en-US" sz="1600" dirty="0">
-                <a:solidFill>
-                  <a:schemeClr val="tx1"/>
-                </a:solidFill>
-              </a:rPr>
-              <a:t>’)</a:t>
+              <a:rPr lang="mr-IN" sz="1400" dirty="0">
+                <a:solidFill>
+                  <a:schemeClr val="tx1"/>
+                </a:solidFill>
+                <a:latin typeface="Courier"/>
+                <a:cs typeface="Courier"/>
+              </a:rPr>
+              <a:t>X = X.reshape([-1, 28, 28, 1]) </a:t>
+            </a:r>
+          </a:p>
+          <a:p>
+            <a:pPr algn="l"/>
+            <a:r>
+              <a:rPr lang="en-US" sz="1400" dirty="0" err="1">
+                <a:solidFill>
+                  <a:schemeClr val="tx1"/>
+                </a:solidFill>
+                <a:latin typeface="Courier"/>
+                <a:cs typeface="Courier"/>
+              </a:rPr>
+              <a:t>test_x</a:t>
+            </a:r>
+            <a:r>
+              <a:rPr lang="en-US" sz="1400" dirty="0">
+                <a:solidFill>
+                  <a:schemeClr val="tx1"/>
+                </a:solidFill>
+                <a:latin typeface="Courier"/>
+                <a:cs typeface="Courier"/>
+              </a:rPr>
+              <a:t> = </a:t>
+            </a:r>
+            <a:r>
+              <a:rPr lang="en-US" sz="1400" dirty="0" err="1">
+                <a:solidFill>
+                  <a:schemeClr val="tx1"/>
+                </a:solidFill>
+                <a:latin typeface="Courier"/>
+                <a:cs typeface="Courier"/>
+              </a:rPr>
+              <a:t>test_x.reshape</a:t>
+            </a:r>
+            <a:r>
+              <a:rPr lang="en-US" sz="1400" dirty="0">
+                <a:solidFill>
+                  <a:schemeClr val="tx1"/>
+                </a:solidFill>
+                <a:latin typeface="Courier"/>
+                <a:cs typeface="Courier"/>
+              </a:rPr>
+              <a:t>([-1, 28, 28, 1]) </a:t>
             </a:r>
           </a:p>
         </p:txBody>
@@ -6902,7 +9136,7 @@
             <a:fld id="{A4F910E6-8D00-4BAF-8C48-9688E0B449D3}" type="datetime1">
               <a:rPr lang="zh-TW" altLang="en-US" smtClean="0"/>
               <a:pPr/>
-              <a:t>2019/3/7</a:t>
+              <a:t>2019/4/5</a:t>
             </a:fld>
             <a:endParaRPr lang="zh-TW" altLang="en-US"/>
           </a:p>
@@ -6926,7 +9160,7 @@
             <a:fld id="{E4D7E63D-91F2-4366-A2C4-1B00C9E2590E}" type="slidenum">
               <a:rPr lang="zh-TW" altLang="en-US" smtClean="0"/>
               <a:pPr/>
-              <a:t>5</a:t>
+              <a:t>4</a:t>
             </a:fld>
             <a:endParaRPr lang="zh-TW" altLang="en-US"/>
           </a:p>
@@ -6935,7 +9169,7 @@
     </p:spTree>
     <p:extLst>
       <p:ext uri="{BB962C8B-B14F-4D97-AF65-F5344CB8AC3E}">
-        <p14:creationId xmlns:p14="http://schemas.microsoft.com/office/powerpoint/2010/main" val="565830590"/>
+        <p14:creationId xmlns:p14="http://schemas.microsoft.com/office/powerpoint/2010/main" val="2759622767"/>
       </p:ext>
     </p:extLst>
   </p:cSld>
@@ -6945,7 +9179,7 @@
 </p:sld>
 </file>
 
-<file path=ppt/slides/slide6.xml><?xml version="1.0" encoding="utf-8"?>
+<file path=ppt/slides/slide5.xml><?xml version="1.0" encoding="utf-8"?>
 <p:sld xmlns:a="http://schemas.openxmlformats.org/drawingml/2006/main" xmlns:r="http://schemas.openxmlformats.org/officeDocument/2006/relationships" xmlns:p="http://schemas.openxmlformats.org/presentationml/2006/main">
   <p:cSld>
     <p:spTree>
@@ -7040,7 +9274,7 @@
         <p:spPr>
           <a:xfrm>
             <a:off x="467544" y="1268760"/>
-            <a:ext cx="7704856" cy="3600400"/>
+            <a:ext cx="7704856" cy="3168352"/>
           </a:xfrm>
           <a:ln>
             <a:solidFill>
@@ -7063,7 +9297,7 @@
               <a:buChar char="u"/>
             </a:pPr>
             <a:r>
-              <a:rPr lang="en-US" sz="1600" b="1" dirty="0" err="1">
+              <a:rPr lang="en-US" sz="1400" b="1" dirty="0" err="1">
                 <a:solidFill>
                   <a:schemeClr val="tx1"/>
                 </a:solidFill>
@@ -7071,7 +9305,7 @@
               <a:t>TFLearn</a:t>
             </a:r>
             <a:r>
-              <a:rPr lang="en-US" sz="1600" b="1" dirty="0">
+              <a:rPr lang="en-US" sz="1400" b="1" dirty="0">
                 <a:solidFill>
                   <a:schemeClr val="tx1"/>
                 </a:solidFill>
@@ -7082,379 +9316,187 @@
           <a:p>
             <a:pPr algn="l"/>
             <a:r>
-              <a:rPr lang="en-US" sz="1600" dirty="0">
-                <a:solidFill>
-                  <a:schemeClr val="tx1"/>
-                </a:solidFill>
-                <a:latin typeface="Courier"/>
-                <a:cs typeface="Courier"/>
-              </a:rPr>
-              <a:t>convnet = dropout(convnet, 0.8)</a:t>
+              <a:rPr lang="en-US" sz="1400" dirty="0">
+                <a:solidFill>
+                  <a:schemeClr val="tx1"/>
+                </a:solidFill>
+              </a:rPr>
+              <a:t>convnet = </a:t>
+            </a:r>
+            <a:r>
+              <a:rPr lang="en-US" sz="1400" dirty="0" err="1">
+                <a:solidFill>
+                  <a:schemeClr val="tx1"/>
+                </a:solidFill>
+              </a:rPr>
+              <a:t>input_data</a:t>
+            </a:r>
+            <a:r>
+              <a:rPr lang="en-US" sz="1400" dirty="0">
+                <a:solidFill>
+                  <a:schemeClr val="tx1"/>
+                </a:solidFill>
+              </a:rPr>
+              <a:t>(shape=[None, 28, 28, 1], name='input’)</a:t>
             </a:r>
           </a:p>
           <a:p>
             <a:pPr algn="l"/>
-            <a:r>
-              <a:rPr lang="en-US" sz="1600" dirty="0">
-                <a:solidFill>
-                  <a:schemeClr val="tx1"/>
-                </a:solidFill>
-                <a:latin typeface="Courier"/>
-                <a:cs typeface="Courier"/>
-              </a:rPr>
-              <a:t>convnet = </a:t>
-            </a:r>
-            <a:r>
-              <a:rPr lang="en-US" sz="1600" dirty="0" err="1">
-                <a:solidFill>
-                  <a:schemeClr val="tx1"/>
-                </a:solidFill>
-                <a:latin typeface="Courier"/>
-                <a:cs typeface="Courier"/>
-              </a:rPr>
-              <a:t>fully_connected</a:t>
-            </a:r>
-            <a:r>
-              <a:rPr lang="en-US" sz="1600" dirty="0">
-                <a:solidFill>
-                  <a:schemeClr val="tx1"/>
-                </a:solidFill>
-                <a:latin typeface="Courier"/>
-                <a:cs typeface="Courier"/>
-              </a:rPr>
-              <a:t>(convnet, 10, activation='</a:t>
-            </a:r>
-            <a:r>
-              <a:rPr lang="en-US" sz="1600" dirty="0" err="1">
-                <a:solidFill>
-                  <a:schemeClr val="tx1"/>
-                </a:solidFill>
-                <a:latin typeface="Courier"/>
-                <a:cs typeface="Courier"/>
-              </a:rPr>
-              <a:t>softmax</a:t>
-            </a:r>
-            <a:r>
-              <a:rPr lang="en-US" sz="1600" dirty="0">
-                <a:solidFill>
-                  <a:schemeClr val="tx1"/>
-                </a:solidFill>
-                <a:latin typeface="Courier"/>
-                <a:cs typeface="Courier"/>
-              </a:rPr>
-              <a:t>')</a:t>
-            </a:r>
-          </a:p>
-          <a:p>
-            <a:pPr algn="l"/>
-            <a:r>
-              <a:rPr lang="en-US" sz="1600" dirty="0">
-                <a:solidFill>
-                  <a:schemeClr val="tx1"/>
-                </a:solidFill>
-                <a:latin typeface="Courier"/>
-                <a:cs typeface="Courier"/>
-              </a:rPr>
-              <a:t>convnet = regression(convnet, optimizer='</a:t>
-            </a:r>
-            <a:r>
-              <a:rPr lang="en-US" sz="1600" dirty="0" err="1">
-                <a:solidFill>
-                  <a:schemeClr val="tx1"/>
-                </a:solidFill>
-                <a:latin typeface="Courier"/>
-                <a:cs typeface="Courier"/>
-              </a:rPr>
-              <a:t>adam</a:t>
-            </a:r>
-            <a:r>
-              <a:rPr lang="en-US" sz="1600" dirty="0">
-                <a:solidFill>
-                  <a:schemeClr val="tx1"/>
-                </a:solidFill>
-                <a:latin typeface="Courier"/>
-                <a:cs typeface="Courier"/>
-              </a:rPr>
-              <a:t>', </a:t>
-            </a:r>
-            <a:r>
-              <a:rPr lang="en-US" sz="1600" dirty="0" err="1">
-                <a:solidFill>
-                  <a:schemeClr val="tx1"/>
-                </a:solidFill>
-                <a:latin typeface="Courier"/>
-                <a:cs typeface="Courier"/>
-              </a:rPr>
-              <a:t>learning_rate</a:t>
-            </a:r>
-            <a:r>
-              <a:rPr lang="en-US" sz="1600" dirty="0">
-                <a:solidFill>
-                  <a:schemeClr val="tx1"/>
-                </a:solidFill>
-                <a:latin typeface="Courier"/>
-                <a:cs typeface="Courier"/>
-              </a:rPr>
-              <a:t>=0.01, loss='</a:t>
-            </a:r>
-            <a:r>
-              <a:rPr lang="en-US" sz="1600" dirty="0" err="1">
-                <a:solidFill>
-                  <a:schemeClr val="tx1"/>
-                </a:solidFill>
-                <a:latin typeface="Courier"/>
-                <a:cs typeface="Courier"/>
-              </a:rPr>
-              <a:t>categorical_crossentropy</a:t>
-            </a:r>
-            <a:r>
-              <a:rPr lang="en-US" sz="1600" dirty="0">
-                <a:solidFill>
-                  <a:schemeClr val="tx1"/>
-                </a:solidFill>
-                <a:latin typeface="Courier"/>
-                <a:cs typeface="Courier"/>
-              </a:rPr>
-              <a:t>', name='targets')</a:t>
-            </a:r>
-          </a:p>
-          <a:p>
-            <a:pPr algn="l"/>
-            <a:endParaRPr lang="en-US" sz="1600" dirty="0">
+            <a:endParaRPr lang="en-US" sz="1400" dirty="0">
               <a:solidFill>
                 <a:schemeClr val="tx1"/>
               </a:solidFill>
-              <a:latin typeface="Courier"/>
-              <a:cs typeface="Courier"/>
             </a:endParaRPr>
           </a:p>
           <a:p>
             <a:pPr algn="l"/>
             <a:r>
-              <a:rPr lang="en-US" sz="1600" dirty="0">
-                <a:solidFill>
-                  <a:schemeClr val="tx1"/>
-                </a:solidFill>
-                <a:latin typeface="Courier"/>
-                <a:cs typeface="Courier"/>
-              </a:rPr>
-              <a:t># create/train the model:</a:t>
+              <a:rPr lang="en-US" sz="1400" dirty="0">
+                <a:solidFill>
+                  <a:schemeClr val="tx1"/>
+                </a:solidFill>
+              </a:rPr>
+              <a:t>convnet = conv_2d(convnet, 32, 2, activation='</a:t>
+            </a:r>
+            <a:r>
+              <a:rPr lang="en-US" sz="1400" dirty="0" err="1">
+                <a:solidFill>
+                  <a:schemeClr val="tx1"/>
+                </a:solidFill>
+              </a:rPr>
+              <a:t>relu</a:t>
+            </a:r>
+            <a:r>
+              <a:rPr lang="en-US" sz="1400" dirty="0">
+                <a:solidFill>
+                  <a:schemeClr val="tx1"/>
+                </a:solidFill>
+              </a:rPr>
+              <a:t>')</a:t>
             </a:r>
           </a:p>
           <a:p>
             <a:pPr algn="l"/>
-            <a:r>
-              <a:rPr lang="en-US" sz="1600" dirty="0">
-                <a:solidFill>
-                  <a:schemeClr val="tx1"/>
-                </a:solidFill>
-                <a:latin typeface="Courier"/>
-                <a:cs typeface="Courier"/>
-              </a:rPr>
-              <a:t>model = </a:t>
-            </a:r>
-            <a:r>
-              <a:rPr lang="en-US" sz="1600" dirty="0" err="1">
-                <a:solidFill>
-                  <a:schemeClr val="tx1"/>
-                </a:solidFill>
-                <a:latin typeface="Courier"/>
-                <a:cs typeface="Courier"/>
-              </a:rPr>
-              <a:t>tflearn.DNN</a:t>
-            </a:r>
-            <a:r>
-              <a:rPr lang="en-US" sz="1600" dirty="0">
-                <a:solidFill>
-                  <a:schemeClr val="tx1"/>
-                </a:solidFill>
-                <a:latin typeface="Courier"/>
-                <a:cs typeface="Courier"/>
-              </a:rPr>
-              <a:t>(convnet)</a:t>
-            </a:r>
+            <a:endParaRPr lang="en-US" sz="1400" dirty="0">
+              <a:solidFill>
+                <a:schemeClr val="tx1"/>
+              </a:solidFill>
+            </a:endParaRPr>
           </a:p>
           <a:p>
             <a:pPr algn="l"/>
             <a:r>
-              <a:rPr lang="en-US" sz="1600" dirty="0" err="1">
-                <a:solidFill>
-                  <a:schemeClr val="tx1"/>
-                </a:solidFill>
-                <a:latin typeface="Courier"/>
-                <a:cs typeface="Courier"/>
-              </a:rPr>
-              <a:t>model.fit</a:t>
-            </a:r>
-            <a:r>
-              <a:rPr lang="en-US" sz="1600" dirty="0">
-                <a:solidFill>
-                  <a:schemeClr val="tx1"/>
-                </a:solidFill>
-                <a:latin typeface="Courier"/>
-                <a:cs typeface="Courier"/>
-              </a:rPr>
-              <a:t>({'input': X}, {'targets': Y}, </a:t>
-            </a:r>
-            <a:r>
-              <a:rPr lang="en-US" sz="1600" dirty="0" err="1">
-                <a:solidFill>
-                  <a:schemeClr val="tx1"/>
-                </a:solidFill>
-                <a:latin typeface="Courier"/>
-                <a:cs typeface="Courier"/>
-              </a:rPr>
-              <a:t>n_epoch</a:t>
-            </a:r>
-            <a:r>
-              <a:rPr lang="en-US" sz="1600" dirty="0">
-                <a:solidFill>
-                  <a:schemeClr val="tx1"/>
-                </a:solidFill>
-                <a:latin typeface="Courier"/>
-                <a:cs typeface="Courier"/>
-              </a:rPr>
-              <a:t>=3, </a:t>
-            </a:r>
-            <a:r>
-              <a:rPr lang="en-US" sz="1600" dirty="0" err="1">
-                <a:solidFill>
-                  <a:schemeClr val="tx1"/>
-                </a:solidFill>
-                <a:latin typeface="Courier"/>
-                <a:cs typeface="Courier"/>
-              </a:rPr>
-              <a:t>validation_set</a:t>
-            </a:r>
-            <a:r>
-              <a:rPr lang="en-US" sz="1600" dirty="0">
-                <a:solidFill>
-                  <a:schemeClr val="tx1"/>
-                </a:solidFill>
-                <a:latin typeface="Courier"/>
-                <a:cs typeface="Courier"/>
-              </a:rPr>
-              <a:t>=({'input': </a:t>
-            </a:r>
-            <a:r>
-              <a:rPr lang="en-US" sz="1600" dirty="0" err="1">
-                <a:solidFill>
-                  <a:schemeClr val="tx1"/>
-                </a:solidFill>
-                <a:latin typeface="Courier"/>
-                <a:cs typeface="Courier"/>
-              </a:rPr>
-              <a:t>test_x</a:t>
-            </a:r>
-            <a:r>
-              <a:rPr lang="en-US" sz="1600" dirty="0">
-                <a:solidFill>
-                  <a:schemeClr val="tx1"/>
-                </a:solidFill>
-                <a:latin typeface="Courier"/>
-                <a:cs typeface="Courier"/>
-              </a:rPr>
-              <a:t>}, {'targets': </a:t>
-            </a:r>
-            <a:r>
-              <a:rPr lang="en-US" sz="1600" dirty="0" err="1">
-                <a:solidFill>
-                  <a:schemeClr val="tx1"/>
-                </a:solidFill>
-                <a:latin typeface="Courier"/>
-                <a:cs typeface="Courier"/>
-              </a:rPr>
-              <a:t>test_y</a:t>
-            </a:r>
-            <a:r>
-              <a:rPr lang="en-US" sz="1600" dirty="0">
-                <a:solidFill>
-                  <a:schemeClr val="tx1"/>
-                </a:solidFill>
-                <a:latin typeface="Courier"/>
-                <a:cs typeface="Courier"/>
-              </a:rPr>
-              <a:t>}), </a:t>
-            </a:r>
-            <a:r>
-              <a:rPr lang="en-US" sz="1600" dirty="0" err="1">
-                <a:solidFill>
-                  <a:schemeClr val="tx1"/>
-                </a:solidFill>
-                <a:latin typeface="Courier"/>
-                <a:cs typeface="Courier"/>
-              </a:rPr>
-              <a:t>snapshot_step</a:t>
-            </a:r>
-            <a:r>
-              <a:rPr lang="en-US" sz="1600" dirty="0">
-                <a:solidFill>
-                  <a:schemeClr val="tx1"/>
-                </a:solidFill>
-                <a:latin typeface="Courier"/>
-                <a:cs typeface="Courier"/>
-              </a:rPr>
-              <a:t>=500, </a:t>
-            </a:r>
-            <a:r>
-              <a:rPr lang="en-US" sz="1600" dirty="0" err="1">
-                <a:solidFill>
-                  <a:schemeClr val="tx1"/>
-                </a:solidFill>
-                <a:latin typeface="Courier"/>
-                <a:cs typeface="Courier"/>
-              </a:rPr>
-              <a:t>show_metric</a:t>
-            </a:r>
-            <a:r>
-              <a:rPr lang="en-US" sz="1600" dirty="0">
-                <a:solidFill>
-                  <a:schemeClr val="tx1"/>
-                </a:solidFill>
-                <a:latin typeface="Courier"/>
-                <a:cs typeface="Courier"/>
-              </a:rPr>
-              <a:t>=True, </a:t>
-            </a:r>
-            <a:r>
-              <a:rPr lang="en-US" sz="1600" dirty="0" err="1">
-                <a:solidFill>
-                  <a:schemeClr val="tx1"/>
-                </a:solidFill>
-                <a:latin typeface="Courier"/>
-                <a:cs typeface="Courier"/>
-              </a:rPr>
-              <a:t>run_id</a:t>
-            </a:r>
-            <a:r>
-              <a:rPr lang="en-US" sz="1600" dirty="0">
-                <a:solidFill>
-                  <a:schemeClr val="tx1"/>
-                </a:solidFill>
-                <a:latin typeface="Courier"/>
-                <a:cs typeface="Courier"/>
-              </a:rPr>
-              <a:t>='</a:t>
-            </a:r>
-            <a:r>
-              <a:rPr lang="en-US" sz="1600" dirty="0" err="1">
-                <a:solidFill>
-                  <a:schemeClr val="tx1"/>
-                </a:solidFill>
-                <a:latin typeface="Courier"/>
-                <a:cs typeface="Courier"/>
-              </a:rPr>
-              <a:t>mnist</a:t>
-            </a:r>
-            <a:r>
-              <a:rPr lang="en-US" sz="1600" dirty="0">
-                <a:solidFill>
-                  <a:schemeClr val="tx1"/>
-                </a:solidFill>
-                <a:latin typeface="Courier"/>
-                <a:cs typeface="Courier"/>
+              <a:rPr lang="en-US" sz="1400" dirty="0">
+                <a:solidFill>
+                  <a:schemeClr val="tx1"/>
+                </a:solidFill>
+              </a:rPr>
+              <a:t>convnet = max_pool_2d(convnet, 2)</a:t>
+            </a:r>
+          </a:p>
+          <a:p>
+            <a:pPr algn="l"/>
+            <a:endParaRPr lang="en-US" sz="1400" dirty="0">
+              <a:solidFill>
+                <a:schemeClr val="tx1"/>
+              </a:solidFill>
+            </a:endParaRPr>
+          </a:p>
+          <a:p>
+            <a:pPr algn="l"/>
+            <a:r>
+              <a:rPr lang="en-US" sz="1400" dirty="0">
+                <a:solidFill>
+                  <a:schemeClr val="tx1"/>
+                </a:solidFill>
+              </a:rPr>
+              <a:t>convnet = conv_2d(convnet, 64, 2, activation='</a:t>
+            </a:r>
+            <a:r>
+              <a:rPr lang="en-US" sz="1400" dirty="0" err="1">
+                <a:solidFill>
+                  <a:schemeClr val="tx1"/>
+                </a:solidFill>
+              </a:rPr>
+              <a:t>relu</a:t>
+            </a:r>
+            <a:r>
+              <a:rPr lang="en-US" sz="1400" dirty="0">
+                <a:solidFill>
+                  <a:schemeClr val="tx1"/>
+                </a:solidFill>
               </a:rPr>
               <a:t>')</a:t>
+            </a:r>
+          </a:p>
+          <a:p>
+            <a:pPr algn="l"/>
+            <a:endParaRPr lang="en-US" sz="1400" dirty="0">
+              <a:solidFill>
+                <a:schemeClr val="tx1"/>
+              </a:solidFill>
+            </a:endParaRPr>
+          </a:p>
+          <a:p>
+            <a:pPr algn="l"/>
+            <a:r>
+              <a:rPr lang="en-US" sz="1400" dirty="0">
+                <a:solidFill>
+                  <a:schemeClr val="tx1"/>
+                </a:solidFill>
+              </a:rPr>
+              <a:t>convnet = max_pool_2d(convnet, 2)</a:t>
+            </a:r>
+          </a:p>
+          <a:p>
+            <a:pPr algn="l"/>
+            <a:endParaRPr lang="en-US" sz="1400" dirty="0">
+              <a:solidFill>
+                <a:schemeClr val="tx1"/>
+              </a:solidFill>
+            </a:endParaRPr>
+          </a:p>
+          <a:p>
+            <a:pPr algn="l"/>
+            <a:r>
+              <a:rPr lang="en-US" sz="1400" dirty="0">
+                <a:solidFill>
+                  <a:schemeClr val="tx1"/>
+                </a:solidFill>
+              </a:rPr>
+              <a:t>convnet = </a:t>
+            </a:r>
+            <a:r>
+              <a:rPr lang="en-US" sz="1400" dirty="0" err="1">
+                <a:solidFill>
+                  <a:schemeClr val="tx1"/>
+                </a:solidFill>
+              </a:rPr>
+              <a:t>fully_connected</a:t>
+            </a:r>
+            <a:r>
+              <a:rPr lang="en-US" sz="1400" dirty="0">
+                <a:solidFill>
+                  <a:schemeClr val="tx1"/>
+                </a:solidFill>
+              </a:rPr>
+              <a:t>(convnet, 1024, activation='</a:t>
+            </a:r>
+            <a:r>
+              <a:rPr lang="en-US" sz="1400" dirty="0" err="1">
+                <a:solidFill>
+                  <a:schemeClr val="tx1"/>
+                </a:solidFill>
+              </a:rPr>
+              <a:t>relu</a:t>
+            </a:r>
+            <a:r>
+              <a:rPr lang="en-US" sz="1400" dirty="0">
+                <a:solidFill>
+                  <a:schemeClr val="tx1"/>
+                </a:solidFill>
+              </a:rPr>
+              <a:t>’)</a:t>
             </a:r>
           </a:p>
         </p:txBody>
@@ -7556,7 +9598,7 @@
             <a:fld id="{A4F910E6-8D00-4BAF-8C48-9688E0B449D3}" type="datetime1">
               <a:rPr lang="zh-TW" altLang="en-US" smtClean="0"/>
               <a:pPr/>
-              <a:t>2019/3/7</a:t>
+              <a:t>2019/4/5</a:t>
             </a:fld>
             <a:endParaRPr lang="zh-TW" altLang="en-US"/>
           </a:p>
@@ -7580,7 +9622,7 @@
             <a:fld id="{E4D7E63D-91F2-4366-A2C4-1B00C9E2590E}" type="slidenum">
               <a:rPr lang="zh-TW" altLang="en-US" smtClean="0"/>
               <a:pPr/>
-              <a:t>6</a:t>
+              <a:t>5</a:t>
             </a:fld>
             <a:endParaRPr lang="zh-TW" altLang="en-US"/>
           </a:p>
@@ -7589,7 +9631,7 @@
     </p:spTree>
     <p:extLst>
       <p:ext uri="{BB962C8B-B14F-4D97-AF65-F5344CB8AC3E}">
-        <p14:creationId xmlns:p14="http://schemas.microsoft.com/office/powerpoint/2010/main" val="3077112606"/>
+        <p14:creationId xmlns:p14="http://schemas.microsoft.com/office/powerpoint/2010/main" val="565830590"/>
       </p:ext>
     </p:extLst>
   </p:cSld>
@@ -7599,7 +9641,7 @@
 </p:sld>
 </file>
 
-<file path=ppt/slides/slide7.xml><?xml version="1.0" encoding="utf-8"?>
+<file path=ppt/slides/slide6.xml><?xml version="1.0" encoding="utf-8"?>
 <p:sld xmlns:a="http://schemas.openxmlformats.org/drawingml/2006/main" xmlns:r="http://schemas.openxmlformats.org/officeDocument/2006/relationships" xmlns:p="http://schemas.openxmlformats.org/presentationml/2006/main">
   <p:cSld>
     <p:spTree>
@@ -7694,7 +9736,7 @@
         <p:spPr>
           <a:xfrm>
             <a:off x="467544" y="1268760"/>
-            <a:ext cx="3744416" cy="360040"/>
+            <a:ext cx="7704856" cy="2808312"/>
           </a:xfrm>
           <a:ln>
             <a:solidFill>
@@ -7717,7 +9759,7 @@
               <a:buChar char="u"/>
             </a:pPr>
             <a:r>
-              <a:rPr lang="en-US" sz="1600" b="1" dirty="0" err="1">
+              <a:rPr lang="en-US" sz="1400" b="1" dirty="0" err="1">
                 <a:solidFill>
                   <a:schemeClr val="tx1"/>
                 </a:solidFill>
@@ -7725,12 +9767,390 @@
               <a:t>TFLearn</a:t>
             </a:r>
             <a:r>
-              <a:rPr lang="en-US" sz="1600" b="1" dirty="0">
-                <a:solidFill>
-                  <a:schemeClr val="tx1"/>
-                </a:solidFill>
-              </a:rPr>
-              <a:t> and CNNs (tflearn-cnn.py):</a:t>
+              <a:rPr lang="en-US" sz="1400" b="1" dirty="0">
+                <a:solidFill>
+                  <a:schemeClr val="tx1"/>
+                </a:solidFill>
+              </a:rPr>
+              <a:t> and CNNs (tflearn-cnn.py)</a:t>
+            </a:r>
+          </a:p>
+          <a:p>
+            <a:pPr algn="l"/>
+            <a:r>
+              <a:rPr lang="en-US" sz="1400" dirty="0">
+                <a:solidFill>
+                  <a:schemeClr val="tx1"/>
+                </a:solidFill>
+                <a:latin typeface="Courier"/>
+                <a:cs typeface="Courier"/>
+              </a:rPr>
+              <a:t>convnet = dropout(convnet, 0.8)</a:t>
+            </a:r>
+          </a:p>
+          <a:p>
+            <a:pPr algn="l"/>
+            <a:r>
+              <a:rPr lang="en-US" sz="1400" dirty="0">
+                <a:solidFill>
+                  <a:schemeClr val="tx1"/>
+                </a:solidFill>
+                <a:latin typeface="Courier"/>
+                <a:cs typeface="Courier"/>
+              </a:rPr>
+              <a:t>convnet = </a:t>
+            </a:r>
+            <a:r>
+              <a:rPr lang="en-US" sz="1400" dirty="0" err="1">
+                <a:solidFill>
+                  <a:schemeClr val="tx1"/>
+                </a:solidFill>
+                <a:latin typeface="Courier"/>
+                <a:cs typeface="Courier"/>
+              </a:rPr>
+              <a:t>fully_connected</a:t>
+            </a:r>
+            <a:r>
+              <a:rPr lang="en-US" sz="1400" dirty="0">
+                <a:solidFill>
+                  <a:schemeClr val="tx1"/>
+                </a:solidFill>
+                <a:latin typeface="Courier"/>
+                <a:cs typeface="Courier"/>
+              </a:rPr>
+              <a:t>(convnet, 10, activation='</a:t>
+            </a:r>
+            <a:r>
+              <a:rPr lang="en-US" sz="1400" dirty="0" err="1">
+                <a:solidFill>
+                  <a:schemeClr val="tx1"/>
+                </a:solidFill>
+                <a:latin typeface="Courier"/>
+                <a:cs typeface="Courier"/>
+              </a:rPr>
+              <a:t>softmax</a:t>
+            </a:r>
+            <a:r>
+              <a:rPr lang="en-US" sz="1400" dirty="0">
+                <a:solidFill>
+                  <a:schemeClr val="tx1"/>
+                </a:solidFill>
+                <a:latin typeface="Courier"/>
+                <a:cs typeface="Courier"/>
+              </a:rPr>
+              <a:t>')</a:t>
+            </a:r>
+          </a:p>
+          <a:p>
+            <a:pPr algn="l"/>
+            <a:r>
+              <a:rPr lang="en-US" sz="1400" dirty="0">
+                <a:solidFill>
+                  <a:schemeClr val="tx1"/>
+                </a:solidFill>
+                <a:latin typeface="Courier"/>
+                <a:cs typeface="Courier"/>
+              </a:rPr>
+              <a:t>convnet = regression(convnet, optimizer='</a:t>
+            </a:r>
+            <a:r>
+              <a:rPr lang="en-US" sz="1400" dirty="0" err="1">
+                <a:solidFill>
+                  <a:schemeClr val="tx1"/>
+                </a:solidFill>
+                <a:latin typeface="Courier"/>
+                <a:cs typeface="Courier"/>
+              </a:rPr>
+              <a:t>adam</a:t>
+            </a:r>
+            <a:r>
+              <a:rPr lang="en-US" sz="1400" dirty="0">
+                <a:solidFill>
+                  <a:schemeClr val="tx1"/>
+                </a:solidFill>
+                <a:latin typeface="Courier"/>
+                <a:cs typeface="Courier"/>
+              </a:rPr>
+              <a:t>', </a:t>
+            </a:r>
+            <a:r>
+              <a:rPr lang="en-US" sz="1400" dirty="0" err="1">
+                <a:solidFill>
+                  <a:schemeClr val="tx1"/>
+                </a:solidFill>
+                <a:latin typeface="Courier"/>
+                <a:cs typeface="Courier"/>
+              </a:rPr>
+              <a:t>learning_rate</a:t>
+            </a:r>
+            <a:r>
+              <a:rPr lang="en-US" sz="1400" dirty="0">
+                <a:solidFill>
+                  <a:schemeClr val="tx1"/>
+                </a:solidFill>
+                <a:latin typeface="Courier"/>
+                <a:cs typeface="Courier"/>
+              </a:rPr>
+              <a:t>=0.01, loss='</a:t>
+            </a:r>
+            <a:r>
+              <a:rPr lang="en-US" sz="1400" dirty="0" err="1">
+                <a:solidFill>
+                  <a:schemeClr val="tx1"/>
+                </a:solidFill>
+                <a:latin typeface="Courier"/>
+                <a:cs typeface="Courier"/>
+              </a:rPr>
+              <a:t>categorical_crossentropy</a:t>
+            </a:r>
+            <a:r>
+              <a:rPr lang="en-US" sz="1400" dirty="0">
+                <a:solidFill>
+                  <a:schemeClr val="tx1"/>
+                </a:solidFill>
+                <a:latin typeface="Courier"/>
+                <a:cs typeface="Courier"/>
+              </a:rPr>
+              <a:t>', name='targets')</a:t>
+            </a:r>
+          </a:p>
+          <a:p>
+            <a:pPr algn="l"/>
+            <a:endParaRPr lang="en-US" sz="1400" dirty="0">
+              <a:solidFill>
+                <a:schemeClr val="tx1"/>
+              </a:solidFill>
+              <a:latin typeface="Courier"/>
+              <a:cs typeface="Courier"/>
+            </a:endParaRPr>
+          </a:p>
+          <a:p>
+            <a:pPr algn="l"/>
+            <a:r>
+              <a:rPr lang="en-US" sz="1400" dirty="0">
+                <a:solidFill>
+                  <a:schemeClr val="tx1"/>
+                </a:solidFill>
+                <a:latin typeface="Courier"/>
+                <a:cs typeface="Courier"/>
+              </a:rPr>
+              <a:t># create/train the model:</a:t>
+            </a:r>
+          </a:p>
+          <a:p>
+            <a:pPr algn="l"/>
+            <a:r>
+              <a:rPr lang="en-US" sz="1400" dirty="0">
+                <a:solidFill>
+                  <a:schemeClr val="tx1"/>
+                </a:solidFill>
+                <a:latin typeface="Courier"/>
+                <a:cs typeface="Courier"/>
+              </a:rPr>
+              <a:t>model = </a:t>
+            </a:r>
+            <a:r>
+              <a:rPr lang="en-US" sz="1400" dirty="0" err="1">
+                <a:solidFill>
+                  <a:schemeClr val="tx1"/>
+                </a:solidFill>
+                <a:latin typeface="Courier"/>
+                <a:cs typeface="Courier"/>
+              </a:rPr>
+              <a:t>tflearn.DNN</a:t>
+            </a:r>
+            <a:r>
+              <a:rPr lang="en-US" sz="1400" dirty="0">
+                <a:solidFill>
+                  <a:schemeClr val="tx1"/>
+                </a:solidFill>
+                <a:latin typeface="Courier"/>
+                <a:cs typeface="Courier"/>
+              </a:rPr>
+              <a:t>(convnet)</a:t>
+            </a:r>
+          </a:p>
+          <a:p>
+            <a:pPr algn="l"/>
+            <a:r>
+              <a:rPr lang="en-US" sz="1400" dirty="0" err="1">
+                <a:solidFill>
+                  <a:schemeClr val="tx1"/>
+                </a:solidFill>
+                <a:latin typeface="Courier"/>
+                <a:cs typeface="Courier"/>
+              </a:rPr>
+              <a:t>model.fit</a:t>
+            </a:r>
+            <a:r>
+              <a:rPr lang="en-US" sz="1400" dirty="0">
+                <a:solidFill>
+                  <a:schemeClr val="tx1"/>
+                </a:solidFill>
+                <a:latin typeface="Courier"/>
+                <a:cs typeface="Courier"/>
+              </a:rPr>
+              <a:t>({'input': X}, {'targets': Y}, </a:t>
+            </a:r>
+            <a:r>
+              <a:rPr lang="en-US" sz="1400" dirty="0" err="1">
+                <a:solidFill>
+                  <a:schemeClr val="tx1"/>
+                </a:solidFill>
+                <a:latin typeface="Courier"/>
+                <a:cs typeface="Courier"/>
+              </a:rPr>
+              <a:t>n_epoch</a:t>
+            </a:r>
+            <a:r>
+              <a:rPr lang="en-US" sz="1400" dirty="0">
+                <a:solidFill>
+                  <a:schemeClr val="tx1"/>
+                </a:solidFill>
+                <a:latin typeface="Courier"/>
+                <a:cs typeface="Courier"/>
+              </a:rPr>
+              <a:t>=3, </a:t>
+            </a:r>
+            <a:r>
+              <a:rPr lang="en-US" sz="1400" dirty="0" err="1">
+                <a:solidFill>
+                  <a:schemeClr val="tx1"/>
+                </a:solidFill>
+                <a:latin typeface="Courier"/>
+                <a:cs typeface="Courier"/>
+              </a:rPr>
+              <a:t>validation_set</a:t>
+            </a:r>
+            <a:r>
+              <a:rPr lang="en-US" sz="1400" dirty="0">
+                <a:solidFill>
+                  <a:schemeClr val="tx1"/>
+                </a:solidFill>
+                <a:latin typeface="Courier"/>
+                <a:cs typeface="Courier"/>
+              </a:rPr>
+              <a:t>=({'input': </a:t>
+            </a:r>
+            <a:r>
+              <a:rPr lang="en-US" sz="1400" dirty="0" err="1">
+                <a:solidFill>
+                  <a:schemeClr val="tx1"/>
+                </a:solidFill>
+                <a:latin typeface="Courier"/>
+                <a:cs typeface="Courier"/>
+              </a:rPr>
+              <a:t>test_x</a:t>
+            </a:r>
+            <a:r>
+              <a:rPr lang="en-US" sz="1400" dirty="0">
+                <a:solidFill>
+                  <a:schemeClr val="tx1"/>
+                </a:solidFill>
+                <a:latin typeface="Courier"/>
+                <a:cs typeface="Courier"/>
+              </a:rPr>
+              <a:t>}, {'targets': </a:t>
+            </a:r>
+            <a:r>
+              <a:rPr lang="en-US" sz="1400" dirty="0" err="1">
+                <a:solidFill>
+                  <a:schemeClr val="tx1"/>
+                </a:solidFill>
+                <a:latin typeface="Courier"/>
+                <a:cs typeface="Courier"/>
+              </a:rPr>
+              <a:t>test_y</a:t>
+            </a:r>
+            <a:r>
+              <a:rPr lang="en-US" sz="1400" dirty="0">
+                <a:solidFill>
+                  <a:schemeClr val="tx1"/>
+                </a:solidFill>
+                <a:latin typeface="Courier"/>
+                <a:cs typeface="Courier"/>
+              </a:rPr>
+              <a:t>}), </a:t>
+            </a:r>
+            <a:r>
+              <a:rPr lang="en-US" sz="1400" dirty="0" err="1">
+                <a:solidFill>
+                  <a:schemeClr val="tx1"/>
+                </a:solidFill>
+                <a:latin typeface="Courier"/>
+                <a:cs typeface="Courier"/>
+              </a:rPr>
+              <a:t>snapshot_step</a:t>
+            </a:r>
+            <a:r>
+              <a:rPr lang="en-US" sz="1400" dirty="0">
+                <a:solidFill>
+                  <a:schemeClr val="tx1"/>
+                </a:solidFill>
+                <a:latin typeface="Courier"/>
+                <a:cs typeface="Courier"/>
+              </a:rPr>
+              <a:t>=500, </a:t>
+            </a:r>
+            <a:r>
+              <a:rPr lang="en-US" sz="1400" dirty="0" err="1">
+                <a:solidFill>
+                  <a:schemeClr val="tx1"/>
+                </a:solidFill>
+                <a:latin typeface="Courier"/>
+                <a:cs typeface="Courier"/>
+              </a:rPr>
+              <a:t>show_metric</a:t>
+            </a:r>
+            <a:r>
+              <a:rPr lang="en-US" sz="1400" dirty="0">
+                <a:solidFill>
+                  <a:schemeClr val="tx1"/>
+                </a:solidFill>
+                <a:latin typeface="Courier"/>
+                <a:cs typeface="Courier"/>
+              </a:rPr>
+              <a:t>=True, </a:t>
+            </a:r>
+            <a:r>
+              <a:rPr lang="en-US" sz="1400" dirty="0" err="1">
+                <a:solidFill>
+                  <a:schemeClr val="tx1"/>
+                </a:solidFill>
+                <a:latin typeface="Courier"/>
+                <a:cs typeface="Courier"/>
+              </a:rPr>
+              <a:t>run_id</a:t>
+            </a:r>
+            <a:r>
+              <a:rPr lang="en-US" sz="1400" dirty="0">
+                <a:solidFill>
+                  <a:schemeClr val="tx1"/>
+                </a:solidFill>
+                <a:latin typeface="Courier"/>
+                <a:cs typeface="Courier"/>
+              </a:rPr>
+              <a:t>='</a:t>
+            </a:r>
+            <a:r>
+              <a:rPr lang="en-US" sz="1400" dirty="0" err="1">
+                <a:solidFill>
+                  <a:schemeClr val="tx1"/>
+                </a:solidFill>
+                <a:latin typeface="Courier"/>
+                <a:cs typeface="Courier"/>
+              </a:rPr>
+              <a:t>mnist</a:t>
+            </a:r>
+            <a:r>
+              <a:rPr lang="en-US" sz="1400" dirty="0">
+                <a:solidFill>
+                  <a:schemeClr val="tx1"/>
+                </a:solidFill>
+                <a:latin typeface="Courier"/>
+                <a:cs typeface="Courier"/>
+              </a:rPr>
+              <a:t>')</a:t>
             </a:r>
           </a:p>
         </p:txBody>
@@ -7832,7 +10252,283 @@
             <a:fld id="{A4F910E6-8D00-4BAF-8C48-9688E0B449D3}" type="datetime1">
               <a:rPr lang="zh-TW" altLang="en-US" smtClean="0"/>
               <a:pPr/>
-              <a:t>2019/3/7</a:t>
+              <a:t>2019/4/5</a:t>
+            </a:fld>
+            <a:endParaRPr lang="zh-TW" altLang="en-US"/>
+          </a:p>
+        </p:txBody>
+      </p:sp>
+      <p:sp>
+        <p:nvSpPr>
+          <p:cNvPr id="6" name="投影片編號版面配置區 5"/>
+          <p:cNvSpPr>
+            <a:spLocks noGrp="1"/>
+          </p:cNvSpPr>
+          <p:nvPr>
+            <p:ph type="sldNum" sz="quarter" idx="12"/>
+          </p:nvPr>
+        </p:nvSpPr>
+        <p:spPr/>
+        <p:txBody>
+          <a:bodyPr/>
+          <a:lstStyle/>
+          <a:p>
+            <a:fld id="{E4D7E63D-91F2-4366-A2C4-1B00C9E2590E}" type="slidenum">
+              <a:rPr lang="zh-TW" altLang="en-US" smtClean="0"/>
+              <a:pPr/>
+              <a:t>6</a:t>
+            </a:fld>
+            <a:endParaRPr lang="zh-TW" altLang="en-US"/>
+          </a:p>
+        </p:txBody>
+      </p:sp>
+    </p:spTree>
+    <p:extLst>
+      <p:ext uri="{BB962C8B-B14F-4D97-AF65-F5344CB8AC3E}">
+        <p14:creationId xmlns:p14="http://schemas.microsoft.com/office/powerpoint/2010/main" val="3077112606"/>
+      </p:ext>
+    </p:extLst>
+  </p:cSld>
+  <p:clrMapOvr>
+    <a:masterClrMapping/>
+  </p:clrMapOvr>
+</p:sld>
+</file>
+
+<file path=ppt/slides/slide7.xml><?xml version="1.0" encoding="utf-8"?>
+<p:sld xmlns:a="http://schemas.openxmlformats.org/drawingml/2006/main" xmlns:r="http://schemas.openxmlformats.org/officeDocument/2006/relationships" xmlns:p="http://schemas.openxmlformats.org/presentationml/2006/main">
+  <p:cSld>
+    <p:spTree>
+      <p:nvGrpSpPr>
+        <p:cNvPr id="1" name=""/>
+        <p:cNvGrpSpPr/>
+        <p:nvPr/>
+      </p:nvGrpSpPr>
+      <p:grpSpPr>
+        <a:xfrm>
+          <a:off x="0" y="0"/>
+          <a:ext cx="0" cy="0"/>
+          <a:chOff x="0" y="0"/>
+          <a:chExt cx="0" cy="0"/>
+        </a:xfrm>
+      </p:grpSpPr>
+      <p:sp>
+        <p:nvSpPr>
+          <p:cNvPr id="2" name="標題 1"/>
+          <p:cNvSpPr>
+            <a:spLocks noGrp="1"/>
+          </p:cNvSpPr>
+          <p:nvPr>
+            <p:ph type="ctrTitle"/>
+          </p:nvPr>
+        </p:nvSpPr>
+        <p:spPr>
+          <a:xfrm>
+            <a:off x="0" y="1"/>
+            <a:ext cx="9144000" cy="764704"/>
+          </a:xfrm>
+          <a:gradFill flip="none" rotWithShape="1">
+            <a:gsLst>
+              <a:gs pos="0">
+                <a:srgbClr val="C00000">
+                  <a:shade val="30000"/>
+                  <a:satMod val="115000"/>
+                </a:srgbClr>
+              </a:gs>
+              <a:gs pos="50000">
+                <a:srgbClr val="C00000">
+                  <a:shade val="67500"/>
+                  <a:satMod val="115000"/>
+                </a:srgbClr>
+              </a:gs>
+              <a:gs pos="100000">
+                <a:srgbClr val="C00000">
+                  <a:shade val="100000"/>
+                  <a:satMod val="115000"/>
+                </a:srgbClr>
+              </a:gs>
+            </a:gsLst>
+            <a:path path="circle">
+              <a:fillToRect t="100000" r="100000"/>
+            </a:path>
+            <a:tileRect l="-100000" b="-100000"/>
+          </a:gradFill>
+        </p:spPr>
+        <p:txBody>
+          <a:bodyPr>
+            <a:normAutofit/>
+          </a:bodyPr>
+          <a:lstStyle/>
+          <a:p>
+            <a:pPr algn="l"/>
+            <a:r>
+              <a:rPr lang="en-US" altLang="zh-TW" b="1" dirty="0">
+                <a:solidFill>
+                  <a:srgbClr val="FFFF00"/>
+                </a:solidFill>
+              </a:rPr>
+              <a:t>6 Convolutional Neural Network (3)</a:t>
+            </a:r>
+            <a:endParaRPr lang="zh-TW" altLang="en-US" b="1" dirty="0">
+              <a:solidFill>
+                <a:srgbClr val="FFFF00"/>
+              </a:solidFill>
+            </a:endParaRPr>
+          </a:p>
+        </p:txBody>
+      </p:sp>
+      <p:sp>
+        <p:nvSpPr>
+          <p:cNvPr id="3" name="副標題 2"/>
+          <p:cNvSpPr>
+            <a:spLocks noGrp="1"/>
+          </p:cNvSpPr>
+          <p:nvPr>
+            <p:ph type="subTitle" idx="1"/>
+          </p:nvPr>
+        </p:nvSpPr>
+        <p:spPr>
+          <a:xfrm>
+            <a:off x="467544" y="1268760"/>
+            <a:ext cx="3744416" cy="360040"/>
+          </a:xfrm>
+          <a:ln>
+            <a:solidFill>
+              <a:srgbClr val="C00000"/>
+            </a:solidFill>
+          </a:ln>
+        </p:spPr>
+        <p:txBody>
+          <a:bodyPr>
+            <a:noAutofit/>
+          </a:bodyPr>
+          <a:lstStyle/>
+          <a:p>
+            <a:pPr marL="342900" indent="-342900" algn="l">
+              <a:buClr>
+                <a:srgbClr val="0070C0"/>
+              </a:buClr>
+              <a:buSzPct val="80000"/>
+              <a:buFont typeface="Wingdings" pitchFamily="2" charset="2"/>
+              <a:buChar char="u"/>
+            </a:pPr>
+            <a:r>
+              <a:rPr lang="en-US" sz="1600" b="1" dirty="0" err="1">
+                <a:solidFill>
+                  <a:schemeClr val="tx1"/>
+                </a:solidFill>
+              </a:rPr>
+              <a:t>TFLearn</a:t>
+            </a:r>
+            <a:r>
+              <a:rPr lang="en-US" sz="1600" b="1" dirty="0">
+                <a:solidFill>
+                  <a:schemeClr val="tx1"/>
+                </a:solidFill>
+              </a:rPr>
+              <a:t> and CNNs (tflearn-cnn.py):</a:t>
+            </a:r>
+          </a:p>
+        </p:txBody>
+      </p:sp>
+      <p:sp>
+        <p:nvSpPr>
+          <p:cNvPr id="4" name="標題 1"/>
+          <p:cNvSpPr txBox="1">
+            <a:spLocks/>
+          </p:cNvSpPr>
+          <p:nvPr/>
+        </p:nvSpPr>
+        <p:spPr>
+          <a:xfrm>
+            <a:off x="0" y="764704"/>
+            <a:ext cx="9144000" cy="360040"/>
+          </a:xfrm>
+          <a:prstGeom prst="rect">
+            <a:avLst/>
+          </a:prstGeom>
+          <a:gradFill flip="none" rotWithShape="1">
+            <a:gsLst>
+              <a:gs pos="0">
+                <a:srgbClr val="00B0F0">
+                  <a:shade val="30000"/>
+                  <a:satMod val="115000"/>
+                </a:srgbClr>
+              </a:gs>
+              <a:gs pos="50000">
+                <a:srgbClr val="00B0F0">
+                  <a:shade val="67500"/>
+                  <a:satMod val="115000"/>
+                </a:srgbClr>
+              </a:gs>
+              <a:gs pos="100000">
+                <a:srgbClr val="00B0F0">
+                  <a:shade val="100000"/>
+                  <a:satMod val="115000"/>
+                </a:srgbClr>
+              </a:gs>
+            </a:gsLst>
+            <a:path path="circle">
+              <a:fillToRect t="100000" r="100000"/>
+            </a:path>
+            <a:tileRect l="-100000" b="-100000"/>
+          </a:gradFill>
+        </p:spPr>
+        <p:txBody>
+          <a:bodyPr vert="horz" lIns="91440" tIns="45720" rIns="91440" bIns="45720" rtlCol="0" anchor="ctr">
+            <a:normAutofit/>
+          </a:bodyPr>
+          <a:lstStyle/>
+          <a:p>
+            <a:pPr lvl="0">
+              <a:spcBef>
+                <a:spcPct val="0"/>
+              </a:spcBef>
+            </a:pPr>
+            <a:r>
+              <a:rPr lang="en-US" altLang="zh-TW" sz="1600" dirty="0">
+                <a:latin typeface="+mj-lt"/>
+                <a:ea typeface="+mj-ea"/>
+                <a:cs typeface="+mj-cs"/>
+              </a:rPr>
+              <a:t>https://www.tensorflow.org/tutorials/</a:t>
+            </a:r>
+            <a:endParaRPr kumimoji="0" lang="zh-TW" altLang="en-US" sz="1600" b="0" i="0" u="none" strike="noStrike" kern="1200" cap="none" spc="0" normalizeH="0" baseline="0" noProof="0" dirty="0">
+              <a:ln>
+                <a:noFill/>
+              </a:ln>
+              <a:solidFill>
+                <a:schemeClr val="tx1"/>
+              </a:solidFill>
+              <a:effectLst/>
+              <a:uLnTx/>
+              <a:uFillTx/>
+              <a:latin typeface="+mj-lt"/>
+              <a:ea typeface="+mj-ea"/>
+              <a:cs typeface="+mj-cs"/>
+            </a:endParaRPr>
+          </a:p>
+        </p:txBody>
+      </p:sp>
+      <p:sp>
+        <p:nvSpPr>
+          <p:cNvPr id="5" name="日期版面配置區 4"/>
+          <p:cNvSpPr>
+            <a:spLocks noGrp="1"/>
+          </p:cNvSpPr>
+          <p:nvPr>
+            <p:ph type="dt" sz="half" idx="10"/>
+          </p:nvPr>
+        </p:nvSpPr>
+        <p:spPr/>
+        <p:txBody>
+          <a:bodyPr/>
+          <a:lstStyle/>
+          <a:p>
+            <a:fld id="{A4F910E6-8D00-4BAF-8C48-9688E0B449D3}" type="datetime1">
+              <a:rPr lang="zh-TW" altLang="en-US" smtClean="0"/>
+              <a:pPr/>
+              <a:t>2019/4/5</a:t>
             </a:fld>
             <a:endParaRPr lang="zh-TW" altLang="en-US"/>
           </a:p>
@@ -7939,6 +10635,185 @@
         </p:nvSpPr>
         <p:spPr>
           <a:xfrm>
+            <a:off x="0" y="2130425"/>
+            <a:ext cx="9144000" cy="1470025"/>
+          </a:xfrm>
+          <a:solidFill>
+            <a:srgbClr val="00B0F0"/>
+          </a:solidFill>
+        </p:spPr>
+        <p:txBody>
+          <a:bodyPr>
+            <a:normAutofit/>
+          </a:bodyPr>
+          <a:lstStyle/>
+          <a:p>
+            <a:r>
+              <a:rPr lang="en-US" altLang="zh-TW" sz="4800" b="1" dirty="0">
+                <a:solidFill>
+                  <a:srgbClr val="FFFF00"/>
+                </a:solidFill>
+              </a:rPr>
+              <a:t>6.1 More Code Examples</a:t>
+            </a:r>
+            <a:endParaRPr lang="zh-TW" altLang="en-US" sz="4800" b="1" dirty="0">
+              <a:solidFill>
+                <a:srgbClr val="FFFF00"/>
+              </a:solidFill>
+            </a:endParaRPr>
+          </a:p>
+        </p:txBody>
+      </p:sp>
+      <p:sp>
+        <p:nvSpPr>
+          <p:cNvPr id="3" name="副標題 2"/>
+          <p:cNvSpPr>
+            <a:spLocks noGrp="1"/>
+          </p:cNvSpPr>
+          <p:nvPr>
+            <p:ph type="subTitle" idx="1"/>
+          </p:nvPr>
+        </p:nvSpPr>
+        <p:spPr>
+          <a:xfrm>
+            <a:off x="1259632" y="4581128"/>
+            <a:ext cx="6400800" cy="694928"/>
+          </a:xfrm>
+        </p:spPr>
+        <p:txBody>
+          <a:bodyPr>
+            <a:normAutofit/>
+          </a:bodyPr>
+          <a:lstStyle/>
+          <a:p>
+            <a:r>
+              <a:rPr lang="en-US" altLang="zh-TW" dirty="0"/>
+              <a:t>Peter H. Chen</a:t>
+            </a:r>
+            <a:endParaRPr lang="zh-TW" altLang="en-US" dirty="0"/>
+          </a:p>
+        </p:txBody>
+      </p:sp>
+      <p:sp>
+        <p:nvSpPr>
+          <p:cNvPr id="5" name="日期版面配置區 4"/>
+          <p:cNvSpPr>
+            <a:spLocks noGrp="1"/>
+          </p:cNvSpPr>
+          <p:nvPr>
+            <p:ph type="dt" sz="half" idx="10"/>
+          </p:nvPr>
+        </p:nvSpPr>
+        <p:spPr/>
+        <p:txBody>
+          <a:bodyPr/>
+          <a:lstStyle/>
+          <a:p>
+            <a:fld id="{C389EDC9-19E3-47AC-9C57-C6A24DEA81AD}" type="datetime1">
+              <a:rPr lang="zh-TW" altLang="en-US" smtClean="0"/>
+              <a:pPr/>
+              <a:t>2019/4/5</a:t>
+            </a:fld>
+            <a:endParaRPr lang="zh-TW" altLang="en-US"/>
+          </a:p>
+        </p:txBody>
+      </p:sp>
+      <p:sp>
+        <p:nvSpPr>
+          <p:cNvPr id="6" name="投影片編號版面配置區 5"/>
+          <p:cNvSpPr>
+            <a:spLocks noGrp="1"/>
+          </p:cNvSpPr>
+          <p:nvPr>
+            <p:ph type="sldNum" sz="quarter" idx="12"/>
+          </p:nvPr>
+        </p:nvSpPr>
+        <p:spPr/>
+        <p:txBody>
+          <a:bodyPr/>
+          <a:lstStyle/>
+          <a:p>
+            <a:fld id="{E4D7E63D-91F2-4366-A2C4-1B00C9E2590E}" type="slidenum">
+              <a:rPr lang="zh-TW" altLang="en-US" smtClean="0"/>
+              <a:pPr/>
+              <a:t>8</a:t>
+            </a:fld>
+            <a:endParaRPr lang="zh-TW" altLang="en-US"/>
+          </a:p>
+        </p:txBody>
+      </p:sp>
+      <p:pic>
+        <p:nvPicPr>
+          <p:cNvPr id="4" name="Picture 3">
+            <a:extLst>
+              <a:ext uri="{FF2B5EF4-FFF2-40B4-BE49-F238E27FC236}">
+                <a16:creationId xmlns:a16="http://schemas.microsoft.com/office/drawing/2014/main" id="{7A4D60E2-93C7-4A51-A7EE-54D2D57FE8B6}"/>
+              </a:ext>
+            </a:extLst>
+          </p:cNvPr>
+          <p:cNvPicPr>
+            <a:picLocks noChangeAspect="1"/>
+          </p:cNvPicPr>
+          <p:nvPr/>
+        </p:nvPicPr>
+        <p:blipFill>
+          <a:blip r:embed="rId2"/>
+          <a:stretch>
+            <a:fillRect/>
+          </a:stretch>
+        </p:blipFill>
+        <p:spPr>
+          <a:xfrm>
+            <a:off x="3851920" y="3717032"/>
+            <a:ext cx="1202568" cy="990350"/>
+          </a:xfrm>
+          <a:prstGeom prst="rect">
+            <a:avLst/>
+          </a:prstGeom>
+        </p:spPr>
+      </p:pic>
+    </p:spTree>
+    <p:extLst>
+      <p:ext uri="{BB962C8B-B14F-4D97-AF65-F5344CB8AC3E}">
+        <p14:creationId xmlns:p14="http://schemas.microsoft.com/office/powerpoint/2010/main" val="3717531379"/>
+      </p:ext>
+    </p:extLst>
+  </p:cSld>
+  <p:clrMapOvr>
+    <a:masterClrMapping/>
+  </p:clrMapOvr>
+</p:sld>
+</file>
+
+<file path=ppt/slides/slide9.xml><?xml version="1.0" encoding="utf-8"?>
+<p:sld xmlns:a="http://schemas.openxmlformats.org/drawingml/2006/main" xmlns:r="http://schemas.openxmlformats.org/officeDocument/2006/relationships" xmlns:p="http://schemas.openxmlformats.org/presentationml/2006/main">
+  <p:cSld>
+    <p:spTree>
+      <p:nvGrpSpPr>
+        <p:cNvPr id="1" name=""/>
+        <p:cNvGrpSpPr/>
+        <p:nvPr/>
+      </p:nvGrpSpPr>
+      <p:grpSpPr>
+        <a:xfrm>
+          <a:off x="0" y="0"/>
+          <a:ext cx="0" cy="0"/>
+          <a:chOff x="0" y="0"/>
+          <a:chExt cx="0" cy="0"/>
+        </a:xfrm>
+      </p:grpSpPr>
+      <p:sp>
+        <p:nvSpPr>
+          <p:cNvPr id="2" name="標題 1"/>
+          <p:cNvSpPr>
+            <a:spLocks noGrp="1"/>
+          </p:cNvSpPr>
+          <p:nvPr>
+            <p:ph type="ctrTitle"/>
+          </p:nvPr>
+        </p:nvSpPr>
+        <p:spPr>
+          <a:xfrm>
             <a:off x="0" y="1"/>
             <a:ext cx="9144000" cy="764704"/>
           </a:xfrm>
@@ -7982,7 +10857,7 @@
                   <a:srgbClr val="FFFF00"/>
                 </a:solidFill>
               </a:rPr>
-              <a:t>6 Convolutional Neural Network (3)</a:t>
+              <a:t>6.1 More Code Examples</a:t>
             </a:r>
             <a:endParaRPr lang="zh-TW" altLang="en-US" b="1" dirty="0">
               <a:solidFill>
@@ -8353,493 +11228,7 @@
             <a:fld id="{A4F910E6-8D00-4BAF-8C48-9688E0B449D3}" type="datetime1">
               <a:rPr lang="zh-TW" altLang="en-US" smtClean="0"/>
               <a:pPr/>
-              <a:t>2019/3/7</a:t>
-            </a:fld>
-            <a:endParaRPr lang="zh-TW" altLang="en-US"/>
-          </a:p>
-        </p:txBody>
-      </p:sp>
-      <p:sp>
-        <p:nvSpPr>
-          <p:cNvPr id="6" name="投影片編號版面配置區 5"/>
-          <p:cNvSpPr>
-            <a:spLocks noGrp="1"/>
-          </p:cNvSpPr>
-          <p:nvPr>
-            <p:ph type="sldNum" sz="quarter" idx="12"/>
-          </p:nvPr>
-        </p:nvSpPr>
-        <p:spPr/>
-        <p:txBody>
-          <a:bodyPr/>
-          <a:lstStyle/>
-          <a:p>
-            <a:fld id="{E4D7E63D-91F2-4366-A2C4-1B00C9E2590E}" type="slidenum">
-              <a:rPr lang="zh-TW" altLang="en-US" smtClean="0"/>
-              <a:pPr/>
-              <a:t>8</a:t>
-            </a:fld>
-            <a:endParaRPr lang="zh-TW" altLang="en-US"/>
-          </a:p>
-        </p:txBody>
-      </p:sp>
-    </p:spTree>
-    <p:extLst>
-      <p:ext uri="{BB962C8B-B14F-4D97-AF65-F5344CB8AC3E}">
-        <p14:creationId xmlns:p14="http://schemas.microsoft.com/office/powerpoint/2010/main" val="2337765188"/>
-      </p:ext>
-    </p:extLst>
-  </p:cSld>
-  <p:clrMapOvr>
-    <a:masterClrMapping/>
-  </p:clrMapOvr>
-</p:sld>
-</file>
-
-<file path=ppt/slides/slide9.xml><?xml version="1.0" encoding="utf-8"?>
-<p:sld xmlns:a="http://schemas.openxmlformats.org/drawingml/2006/main" xmlns:r="http://schemas.openxmlformats.org/officeDocument/2006/relationships" xmlns:p="http://schemas.openxmlformats.org/presentationml/2006/main">
-  <p:cSld>
-    <p:spTree>
-      <p:nvGrpSpPr>
-        <p:cNvPr id="1" name=""/>
-        <p:cNvGrpSpPr/>
-        <p:nvPr/>
-      </p:nvGrpSpPr>
-      <p:grpSpPr>
-        <a:xfrm>
-          <a:off x="0" y="0"/>
-          <a:ext cx="0" cy="0"/>
-          <a:chOff x="0" y="0"/>
-          <a:chExt cx="0" cy="0"/>
-        </a:xfrm>
-      </p:grpSpPr>
-      <p:sp>
-        <p:nvSpPr>
-          <p:cNvPr id="2" name="標題 1"/>
-          <p:cNvSpPr>
-            <a:spLocks noGrp="1"/>
-          </p:cNvSpPr>
-          <p:nvPr>
-            <p:ph type="ctrTitle"/>
-          </p:nvPr>
-        </p:nvSpPr>
-        <p:spPr>
-          <a:xfrm>
-            <a:off x="0" y="1"/>
-            <a:ext cx="9144000" cy="764704"/>
-          </a:xfrm>
-          <a:gradFill flip="none" rotWithShape="1">
-            <a:gsLst>
-              <a:gs pos="0">
-                <a:srgbClr val="C00000">
-                  <a:shade val="30000"/>
-                  <a:satMod val="115000"/>
-                </a:srgbClr>
-              </a:gs>
-              <a:gs pos="50000">
-                <a:srgbClr val="C00000">
-                  <a:shade val="67500"/>
-                  <a:satMod val="115000"/>
-                </a:srgbClr>
-              </a:gs>
-              <a:gs pos="100000">
-                <a:srgbClr val="C00000">
-                  <a:shade val="100000"/>
-                  <a:satMod val="115000"/>
-                </a:srgbClr>
-              </a:gs>
-            </a:gsLst>
-            <a:path path="circle">
-              <a:fillToRect t="100000" r="100000"/>
-            </a:path>
-            <a:tileRect l="-100000" b="-100000"/>
-          </a:gradFill>
-        </p:spPr>
-        <p:txBody>
-          <a:bodyPr>
-            <a:normAutofit/>
-          </a:bodyPr>
-          <a:lstStyle/>
-          <a:p>
-            <a:pPr algn="l"/>
-            <a:r>
-              <a:rPr lang="en-US" altLang="zh-TW" b="1" dirty="0">
-                <a:solidFill>
-                  <a:srgbClr val="FFFF00"/>
-                </a:solidFill>
-              </a:rPr>
-              <a:t>6 Convolutional Neural Network (3)</a:t>
-            </a:r>
-            <a:endParaRPr lang="zh-TW" altLang="en-US" b="1" dirty="0">
-              <a:solidFill>
-                <a:srgbClr val="FFFF00"/>
-              </a:solidFill>
-            </a:endParaRPr>
-          </a:p>
-        </p:txBody>
-      </p:sp>
-      <p:sp>
-        <p:nvSpPr>
-          <p:cNvPr id="3" name="副標題 2"/>
-          <p:cNvSpPr>
-            <a:spLocks noGrp="1"/>
-          </p:cNvSpPr>
-          <p:nvPr>
-            <p:ph type="subTitle" idx="1"/>
-          </p:nvPr>
-        </p:nvSpPr>
-        <p:spPr>
-          <a:xfrm>
-            <a:off x="467544" y="1268760"/>
-            <a:ext cx="3816424" cy="3672408"/>
-          </a:xfrm>
-          <a:ln>
-            <a:solidFill>
-              <a:srgbClr val="C00000"/>
-            </a:solidFill>
-          </a:ln>
-        </p:spPr>
-        <p:txBody>
-          <a:bodyPr>
-            <a:noAutofit/>
-          </a:bodyPr>
-          <a:lstStyle/>
-          <a:p>
-            <a:pPr marL="342900" indent="-342900" algn="l">
-              <a:buClr>
-                <a:srgbClr val="0070C0"/>
-              </a:buClr>
-              <a:buSzPct val="80000"/>
-              <a:buFont typeface="Wingdings" pitchFamily="2" charset="2"/>
-              <a:buChar char="u"/>
-            </a:pPr>
-            <a:r>
-              <a:rPr lang="en-US" sz="1600" b="1" dirty="0">
-                <a:solidFill>
-                  <a:schemeClr val="tx1"/>
-                </a:solidFill>
-              </a:rPr>
-              <a:t>More Code Samples  (2)</a:t>
-            </a:r>
-          </a:p>
-          <a:p>
-            <a:pPr marL="342900" indent="-342900" algn="l">
-              <a:buClr>
-                <a:srgbClr val="0070C0"/>
-              </a:buClr>
-              <a:buSzPct val="80000"/>
-              <a:buFont typeface="Wingdings" pitchFamily="2" charset="2"/>
-              <a:buChar char="u"/>
-            </a:pPr>
-            <a:r>
-              <a:rPr lang="en-US" sz="1800" dirty="0">
-                <a:solidFill>
-                  <a:srgbClr val="0070C0"/>
-                </a:solidFill>
-              </a:rPr>
-              <a:t>simple-cnn.py:</a:t>
-            </a:r>
-          </a:p>
-          <a:p>
-            <a:pPr marL="342900" indent="-342900" algn="l">
-              <a:buClr>
-                <a:srgbClr val="0070C0"/>
-              </a:buClr>
-              <a:buSzPct val="80000"/>
-              <a:buFont typeface="Wingdings" pitchFamily="2" charset="2"/>
-              <a:buChar char="u"/>
-            </a:pPr>
-            <a:r>
-              <a:rPr lang="en-US" sz="1600" dirty="0">
-                <a:solidFill>
-                  <a:schemeClr val="tx1"/>
-                </a:solidFill>
-              </a:rPr>
-              <a:t>Constructs CNN</a:t>
-            </a:r>
-          </a:p>
-          <a:p>
-            <a:pPr marL="342900" indent="-342900" algn="l">
-              <a:buClr>
-                <a:srgbClr val="0070C0"/>
-              </a:buClr>
-              <a:buSzPct val="80000"/>
-              <a:buFont typeface="Wingdings" pitchFamily="2" charset="2"/>
-              <a:buChar char="u"/>
-            </a:pPr>
-            <a:r>
-              <a:rPr lang="en-US" sz="1600" dirty="0">
-                <a:solidFill>
-                  <a:schemeClr val="tx1"/>
-                </a:solidFill>
-              </a:rPr>
-              <a:t>Saves data for TensorBoard</a:t>
-            </a:r>
-          </a:p>
-          <a:p>
-            <a:pPr marL="342900" indent="-342900" algn="l">
-              <a:buClr>
-                <a:srgbClr val="0070C0"/>
-              </a:buClr>
-              <a:buSzPct val="80000"/>
-              <a:buFont typeface="Wingdings" pitchFamily="2" charset="2"/>
-              <a:buChar char="u"/>
-            </a:pPr>
-            <a:endParaRPr lang="en-US" sz="1800" dirty="0">
-              <a:solidFill>
-                <a:schemeClr val="tx1"/>
-              </a:solidFill>
-            </a:endParaRPr>
-          </a:p>
-          <a:p>
-            <a:pPr marL="342900" indent="-342900" algn="l">
-              <a:buClr>
-                <a:srgbClr val="0070C0"/>
-              </a:buClr>
-              <a:buSzPct val="80000"/>
-              <a:buFont typeface="Wingdings" pitchFamily="2" charset="2"/>
-              <a:buChar char="u"/>
-            </a:pPr>
-            <a:r>
-              <a:rPr lang="en-US" sz="1800" dirty="0">
-                <a:solidFill>
-                  <a:srgbClr val="0070C0"/>
-                </a:solidFill>
-              </a:rPr>
-              <a:t>complex-cnn.py:</a:t>
-            </a:r>
-          </a:p>
-          <a:p>
-            <a:pPr marL="342900" indent="-342900" algn="l">
-              <a:buClr>
-                <a:srgbClr val="0070C0"/>
-              </a:buClr>
-              <a:buSzPct val="80000"/>
-              <a:buFont typeface="Wingdings" pitchFamily="2" charset="2"/>
-              <a:buChar char="u"/>
-            </a:pPr>
-            <a:r>
-              <a:rPr lang="en-US" sz="1600" dirty="0">
-                <a:solidFill>
-                  <a:schemeClr val="tx1"/>
-                </a:solidFill>
-              </a:rPr>
-              <a:t>useful TensorBoard techniques</a:t>
-            </a:r>
-          </a:p>
-          <a:p>
-            <a:pPr marL="342900" indent="-342900" algn="l">
-              <a:buClr>
-                <a:srgbClr val="0070C0"/>
-              </a:buClr>
-              <a:buSzPct val="80000"/>
-              <a:buFont typeface="Wingdings" pitchFamily="2" charset="2"/>
-              <a:buChar char="u"/>
-            </a:pPr>
-            <a:endParaRPr lang="en-US" sz="1800" dirty="0">
-              <a:solidFill>
-                <a:schemeClr val="tx1"/>
-              </a:solidFill>
-            </a:endParaRPr>
-          </a:p>
-          <a:p>
-            <a:pPr marL="342900" indent="-342900" algn="l">
-              <a:buClr>
-                <a:srgbClr val="0070C0"/>
-              </a:buClr>
-              <a:buSzPct val="80000"/>
-              <a:buFont typeface="Wingdings" pitchFamily="2" charset="2"/>
-              <a:buChar char="u"/>
-            </a:pPr>
-            <a:r>
-              <a:rPr lang="en-US" sz="1800" dirty="0">
-                <a:solidFill>
-                  <a:srgbClr val="0070C0"/>
-                </a:solidFill>
-              </a:rPr>
-              <a:t>input-data.py:</a:t>
-            </a:r>
-          </a:p>
-          <a:p>
-            <a:pPr marL="342900" indent="-342900" algn="l">
-              <a:buClr>
-                <a:srgbClr val="0070C0"/>
-              </a:buClr>
-              <a:buSzPct val="80000"/>
-              <a:buFont typeface="Wingdings" pitchFamily="2" charset="2"/>
-              <a:buChar char="u"/>
-            </a:pPr>
-            <a:r>
-              <a:rPr lang="en-US" sz="1600" dirty="0">
-                <a:solidFill>
-                  <a:schemeClr val="tx1"/>
-                </a:solidFill>
-              </a:rPr>
-              <a:t>+ Alternative to deprecated code:</a:t>
-            </a:r>
-          </a:p>
-          <a:p>
-            <a:pPr marL="342900" indent="-342900" algn="l">
-              <a:buClr>
-                <a:srgbClr val="0070C0"/>
-              </a:buClr>
-              <a:buSzPct val="80000"/>
-              <a:buFont typeface="Wingdings" pitchFamily="2" charset="2"/>
-              <a:buChar char="u"/>
-            </a:pPr>
-            <a:r>
-              <a:rPr lang="en-US" sz="1400" dirty="0">
-                <a:solidFill>
-                  <a:schemeClr val="tx1"/>
-                </a:solidFill>
-              </a:rPr>
-              <a:t>from </a:t>
-            </a:r>
-            <a:r>
-              <a:rPr lang="en-US" sz="1400" dirty="0" err="1">
-                <a:solidFill>
-                  <a:schemeClr val="tx1"/>
-                </a:solidFill>
-              </a:rPr>
-              <a:t>tensorflow.examples.tutorials.mnist</a:t>
-            </a:r>
-            <a:r>
-              <a:rPr lang="en-US" sz="1400" dirty="0">
-                <a:solidFill>
-                  <a:schemeClr val="tx1"/>
-                </a:solidFill>
-              </a:rPr>
-              <a:t> import </a:t>
-            </a:r>
-            <a:r>
-              <a:rPr lang="en-US" sz="1400" dirty="0" err="1">
-                <a:solidFill>
-                  <a:schemeClr val="tx1"/>
-                </a:solidFill>
-              </a:rPr>
-              <a:t>input_data</a:t>
-            </a:r>
-            <a:endParaRPr lang="en-US" sz="1400" dirty="0">
-              <a:solidFill>
-                <a:schemeClr val="tx1"/>
-              </a:solidFill>
-            </a:endParaRPr>
-          </a:p>
-          <a:p>
-            <a:pPr marL="342900" indent="-342900" algn="l">
-              <a:buClr>
-                <a:srgbClr val="0070C0"/>
-              </a:buClr>
-              <a:buSzPct val="80000"/>
-              <a:buFont typeface="Wingdings" pitchFamily="2" charset="2"/>
-              <a:buChar char="u"/>
-            </a:pPr>
-            <a:endParaRPr lang="en-US" sz="1600" b="1" dirty="0">
-              <a:solidFill>
-                <a:schemeClr val="tx1"/>
-              </a:solidFill>
-            </a:endParaRPr>
-          </a:p>
-        </p:txBody>
-      </p:sp>
-      <p:sp>
-        <p:nvSpPr>
-          <p:cNvPr id="4" name="標題 1"/>
-          <p:cNvSpPr txBox="1">
-            <a:spLocks/>
-          </p:cNvSpPr>
-          <p:nvPr/>
-        </p:nvSpPr>
-        <p:spPr>
-          <a:xfrm>
-            <a:off x="0" y="764704"/>
-            <a:ext cx="9144000" cy="360040"/>
-          </a:xfrm>
-          <a:prstGeom prst="rect">
-            <a:avLst/>
-          </a:prstGeom>
-          <a:gradFill flip="none" rotWithShape="1">
-            <a:gsLst>
-              <a:gs pos="0">
-                <a:srgbClr val="00B0F0">
-                  <a:shade val="30000"/>
-                  <a:satMod val="115000"/>
-                </a:srgbClr>
-              </a:gs>
-              <a:gs pos="50000">
-                <a:srgbClr val="00B0F0">
-                  <a:shade val="67500"/>
-                  <a:satMod val="115000"/>
-                </a:srgbClr>
-              </a:gs>
-              <a:gs pos="100000">
-                <a:srgbClr val="00B0F0">
-                  <a:shade val="100000"/>
-                  <a:satMod val="115000"/>
-                </a:srgbClr>
-              </a:gs>
-            </a:gsLst>
-            <a:path path="circle">
-              <a:fillToRect t="100000" r="100000"/>
-            </a:path>
-            <a:tileRect l="-100000" b="-100000"/>
-          </a:gradFill>
-        </p:spPr>
-        <p:txBody>
-          <a:bodyPr vert="horz" lIns="91440" tIns="45720" rIns="91440" bIns="45720" rtlCol="0" anchor="ctr">
-            <a:normAutofit/>
-          </a:bodyPr>
-          <a:lstStyle/>
-          <a:p>
-            <a:pPr lvl="0">
-              <a:spcBef>
-                <a:spcPct val="0"/>
-              </a:spcBef>
-            </a:pPr>
-            <a:r>
-              <a:rPr lang="en-US" altLang="zh-TW" sz="1600" dirty="0">
-                <a:latin typeface="+mj-lt"/>
-                <a:ea typeface="+mj-ea"/>
-                <a:cs typeface="+mj-cs"/>
-              </a:rPr>
-              <a:t>https://www.tensorflow.org/tutorials/</a:t>
-            </a:r>
-            <a:endParaRPr kumimoji="0" lang="zh-TW" altLang="en-US" sz="1600" b="0" i="0" u="none" strike="noStrike" kern="1200" cap="none" spc="0" normalizeH="0" baseline="0" noProof="0" dirty="0">
-              <a:ln>
-                <a:noFill/>
-              </a:ln>
-              <a:solidFill>
-                <a:schemeClr val="tx1"/>
-              </a:solidFill>
-              <a:effectLst/>
-              <a:uLnTx/>
-              <a:uFillTx/>
-              <a:latin typeface="+mj-lt"/>
-              <a:ea typeface="+mj-ea"/>
-              <a:cs typeface="+mj-cs"/>
-            </a:endParaRPr>
-          </a:p>
-        </p:txBody>
-      </p:sp>
-      <p:sp>
-        <p:nvSpPr>
-          <p:cNvPr id="5" name="日期版面配置區 4"/>
-          <p:cNvSpPr>
-            <a:spLocks noGrp="1"/>
-          </p:cNvSpPr>
-          <p:nvPr>
-            <p:ph type="dt" sz="half" idx="10"/>
-          </p:nvPr>
-        </p:nvSpPr>
-        <p:spPr/>
-        <p:txBody>
-          <a:bodyPr/>
-          <a:lstStyle/>
-          <a:p>
-            <a:fld id="{A4F910E6-8D00-4BAF-8C48-9688E0B449D3}" type="datetime1">
-              <a:rPr lang="zh-TW" altLang="en-US" smtClean="0"/>
-              <a:pPr/>
-              <a:t>2019/3/7</a:t>
+              <a:t>2019/4/5</a:t>
             </a:fld>
             <a:endParaRPr lang="zh-TW" altLang="en-US"/>
           </a:p>
@@ -8869,97 +11258,10 @@
           </a:p>
         </p:txBody>
       </p:sp>
-      <p:pic>
-        <p:nvPicPr>
-          <p:cNvPr id="7" name="Picture 6">
-            <a:extLst>
-              <a:ext uri="{FF2B5EF4-FFF2-40B4-BE49-F238E27FC236}">
-                <a16:creationId xmlns:a16="http://schemas.microsoft.com/office/drawing/2014/main" id="{27916C73-513A-40EC-BA15-4A93E6464981}"/>
-              </a:ext>
-            </a:extLst>
-          </p:cNvPr>
-          <p:cNvPicPr>
-            <a:picLocks noChangeAspect="1"/>
-          </p:cNvPicPr>
-          <p:nvPr/>
-        </p:nvPicPr>
-        <p:blipFill>
-          <a:blip r:embed="rId2"/>
-          <a:stretch>
-            <a:fillRect/>
-          </a:stretch>
-        </p:blipFill>
-        <p:spPr>
-          <a:xfrm>
-            <a:off x="4444401" y="1271166"/>
-            <a:ext cx="4242399" cy="5085184"/>
-          </a:xfrm>
-          <a:prstGeom prst="rect">
-            <a:avLst/>
-          </a:prstGeom>
-          <a:ln>
-            <a:solidFill>
-              <a:srgbClr val="C00000"/>
-            </a:solidFill>
-          </a:ln>
-        </p:spPr>
-      </p:pic>
-      <p:sp>
-        <p:nvSpPr>
-          <p:cNvPr id="8" name="Rectangle 7">
-            <a:extLst>
-              <a:ext uri="{FF2B5EF4-FFF2-40B4-BE49-F238E27FC236}">
-                <a16:creationId xmlns:a16="http://schemas.microsoft.com/office/drawing/2014/main" id="{0AF196B7-95CA-4EFF-84F0-38674FC4F4E1}"/>
-              </a:ext>
-            </a:extLst>
-          </p:cNvPr>
-          <p:cNvSpPr/>
-          <p:nvPr/>
-        </p:nvSpPr>
-        <p:spPr>
-          <a:xfrm>
-            <a:off x="755576" y="1628800"/>
-            <a:ext cx="2952328" cy="1008112"/>
-          </a:xfrm>
-          <a:prstGeom prst="rect">
-            <a:avLst/>
-          </a:prstGeom>
-          <a:noFill/>
-          <a:ln>
-            <a:solidFill>
-              <a:srgbClr val="C00000"/>
-            </a:solidFill>
-          </a:ln>
-        </p:spPr>
-        <p:style>
-          <a:lnRef idx="2">
-            <a:schemeClr val="accent1">
-              <a:shade val="50000"/>
-            </a:schemeClr>
-          </a:lnRef>
-          <a:fillRef idx="1">
-            <a:schemeClr val="accent1"/>
-          </a:fillRef>
-          <a:effectRef idx="0">
-            <a:schemeClr val="accent1"/>
-          </a:effectRef>
-          <a:fontRef idx="minor">
-            <a:schemeClr val="lt1"/>
-          </a:fontRef>
-        </p:style>
-        <p:txBody>
-          <a:bodyPr rtlCol="0" anchor="ctr"/>
-          <a:lstStyle/>
-          <a:p>
-            <a:pPr algn="ctr"/>
-            <a:endParaRPr lang="en-US"/>
-          </a:p>
-        </p:txBody>
-      </p:sp>
     </p:spTree>
     <p:extLst>
       <p:ext uri="{BB962C8B-B14F-4D97-AF65-F5344CB8AC3E}">
-        <p14:creationId xmlns:p14="http://schemas.microsoft.com/office/powerpoint/2010/main" val="4294103250"/>
+        <p14:creationId xmlns:p14="http://schemas.microsoft.com/office/powerpoint/2010/main" val="2337765188"/>
       </p:ext>
     </p:extLst>
   </p:cSld>
